--- a/tutorials/aws-lambda-app/BuildingAnAppWithAWSLambda.pptx
+++ b/tutorials/aws-lambda-app/BuildingAnAppWithAWSLambda.pptx
@@ -5929,7 +5929,7 @@
           <a:p>
             <a:r>
               <a:rPr lang="en-US" dirty="0" smtClean="0"/>
-              <a:t>JAVA HANDLER</a:t>
+              <a:t>LAMBDA FUNCTION HANDLER</a:t>
             </a:r>
             <a:endParaRPr lang="en-US" dirty="0"/>
           </a:p>
@@ -9879,7 +9879,7 @@
         </p:spPr>
         <p:txBody>
           <a:bodyPr>
-            <a:normAutofit fontScale="92500" lnSpcReduction="10000"/>
+            <a:normAutofit lnSpcReduction="10000"/>
           </a:bodyPr>
           <a:lstStyle/>
           <a:p>
@@ -9932,8 +9932,13 @@
             </a:r>
             <a:r>
               <a:rPr lang="en-US" dirty="0"/>
-              <a:t>as a Java POJO</a:t>
-            </a:r>
+              <a:t>as a </a:t>
+            </a:r>
+            <a:r>
+              <a:rPr lang="en-US" dirty="0" smtClean="0"/>
+              <a:t>POJO</a:t>
+            </a:r>
+            <a:endParaRPr lang="en-US" dirty="0"/>
           </a:p>
           <a:p>
             <a:pPr marL="0" indent="0">
@@ -9941,16 +9946,13 @@
             </a:pPr>
             <a:r>
               <a:rPr lang="en-US" dirty="0" smtClean="0"/>
-              <a:t>Step 4:  Write code for feature </a:t>
-            </a:r>
-            <a:r>
-              <a:rPr lang="en-US" dirty="0" err="1" smtClean="0"/>
-              <a:t>munging</a:t>
-            </a:r>
-            <a:r>
-              <a:rPr lang="en-US" dirty="0" smtClean="0"/>
-              <a:t> and Lambda 			    handler</a:t>
-            </a:r>
+              <a:t>Step 4:  Write code for </a:t>
+            </a:r>
+            <a:r>
+              <a:rPr lang="en-US" dirty="0" smtClean="0"/>
+              <a:t>Lambda handler</a:t>
+            </a:r>
+            <a:endParaRPr lang="en-US" dirty="0" smtClean="0"/>
           </a:p>
           <a:p>
             <a:pPr marL="0" indent="0">
@@ -9978,7 +9980,7 @@
             </a:r>
             <a:r>
               <a:rPr lang="en-US" dirty="0" smtClean="0"/>
-              <a:t>(.zip file) and 				    upload </a:t>
+              <a:t>(.zip file) and 				upload </a:t>
             </a:r>
             <a:r>
               <a:rPr lang="en-US" dirty="0" smtClean="0"/>
@@ -11708,7 +11710,7 @@
         </p:nvSpPr>
         <p:spPr>
           <a:xfrm>
-            <a:off x="5470486" y="5568948"/>
+            <a:off x="5194731" y="5568949"/>
             <a:ext cx="1870114" cy="745067"/>
           </a:xfrm>
           <a:prstGeom prst="ellipse">
@@ -11898,7 +11900,7 @@
         <p:spPr>
           <a:xfrm>
             <a:off x="5470486" y="5180127"/>
-            <a:ext cx="935057" cy="388821"/>
+            <a:ext cx="659302" cy="388822"/>
           </a:xfrm>
           <a:prstGeom prst="bentConnector2">
             <a:avLst/>
@@ -13047,8 +13049,16 @@
               <a:pPr algn="ctr"/>
               <a:r>
                 <a:rPr lang="en-US" b="1" kern="1200" dirty="0" smtClean="0"/>
-                <a:t>Java</a:t>
+                <a:t>Lambda</a:t>
               </a:r>
+            </a:p>
+            <a:p>
+              <a:pPr algn="ctr"/>
+              <a:r>
+                <a:rPr lang="en-US" b="1" kern="1200" dirty="0" smtClean="0"/>
+                <a:t>Function</a:t>
+              </a:r>
+              <a:endParaRPr lang="en-US" b="1" kern="1200" dirty="0" smtClean="0"/>
             </a:p>
             <a:p>
               <a:pPr algn="ctr"/>

--- a/tutorials/aws-lambda-app/BuildingAnAppWithAWSLambda.pptx
+++ b/tutorials/aws-lambda-app/BuildingAnAppWithAWSLambda.pptx
@@ -5,7 +5,7 @@
     <p:sldMasterId id="2147483660" r:id="rId1"/>
   </p:sldMasterIdLst>
   <p:notesMasterIdLst>
-    <p:notesMasterId r:id="rId24"/>
+    <p:notesMasterId r:id="rId25"/>
   </p:notesMasterIdLst>
   <p:sldIdLst>
     <p:sldId id="256" r:id="rId2"/>
@@ -27,9 +27,10 @@
     <p:sldId id="287" r:id="rId18"/>
     <p:sldId id="286" r:id="rId19"/>
     <p:sldId id="288" r:id="rId20"/>
-    <p:sldId id="280" r:id="rId21"/>
-    <p:sldId id="258" r:id="rId22"/>
-    <p:sldId id="281" r:id="rId23"/>
+    <p:sldId id="292" r:id="rId21"/>
+    <p:sldId id="280" r:id="rId22"/>
+    <p:sldId id="258" r:id="rId23"/>
+    <p:sldId id="281" r:id="rId24"/>
   </p:sldIdLst>
   <p:sldSz cx="9144000" cy="6858000" type="screen4x3"/>
   <p:notesSz cx="6858000" cy="9144000"/>
@@ -1033,7 +1034,7 @@
           <a:p>
             <a:fld id="{792B1845-D904-C94D-9BA9-FEC36B05FE4E}" type="datetimeFigureOut">
               <a:rPr lang="en-US" smtClean="0"/>
-              <a:t>3/12/16</a:t>
+              <a:t>3/14/16</a:t>
             </a:fld>
             <a:endParaRPr lang="en-US"/>
           </a:p>
@@ -1303,7 +1304,7 @@
           <a:p>
             <a:fld id="{792B1845-D904-C94D-9BA9-FEC36B05FE4E}" type="datetimeFigureOut">
               <a:rPr lang="en-US" smtClean="0"/>
-              <a:t>3/12/16</a:t>
+              <a:t>3/14/16</a:t>
             </a:fld>
             <a:endParaRPr lang="en-US"/>
           </a:p>
@@ -1533,7 +1534,7 @@
           <a:p>
             <a:fld id="{792B1845-D904-C94D-9BA9-FEC36B05FE4E}" type="datetimeFigureOut">
               <a:rPr lang="en-US" smtClean="0"/>
-              <a:t>3/12/16</a:t>
+              <a:t>3/14/16</a:t>
             </a:fld>
             <a:endParaRPr lang="en-US"/>
           </a:p>
@@ -1773,7 +1774,7 @@
           <a:p>
             <a:fld id="{792B1845-D904-C94D-9BA9-FEC36B05FE4E}" type="datetimeFigureOut">
               <a:rPr lang="en-US" smtClean="0"/>
-              <a:t>3/12/16</a:t>
+              <a:t>3/14/16</a:t>
             </a:fld>
             <a:endParaRPr lang="en-US"/>
           </a:p>
@@ -2609,7 +2610,7 @@
           <a:p>
             <a:fld id="{792B1845-D904-C94D-9BA9-FEC36B05FE4E}" type="datetimeFigureOut">
               <a:rPr lang="en-US" smtClean="0"/>
-              <a:t>3/12/16</a:t>
+              <a:t>3/14/16</a:t>
             </a:fld>
             <a:endParaRPr lang="en-US"/>
           </a:p>
@@ -2853,7 +2854,7 @@
           <a:p>
             <a:fld id="{792B1845-D904-C94D-9BA9-FEC36B05FE4E}" type="datetimeFigureOut">
               <a:rPr lang="en-US" smtClean="0"/>
-              <a:t>3/12/16</a:t>
+              <a:t>3/14/16</a:t>
             </a:fld>
             <a:endParaRPr lang="en-US"/>
           </a:p>
@@ -3497,7 +3498,7 @@
           <a:p>
             <a:fld id="{792B1845-D904-C94D-9BA9-FEC36B05FE4E}" type="datetimeFigureOut">
               <a:rPr lang="en-US" smtClean="0"/>
-              <a:t>3/12/16</a:t>
+              <a:t>3/14/16</a:t>
             </a:fld>
             <a:endParaRPr lang="en-US"/>
           </a:p>
@@ -3854,7 +3855,7 @@
           <a:p>
             <a:fld id="{792B1845-D904-C94D-9BA9-FEC36B05FE4E}" type="datetimeFigureOut">
               <a:rPr lang="en-US" smtClean="0"/>
-              <a:t>3/12/16</a:t>
+              <a:t>3/14/16</a:t>
             </a:fld>
             <a:endParaRPr lang="en-US"/>
           </a:p>
@@ -4381,7 +4382,7 @@
           <a:p>
             <a:fld id="{792B1845-D904-C94D-9BA9-FEC36B05FE4E}" type="datetimeFigureOut">
               <a:rPr lang="en-US" smtClean="0"/>
-              <a:t>3/12/16</a:t>
+              <a:t>3/14/16</a:t>
             </a:fld>
             <a:endParaRPr lang="en-US"/>
           </a:p>
@@ -4568,7 +4569,7 @@
           <a:p>
             <a:fld id="{792B1845-D904-C94D-9BA9-FEC36B05FE4E}" type="datetimeFigureOut">
               <a:rPr lang="en-US" smtClean="0"/>
-              <a:t>3/12/16</a:t>
+              <a:t>3/14/16</a:t>
             </a:fld>
             <a:endParaRPr lang="en-US"/>
           </a:p>
@@ -4687,7 +4688,7 @@
           <a:p>
             <a:fld id="{792B1845-D904-C94D-9BA9-FEC36B05FE4E}" type="datetimeFigureOut">
               <a:rPr lang="en-US" smtClean="0"/>
-              <a:t>3/12/16</a:t>
+              <a:t>3/14/16</a:t>
             </a:fld>
             <a:endParaRPr lang="en-US"/>
           </a:p>
@@ -5024,7 +5025,7 @@
           <a:p>
             <a:fld id="{792B1845-D904-C94D-9BA9-FEC36B05FE4E}" type="datetimeFigureOut">
               <a:rPr lang="en-US" smtClean="0"/>
-              <a:t>3/12/16</a:t>
+              <a:t>3/14/16</a:t>
             </a:fld>
             <a:endParaRPr lang="en-US"/>
           </a:p>
@@ -6225,15 +6226,7 @@
             </a:r>
             <a:r>
               <a:rPr lang="en-US" sz="1600" dirty="0"/>
-              <a:t>)[</a:t>
-            </a:r>
-            <a:r>
-              <a:rPr lang="en-US" sz="1600" dirty="0"/>
-              <a:t>0</a:t>
-            </a:r>
-            <a:r>
-              <a:rPr lang="en-US" sz="1600" dirty="0"/>
-              <a:t>]</a:t>
+              <a:t>)[0]</a:t>
             </a:r>
             <a:br>
               <a:rPr lang="en-US" sz="1600" dirty="0"/>
@@ -6363,15 +6356,7 @@
             </a:r>
             <a:r>
               <a:rPr lang="en-US" sz="1600" dirty="0"/>
-              <a:t>(beta) - </a:t>
-            </a:r>
-            <a:r>
-              <a:rPr lang="en-US" sz="1600" dirty="0"/>
-              <a:t>1</a:t>
-            </a:r>
-            <a:r>
-              <a:rPr lang="en-US" sz="1600" dirty="0"/>
-              <a:t>]]</a:t>
+              <a:t>(beta) - 1]]</a:t>
             </a:r>
             <a:br>
               <a:rPr lang="en-US" sz="1600" dirty="0"/>
@@ -6593,15 +6578,7 @@
             </a:r>
             <a:r>
               <a:rPr lang="en-US" sz="1600" dirty="0"/>
-              <a:t>[</a:t>
-            </a:r>
-            <a:r>
-              <a:rPr lang="en-US" sz="1600" dirty="0"/>
-              <a:t>0</a:t>
-            </a:r>
-            <a:r>
-              <a:rPr lang="en-US" sz="1600" dirty="0"/>
-              <a:t>], </a:t>
+              <a:t>[0], </a:t>
             </a:r>
             <a:r>
               <a:rPr lang="en-US" sz="1600" dirty="0" err="1"/>
@@ -6609,15 +6586,7 @@
             </a:r>
             <a:r>
               <a:rPr lang="en-US" sz="1600" dirty="0"/>
-              <a:t>[</a:t>
-            </a:r>
-            <a:r>
-              <a:rPr lang="en-US" sz="1600" dirty="0"/>
-              <a:t>1</a:t>
-            </a:r>
-            <a:r>
-              <a:rPr lang="en-US" sz="1600" dirty="0"/>
-              <a:t>]] + </a:t>
+              <a:t>[1]] + </a:t>
             </a:r>
             <a:r>
               <a:rPr lang="en-US" sz="1600" dirty="0" err="1"/>
@@ -6768,23 +6737,7 @@
             </a:r>
             <a:r>
               <a:rPr lang="en-US" dirty="0"/>
-              <a:t>[</a:t>
-            </a:r>
-            <a:r>
-              <a:rPr lang="en-US" dirty="0"/>
-              <a:t>0</a:t>
-            </a:r>
-            <a:r>
-              <a:rPr lang="en-US" dirty="0"/>
-              <a:t>] = </a:t>
-            </a:r>
-            <a:r>
-              <a:rPr lang="en-US" dirty="0"/>
-              <a:t>1.49207826021648</a:t>
-            </a:r>
-            <a:r>
-              <a:rPr lang="en-US" dirty="0"/>
-              <a:t>;</a:t>
+              <a:t>[0] = 1.49207826021648;</a:t>
             </a:r>
             <a:br>
               <a:rPr lang="en-US" dirty="0"/>
@@ -6799,23 +6752,7 @@
             </a:r>
             <a:r>
               <a:rPr lang="en-US" dirty="0"/>
-              <a:t>[</a:t>
-            </a:r>
-            <a:r>
-              <a:rPr lang="en-US" dirty="0"/>
-              <a:t>1</a:t>
-            </a:r>
-            <a:r>
-              <a:rPr lang="en-US" dirty="0"/>
-              <a:t>] = </a:t>
-            </a:r>
-            <a:r>
-              <a:rPr lang="en-US" dirty="0"/>
-              <a:t>2.8502716978560194</a:t>
-            </a:r>
-            <a:r>
-              <a:rPr lang="en-US" dirty="0"/>
-              <a:t>;</a:t>
+              <a:t>[1] = 2.8502716978560194;</a:t>
             </a:r>
             <a:br>
               <a:rPr lang="en-US" dirty="0"/>
@@ -6830,23 +6767,7 @@
             </a:r>
             <a:r>
               <a:rPr lang="en-US" dirty="0"/>
-              <a:t>[</a:t>
-            </a:r>
-            <a:r>
-              <a:rPr lang="en-US" dirty="0"/>
-              <a:t>2</a:t>
-            </a:r>
-            <a:r>
-              <a:rPr lang="en-US" dirty="0"/>
-              <a:t>] = -</a:t>
-            </a:r>
-            <a:r>
-              <a:rPr lang="en-US" dirty="0"/>
-              <a:t>8.839804567200542</a:t>
-            </a:r>
-            <a:r>
-              <a:rPr lang="en-US" dirty="0"/>
-              <a:t>;</a:t>
+              <a:t>[2] = -8.839804567200542;</a:t>
             </a:r>
             <a:br>
               <a:rPr lang="en-US" dirty="0"/>
@@ -6861,23 +6782,7 @@
             </a:r>
             <a:r>
               <a:rPr lang="en-US" dirty="0"/>
-              <a:t>[</a:t>
-            </a:r>
-            <a:r>
-              <a:rPr lang="en-US" dirty="0"/>
-              <a:t>3</a:t>
-            </a:r>
-            <a:r>
-              <a:rPr lang="en-US" dirty="0"/>
-              <a:t>] = -</a:t>
-            </a:r>
-            <a:r>
-              <a:rPr lang="en-US" dirty="0"/>
-              <a:t>0.7977065034624655</a:t>
-            </a:r>
-            <a:r>
-              <a:rPr lang="en-US" dirty="0"/>
-              <a:t>;</a:t>
+              <a:t>[3] = -0.7977065034624655;</a:t>
             </a:r>
             <a:br>
               <a:rPr lang="en-US" dirty="0"/>
@@ -6892,23 +6797,7 @@
             </a:r>
             <a:r>
               <a:rPr lang="en-US" dirty="0"/>
-              <a:t>[</a:t>
-            </a:r>
-            <a:r>
-              <a:rPr lang="en-US" dirty="0"/>
-              <a:t>4</a:t>
-            </a:r>
-            <a:r>
-              <a:rPr lang="en-US" dirty="0"/>
-              <a:t>] = -</a:t>
-            </a:r>
-            <a:r>
-              <a:rPr lang="en-US" dirty="0"/>
-              <a:t>14.94132841574946</a:t>
-            </a:r>
-            <a:r>
-              <a:rPr lang="en-US" dirty="0"/>
-              <a:t>;</a:t>
+              <a:t>[4] = -14.94132841574946;</a:t>
             </a:r>
             <a:br>
               <a:rPr lang="en-US" dirty="0"/>
@@ -7007,11 +6896,7 @@
             </a:pPr>
             <a:r>
               <a:rPr lang="en-US" dirty="0" smtClean="0"/>
-              <a:t>STEP </a:t>
-            </a:r>
-            <a:r>
-              <a:rPr lang="en-US" dirty="0" smtClean="0"/>
-              <a:t>1: Build</a:t>
+              <a:t>STEP 1: Build</a:t>
             </a:r>
           </a:p>
           <a:p>
@@ -7396,15 +7281,7 @@
             <a:pPr lvl="2"/>
             <a:r>
               <a:rPr lang="en-US" dirty="0" smtClean="0"/>
-              <a:t>This is Lambda’s cold start behavior. Keep </a:t>
-            </a:r>
-            <a:r>
-              <a:rPr lang="en-US" dirty="0" smtClean="0"/>
-              <a:t>trying, eventually </a:t>
-            </a:r>
-            <a:r>
-              <a:rPr lang="en-US" dirty="0" smtClean="0"/>
-              <a:t>Lambda kicks in</a:t>
+              <a:t>This is Lambda’s cold start behavior. Keep trying, eventually Lambda kicks in</a:t>
             </a:r>
           </a:p>
           <a:p>
@@ -7509,21 +7386,13 @@
           <a:p>
             <a:r>
               <a:rPr lang="en-US" dirty="0" smtClean="0"/>
-              <a:t>Avoid declaring any function variables outside the scope of the </a:t>
-            </a:r>
-            <a:r>
-              <a:rPr lang="en-US" dirty="0" smtClean="0"/>
-              <a:t>handler</a:t>
-            </a:r>
-          </a:p>
-          <a:p>
-            <a:r>
-              <a:rPr lang="en-US" dirty="0" smtClean="0"/>
-              <a:t>Minimize </a:t>
-            </a:r>
-            <a:r>
-              <a:rPr lang="en-US" dirty="0" smtClean="0"/>
-              <a:t>startup </a:t>
+              <a:t>Avoid declaring any function variables outside the scope of the handler</a:t>
+            </a:r>
+          </a:p>
+          <a:p>
+            <a:r>
+              <a:rPr lang="en-US" dirty="0" smtClean="0"/>
+              <a:t>Minimize startup </a:t>
             </a:r>
             <a:r>
               <a:rPr lang="en-US" dirty="0"/>
@@ -7755,14 +7624,14 @@
             <p:ph idx="1"/>
             <p:extLst>
               <p:ext uri="{D42A27DB-BD31-4B8C-83A1-F6EECF244321}">
-                <p14:modId xmlns:p14="http://schemas.microsoft.com/office/powerpoint/2010/main" val="1128766187"/>
+                <p14:modId xmlns:p14="http://schemas.microsoft.com/office/powerpoint/2010/main" val="1013191868"/>
               </p:ext>
             </p:extLst>
           </p:nvPr>
         </p:nvGraphicFramePr>
         <p:xfrm>
-          <a:off x="457200" y="1292701"/>
-          <a:ext cx="8229600" cy="3083560"/>
+          <a:off x="457200" y="1041241"/>
+          <a:ext cx="8229600" cy="3484880"/>
         </p:xfrm>
         <a:graphic>
           <a:graphicData uri="http://schemas.openxmlformats.org/drawingml/2006/table">
@@ -7900,11 +7769,14 @@
                     <a:p>
                       <a:pPr fontAlgn="t"/>
                       <a:r>
-                        <a:rPr lang="en-US">
+                        <a:rPr lang="en-US" dirty="0" smtClean="0">
                           <a:effectLst/>
                         </a:rPr>
-                        <a:t>Ephemeral disk capacity ("/tmp" space)</a:t>
+                        <a:t>Memory</a:t>
                       </a:r>
+                      <a:endParaRPr lang="en-US" dirty="0">
+                        <a:effectLst/>
+                      </a:endParaRPr>
                     </a:p>
                   </a:txBody>
                   <a:tcPr marL="63500" marR="63500" marT="63500" marB="63500">
@@ -7953,7 +7825,7 @@
                     <a:p>
                       <a:pPr fontAlgn="t"/>
                       <a:r>
-                        <a:rPr lang="tr-TR">
+                        <a:rPr lang="tr-TR" dirty="0">
                           <a:effectLst/>
                         </a:rPr>
                         <a:t>512 MB</a:t>
@@ -8576,6 +8448,117 @@
                   </a:tcPr>
                 </a:tc>
               </a:tr>
+              <a:tr h="0">
+                <a:tc>
+                  <a:txBody>
+                    <a:bodyPr/>
+                    <a:lstStyle/>
+                    <a:p>
+                      <a:pPr fontAlgn="t"/>
+                      <a:r>
+                        <a:rPr lang="en-US" dirty="0" smtClean="0">
+                          <a:effectLst/>
+                        </a:rPr>
+                        <a:t>Concurrent executions per region</a:t>
+                      </a:r>
+                    </a:p>
+                  </a:txBody>
+                  <a:tcPr marL="63500" marR="63500" marT="63500" marB="63500">
+                    <a:lnL w="12700" cap="flat" cmpd="sng" algn="ctr">
+                      <a:solidFill>
+                        <a:srgbClr val="CCCCCC"/>
+                      </a:solidFill>
+                      <a:prstDash val="solid"/>
+                      <a:round/>
+                      <a:headEnd type="none" w="med" len="med"/>
+                      <a:tailEnd type="none" w="med" len="med"/>
+                    </a:lnL>
+                    <a:lnR w="12700" cap="flat" cmpd="sng" algn="ctr">
+                      <a:solidFill>
+                        <a:srgbClr val="CCCCCC"/>
+                      </a:solidFill>
+                      <a:prstDash val="solid"/>
+                      <a:round/>
+                      <a:headEnd type="none" w="med" len="med"/>
+                      <a:tailEnd type="none" w="med" len="med"/>
+                    </a:lnR>
+                    <a:lnT w="12700" cap="flat" cmpd="sng" algn="ctr">
+                      <a:solidFill>
+                        <a:srgbClr val="CCCCCC"/>
+                      </a:solidFill>
+                      <a:prstDash val="solid"/>
+                      <a:round/>
+                      <a:headEnd type="none" w="med" len="med"/>
+                      <a:tailEnd type="none" w="med" len="med"/>
+                    </a:lnT>
+                    <a:lnB w="12700" cap="flat" cmpd="sng" algn="ctr">
+                      <a:solidFill>
+                        <a:srgbClr val="CCCCCC"/>
+                      </a:solidFill>
+                      <a:prstDash val="solid"/>
+                      <a:round/>
+                      <a:headEnd type="none" w="med" len="med"/>
+                      <a:tailEnd type="none" w="med" len="med"/>
+                    </a:lnB>
+                  </a:tcPr>
+                </a:tc>
+                <a:tc>
+                  <a:txBody>
+                    <a:bodyPr/>
+                    <a:lstStyle/>
+                    <a:p>
+                      <a:pPr fontAlgn="t"/>
+                      <a:r>
+                        <a:rPr lang="en-US" dirty="0" smtClean="0">
+                          <a:effectLst/>
+                        </a:rPr>
+                        <a:t>100</a:t>
+                      </a:r>
+                      <a:endParaRPr lang="en-US" dirty="0">
+                        <a:effectLst/>
+                      </a:endParaRPr>
+                    </a:p>
+                  </a:txBody>
+                  <a:tcPr marL="63500" marR="63500" marT="63500" marB="63500">
+                    <a:lnL w="12700" cap="flat" cmpd="sng" algn="ctr">
+                      <a:solidFill>
+                        <a:srgbClr val="CCCCCC"/>
+                      </a:solidFill>
+                      <a:prstDash val="solid"/>
+                      <a:round/>
+                      <a:headEnd type="none" w="med" len="med"/>
+                      <a:tailEnd type="none" w="med" len="med"/>
+                    </a:lnL>
+                    <a:lnR w="12700" cap="flat" cmpd="sng" algn="ctr">
+                      <a:solidFill>
+                        <a:srgbClr val="CCCCCC"/>
+                      </a:solidFill>
+                      <a:prstDash val="solid"/>
+                      <a:round/>
+                      <a:headEnd type="none" w="med" len="med"/>
+                      <a:tailEnd type="none" w="med" len="med"/>
+                    </a:lnR>
+                    <a:lnT w="12700" cap="flat" cmpd="sng" algn="ctr">
+                      <a:solidFill>
+                        <a:srgbClr val="CCCCCC"/>
+                      </a:solidFill>
+                      <a:prstDash val="solid"/>
+                      <a:round/>
+                      <a:headEnd type="none" w="med" len="med"/>
+                      <a:tailEnd type="none" w="med" len="med"/>
+                    </a:lnT>
+                    <a:lnB w="12700" cap="flat" cmpd="sng" algn="ctr">
+                      <a:solidFill>
+                        <a:srgbClr val="CCCCCC"/>
+                      </a:solidFill>
+                      <a:prstDash val="solid"/>
+                      <a:round/>
+                      <a:headEnd type="none" w="med" len="med"/>
+                      <a:tailEnd type="none" w="med" len="med"/>
+                    </a:lnB>
+                  </a:tcPr>
+                </a:tc>
+              </a:tr>
             </a:tbl>
           </a:graphicData>
         </a:graphic>
@@ -8589,13 +8572,13 @@
           <p:nvPr>
             <p:extLst>
               <p:ext uri="{D42A27DB-BD31-4B8C-83A1-F6EECF244321}">
-                <p14:modId xmlns:p14="http://schemas.microsoft.com/office/powerpoint/2010/main" val="684859339"/>
+                <p14:modId xmlns:p14="http://schemas.microsoft.com/office/powerpoint/2010/main" val="829724997"/>
               </p:ext>
             </p:extLst>
           </p:nvPr>
         </p:nvGraphicFramePr>
         <p:xfrm>
-          <a:off x="457200" y="4526121"/>
+          <a:off x="457200" y="4695296"/>
           <a:ext cx="8229600" cy="2026920"/>
         </p:xfrm>
         <a:graphic>
@@ -8606,7 +8589,7 @@
                 <a:gridCol w="4114800"/>
                 <a:gridCol w="4114800"/>
               </a:tblGrid>
-              <a:tr h="0">
+              <a:tr h="351061">
                 <a:tc>
                   <a:txBody>
                     <a:bodyPr/>
@@ -8614,7 +8597,7 @@
                     <a:p>
                       <a:pPr algn="l" fontAlgn="t"/>
                       <a:r>
-                        <a:rPr lang="en-US" b="1">
+                        <a:rPr lang="en-US" b="1" dirty="0">
                           <a:solidFill>
                             <a:srgbClr val="333333"/>
                           </a:solidFill>
@@ -8726,7 +8709,7 @@
                   </a:tcPr>
                 </a:tc>
               </a:tr>
-              <a:tr h="0">
+              <a:tr h="591026">
                 <a:tc>
                   <a:txBody>
                     <a:bodyPr/>
@@ -8734,7 +8717,7 @@
                     <a:p>
                       <a:pPr fontAlgn="t"/>
                       <a:r>
-                        <a:rPr lang="en-US">
+                        <a:rPr lang="en-US" dirty="0">
                           <a:effectLst/>
                         </a:rPr>
                         <a:t>Lambda function deployment package size (.zip/.jar file)</a:t>
@@ -8840,7 +8823,7 @@
                   </a:tcPr>
                 </a:tc>
               </a:tr>
-              <a:tr h="0">
+              <a:tr h="830992">
                 <a:tc>
                   <a:txBody>
                     <a:bodyPr/>
@@ -9030,7 +9013,9 @@
         </p:nvSpPr>
         <p:spPr/>
         <p:txBody>
-          <a:bodyPr/>
+          <a:bodyPr>
+            <a:normAutofit lnSpcReduction="10000"/>
+          </a:bodyPr>
           <a:lstStyle/>
           <a:p>
             <a:r>
@@ -9086,6 +9071,13 @@
             <a:r>
               <a:rPr lang="en-US" dirty="0" smtClean="0"/>
               <a:t>thereafter</a:t>
+            </a:r>
+            <a:endParaRPr lang="en-US" dirty="0"/>
+          </a:p>
+          <a:p>
+            <a:r>
+              <a:rPr lang="en-US" dirty="0" smtClean="0"/>
+              <a:t>Estimate: $0.37/hour with 10 threads after free-tier</a:t>
             </a:r>
           </a:p>
         </p:txBody>
@@ -9194,11 +9186,7 @@
             </a:r>
             <a:r>
               <a:rPr lang="en-US" dirty="0" smtClean="0"/>
-              <a:t>is a compute service that runs </a:t>
-            </a:r>
-            <a:r>
-              <a:rPr lang="en-US" dirty="0" smtClean="0"/>
-              <a:t>code –a </a:t>
+              <a:t>is a compute service that runs code –a </a:t>
             </a:r>
             <a:r>
               <a:rPr lang="en-US" b="1" i="1" dirty="0" smtClean="0"/>
@@ -9206,11 +9194,7 @@
             </a:r>
             <a:r>
               <a:rPr lang="en-US" dirty="0" smtClean="0"/>
-              <a:t>- on-demand</a:t>
-            </a:r>
-            <a:r>
-              <a:rPr lang="en-US" dirty="0" smtClean="0"/>
-              <a:t>. It simplifies the process of running code in the cloud by managing compute resources automatically. </a:t>
+              <a:t>- on-demand. It simplifies the process of running code in the cloud by managing compute resources automatically. </a:t>
             </a:r>
           </a:p>
           <a:p>
@@ -9269,7 +9253,6 @@
               <a:rPr lang="en-US" dirty="0" smtClean="0"/>
               <a:t>handle”</a:t>
             </a:r>
-            <a:endParaRPr lang="en-US" dirty="0" smtClean="0"/>
           </a:p>
           <a:p>
             <a:r>
@@ -9352,162 +9335,1491 @@
           <a:p>
             <a:r>
               <a:rPr lang="en-US" dirty="0" smtClean="0"/>
-              <a:t>RELATED EXAMPLES</a:t>
+              <a:t>LAMBDA PERFORMANCE</a:t>
             </a:r>
             <a:endParaRPr lang="en-US" dirty="0"/>
           </a:p>
         </p:txBody>
       </p:sp>
-      <p:sp>
-        <p:nvSpPr>
-          <p:cNvPr id="3" name="Content Placeholder 2"/>
-          <p:cNvSpPr>
-            <a:spLocks noGrp="1"/>
-          </p:cNvSpPr>
+      <p:graphicFrame>
+        <p:nvGraphicFramePr>
+          <p:cNvPr id="4" name="Content Placeholder 3"/>
+          <p:cNvGraphicFramePr>
+            <a:graphicFrameLocks noGrp="1"/>
+          </p:cNvGraphicFramePr>
           <p:nvPr>
             <p:ph idx="1"/>
+            <p:extLst>
+              <p:ext uri="{D42A27DB-BD31-4B8C-83A1-F6EECF244321}">
+                <p14:modId xmlns:p14="http://schemas.microsoft.com/office/powerpoint/2010/main" val="1564218324"/>
+              </p:ext>
+            </p:extLst>
           </p:nvPr>
-        </p:nvSpPr>
-        <p:spPr/>
-        <p:txBody>
-          <a:bodyPr>
-            <a:normAutofit fontScale="85000" lnSpcReduction="20000"/>
-          </a:bodyPr>
-          <a:lstStyle/>
-          <a:p>
-            <a:r>
-              <a:rPr lang="en-US" dirty="0" smtClean="0"/>
-              <a:t>H2O Generated Model POJO in a Java Servlet container</a:t>
-            </a:r>
-          </a:p>
-          <a:p>
-            <a:pPr lvl="1"/>
-            <a:r>
-              <a:rPr lang="en-US" dirty="0" err="1" smtClean="0"/>
-              <a:t>Github</a:t>
-            </a:r>
-            <a:r>
-              <a:rPr lang="en-US"/>
-              <a:t>: h2oai/app-consumer-loan</a:t>
-            </a:r>
-            <a:endParaRPr lang="en-US" dirty="0" smtClean="0"/>
-          </a:p>
-          <a:p>
-            <a:endParaRPr lang="en-US" dirty="0"/>
-          </a:p>
-          <a:p>
-            <a:r>
-              <a:rPr lang="en-US" dirty="0" smtClean="0"/>
-              <a:t>H2O Generated Model POJO in a Storm bolt</a:t>
-            </a:r>
-          </a:p>
-          <a:p>
-            <a:pPr lvl="1"/>
-            <a:r>
-              <a:rPr lang="en-US" dirty="0" err="1" smtClean="0"/>
-              <a:t>GitHub</a:t>
-            </a:r>
-            <a:r>
-              <a:rPr lang="en-US" dirty="0" smtClean="0"/>
-              <a:t>:  h2oai/</a:t>
-            </a:r>
-            <a:r>
-              <a:rPr lang="en-US" dirty="0"/>
-              <a:t>h2o-world-2015-</a:t>
-            </a:r>
-            <a:r>
-              <a:rPr lang="en-US" dirty="0" smtClean="0"/>
-              <a:t>training</a:t>
-            </a:r>
-            <a:endParaRPr lang="en-US" dirty="0"/>
-          </a:p>
-          <a:p>
-            <a:pPr lvl="1"/>
-            <a:r>
-              <a:rPr lang="en-US" dirty="0" smtClean="0"/>
-              <a:t>tutorials</a:t>
-            </a:r>
-            <a:r>
-              <a:rPr lang="en-US" dirty="0"/>
-              <a:t>/streaming/storm</a:t>
-            </a:r>
-            <a:endParaRPr lang="en-US" dirty="0" smtClean="0"/>
-          </a:p>
-          <a:p>
-            <a:endParaRPr lang="en-US" dirty="0" smtClean="0"/>
-          </a:p>
-          <a:p>
-            <a:r>
-              <a:rPr lang="en-US" dirty="0" smtClean="0"/>
-              <a:t>H2O Generated Model POJO in Spark Streaming</a:t>
-            </a:r>
-          </a:p>
-          <a:p>
-            <a:pPr lvl="1"/>
-            <a:r>
-              <a:rPr lang="en-US" dirty="0" err="1" smtClean="0"/>
-              <a:t>GitHub</a:t>
-            </a:r>
-            <a:r>
-              <a:rPr lang="en-US" dirty="0" smtClean="0"/>
-              <a:t>: h2oai</a:t>
-            </a:r>
-            <a:r>
-              <a:rPr lang="en-US" dirty="0"/>
-              <a:t>/sparkling-</a:t>
-            </a:r>
-            <a:r>
-              <a:rPr lang="en-US" dirty="0" smtClean="0"/>
-              <a:t>water</a:t>
-            </a:r>
-          </a:p>
-          <a:p>
-            <a:pPr lvl="1"/>
-            <a:r>
-              <a:rPr lang="en-US" dirty="0"/>
-              <a:t>examples/</a:t>
-            </a:r>
-            <a:r>
-              <a:rPr lang="en-US" dirty="0" err="1"/>
-              <a:t>src</a:t>
-            </a:r>
-            <a:r>
-              <a:rPr lang="en-US" dirty="0"/>
-              <a:t>/main/</a:t>
-            </a:r>
-            <a:r>
-              <a:rPr lang="en-US" dirty="0" err="1"/>
-              <a:t>scala</a:t>
-            </a:r>
-            <a:r>
-              <a:rPr lang="en-US" dirty="0"/>
-              <a:t>/org/apache/spark/examples/h2o/</a:t>
-            </a:r>
-            <a:r>
-              <a:rPr lang="en-US" dirty="0" err="1"/>
-              <a:t>CraigslistJobTitlesStreamingApp.scala</a:t>
-            </a:r>
-            <a:endParaRPr lang="en-US" dirty="0" smtClean="0"/>
-          </a:p>
-        </p:txBody>
-      </p:sp>
+        </p:nvGraphicFramePr>
+        <p:xfrm>
+          <a:off x="457198" y="2034381"/>
+          <a:ext cx="8423775" cy="1584960"/>
+        </p:xfrm>
+        <a:graphic>
+          <a:graphicData uri="http://schemas.openxmlformats.org/drawingml/2006/table">
+            <a:tbl>
+              <a:tblPr/>
+              <a:tblGrid>
+                <a:gridCol w="900045"/>
+                <a:gridCol w="886651"/>
+                <a:gridCol w="744855"/>
+                <a:gridCol w="914718"/>
+                <a:gridCol w="859155"/>
+                <a:gridCol w="731430"/>
+                <a:gridCol w="731430"/>
+                <a:gridCol w="755983"/>
+                <a:gridCol w="1899508"/>
+              </a:tblGrid>
+              <a:tr h="0">
+                <a:tc>
+                  <a:txBody>
+                    <a:bodyPr/>
+                    <a:lstStyle/>
+                    <a:p>
+                      <a:r>
+                        <a:rPr lang="en-US" sz="1600" dirty="0">
+                          <a:effectLst/>
+                        </a:rPr>
+                        <a:t>Memory </a:t>
+                      </a:r>
+                      <a:endParaRPr lang="en-US" sz="1600" dirty="0" smtClean="0">
+                        <a:effectLst/>
+                      </a:endParaRPr>
+                    </a:p>
+                    <a:p>
+                      <a:r>
+                        <a:rPr lang="en-US" sz="1600" dirty="0" smtClean="0">
+                          <a:effectLst/>
+                        </a:rPr>
+                        <a:t>(</a:t>
+                      </a:r>
+                      <a:r>
+                        <a:rPr lang="en-US" sz="1600" dirty="0">
+                          <a:effectLst/>
+                        </a:rPr>
+                        <a:t>MB)</a:t>
+                      </a:r>
+                    </a:p>
+                  </a:txBody>
+                  <a:tcPr anchor="ctr">
+                    <a:lnL>
+                      <a:noFill/>
+                    </a:lnL>
+                    <a:lnR>
+                      <a:noFill/>
+                    </a:lnR>
+                    <a:lnT>
+                      <a:noFill/>
+                    </a:lnT>
+                    <a:lnB w="12700" cap="flat" cmpd="sng" algn="ctr">
+                      <a:solidFill>
+                        <a:srgbClr val="BBBBBB"/>
+                      </a:solidFill>
+                      <a:prstDash val="solid"/>
+                      <a:round/>
+                      <a:headEnd type="none" w="med" len="med"/>
+                      <a:tailEnd type="none" w="med" len="med"/>
+                    </a:lnB>
+                  </a:tcPr>
+                </a:tc>
+                <a:tc>
+                  <a:txBody>
+                    <a:bodyPr/>
+                    <a:lstStyle/>
+                    <a:p>
+                      <a:r>
+                        <a:rPr lang="en-US" sz="1600">
+                          <a:effectLst/>
+                        </a:rPr>
+                        <a:t>Threads</a:t>
+                      </a:r>
+                    </a:p>
+                  </a:txBody>
+                  <a:tcPr anchor="ctr">
+                    <a:lnL>
+                      <a:noFill/>
+                    </a:lnL>
+                    <a:lnR>
+                      <a:noFill/>
+                    </a:lnR>
+                    <a:lnT>
+                      <a:noFill/>
+                    </a:lnT>
+                    <a:lnB w="12700" cap="flat" cmpd="sng" algn="ctr">
+                      <a:solidFill>
+                        <a:srgbClr val="BBBBBB"/>
+                      </a:solidFill>
+                      <a:prstDash val="solid"/>
+                      <a:round/>
+                      <a:headEnd type="none" w="med" len="med"/>
+                      <a:tailEnd type="none" w="med" len="med"/>
+                    </a:lnB>
+                  </a:tcPr>
+                </a:tc>
+                <a:tc>
+                  <a:txBody>
+                    <a:bodyPr/>
+                    <a:lstStyle/>
+                    <a:p>
+                      <a:r>
+                        <a:rPr lang="en-US" sz="1600" dirty="0">
+                          <a:effectLst/>
+                        </a:rPr>
+                        <a:t>Loops</a:t>
+                      </a:r>
+                    </a:p>
+                  </a:txBody>
+                  <a:tcPr anchor="ctr">
+                    <a:lnL>
+                      <a:noFill/>
+                    </a:lnL>
+                    <a:lnR>
+                      <a:noFill/>
+                    </a:lnR>
+                    <a:lnT>
+                      <a:noFill/>
+                    </a:lnT>
+                    <a:lnB w="12700" cap="flat" cmpd="sng" algn="ctr">
+                      <a:solidFill>
+                        <a:srgbClr val="BBBBBB"/>
+                      </a:solidFill>
+                      <a:prstDash val="solid"/>
+                      <a:round/>
+                      <a:headEnd type="none" w="med" len="med"/>
+                      <a:tailEnd type="none" w="med" len="med"/>
+                    </a:lnB>
+                  </a:tcPr>
+                </a:tc>
+                <a:tc>
+                  <a:txBody>
+                    <a:bodyPr/>
+                    <a:lstStyle/>
+                    <a:p>
+                      <a:r>
+                        <a:rPr lang="en-US" sz="1600">
+                          <a:effectLst/>
+                        </a:rPr>
+                        <a:t>Samples</a:t>
+                      </a:r>
+                    </a:p>
+                  </a:txBody>
+                  <a:tcPr anchor="ctr">
+                    <a:lnL>
+                      <a:noFill/>
+                    </a:lnL>
+                    <a:lnR>
+                      <a:noFill/>
+                    </a:lnR>
+                    <a:lnT>
+                      <a:noFill/>
+                    </a:lnT>
+                    <a:lnB w="12700" cap="flat" cmpd="sng" algn="ctr">
+                      <a:solidFill>
+                        <a:srgbClr val="BBBBBB"/>
+                      </a:solidFill>
+                      <a:prstDash val="solid"/>
+                      <a:round/>
+                      <a:headEnd type="none" w="med" len="med"/>
+                      <a:tailEnd type="none" w="med" len="med"/>
+                    </a:lnB>
+                  </a:tcPr>
+                </a:tc>
+                <a:tc>
+                  <a:txBody>
+                    <a:bodyPr/>
+                    <a:lstStyle/>
+                    <a:p>
+                      <a:r>
+                        <a:rPr lang="en-US" sz="1600" dirty="0">
+                          <a:effectLst/>
+                        </a:rPr>
+                        <a:t>Median</a:t>
+                      </a:r>
+                    </a:p>
+                  </a:txBody>
+                  <a:tcPr anchor="ctr">
+                    <a:lnL>
+                      <a:noFill/>
+                    </a:lnL>
+                    <a:lnR>
+                      <a:noFill/>
+                    </a:lnR>
+                    <a:lnT>
+                      <a:noFill/>
+                    </a:lnT>
+                    <a:lnB w="12700" cap="flat" cmpd="sng" algn="ctr">
+                      <a:solidFill>
+                        <a:srgbClr val="BBBBBB"/>
+                      </a:solidFill>
+                      <a:prstDash val="solid"/>
+                      <a:round/>
+                      <a:headEnd type="none" w="med" len="med"/>
+                      <a:tailEnd type="none" w="med" len="med"/>
+                    </a:lnB>
+                  </a:tcPr>
+                </a:tc>
+                <a:tc>
+                  <a:txBody>
+                    <a:bodyPr/>
+                    <a:lstStyle/>
+                    <a:p>
+                      <a:r>
+                        <a:rPr lang="en-US" sz="1600" dirty="0">
+                          <a:effectLst/>
+                        </a:rPr>
+                        <a:t>Min</a:t>
+                      </a:r>
+                    </a:p>
+                  </a:txBody>
+                  <a:tcPr anchor="ctr">
+                    <a:lnL>
+                      <a:noFill/>
+                    </a:lnL>
+                    <a:lnR>
+                      <a:noFill/>
+                    </a:lnR>
+                    <a:lnT>
+                      <a:noFill/>
+                    </a:lnT>
+                    <a:lnB w="12700" cap="flat" cmpd="sng" algn="ctr">
+                      <a:solidFill>
+                        <a:srgbClr val="BBBBBB"/>
+                      </a:solidFill>
+                      <a:prstDash val="solid"/>
+                      <a:round/>
+                      <a:headEnd type="none" w="med" len="med"/>
+                      <a:tailEnd type="none" w="med" len="med"/>
+                    </a:lnB>
+                  </a:tcPr>
+                </a:tc>
+                <a:tc>
+                  <a:txBody>
+                    <a:bodyPr/>
+                    <a:lstStyle/>
+                    <a:p>
+                      <a:r>
+                        <a:rPr lang="en-US" sz="1600">
+                          <a:effectLst/>
+                        </a:rPr>
+                        <a:t>Max</a:t>
+                      </a:r>
+                    </a:p>
+                  </a:txBody>
+                  <a:tcPr anchor="ctr">
+                    <a:lnL>
+                      <a:noFill/>
+                    </a:lnL>
+                    <a:lnR>
+                      <a:noFill/>
+                    </a:lnR>
+                    <a:lnT>
+                      <a:noFill/>
+                    </a:lnT>
+                    <a:lnB w="12700" cap="flat" cmpd="sng" algn="ctr">
+                      <a:solidFill>
+                        <a:srgbClr val="BBBBBB"/>
+                      </a:solidFill>
+                      <a:prstDash val="solid"/>
+                      <a:round/>
+                      <a:headEnd type="none" w="med" len="med"/>
+                      <a:tailEnd type="none" w="med" len="med"/>
+                    </a:lnB>
+                  </a:tcPr>
+                </a:tc>
+                <a:tc>
+                  <a:txBody>
+                    <a:bodyPr/>
+                    <a:lstStyle/>
+                    <a:p>
+                      <a:r>
+                        <a:rPr lang="en-US" sz="1600" dirty="0" smtClean="0">
+                          <a:effectLst/>
+                        </a:rPr>
+                        <a:t>% Error </a:t>
+                      </a:r>
+                      <a:endParaRPr lang="en-US" sz="1600" dirty="0">
+                        <a:effectLst/>
+                      </a:endParaRPr>
+                    </a:p>
+                  </a:txBody>
+                  <a:tcPr anchor="ctr">
+                    <a:lnL>
+                      <a:noFill/>
+                    </a:lnL>
+                    <a:lnR>
+                      <a:noFill/>
+                    </a:lnR>
+                    <a:lnT>
+                      <a:noFill/>
+                    </a:lnT>
+                    <a:lnB w="12700" cap="flat" cmpd="sng" algn="ctr">
+                      <a:solidFill>
+                        <a:srgbClr val="BBBBBB"/>
+                      </a:solidFill>
+                      <a:prstDash val="solid"/>
+                      <a:round/>
+                      <a:headEnd type="none" w="med" len="med"/>
+                      <a:tailEnd type="none" w="med" len="med"/>
+                    </a:lnB>
+                  </a:tcPr>
+                </a:tc>
+                <a:tc>
+                  <a:txBody>
+                    <a:bodyPr/>
+                    <a:lstStyle/>
+                    <a:p>
+                      <a:r>
+                        <a:rPr lang="en-US" sz="1600" dirty="0">
+                          <a:effectLst/>
+                        </a:rPr>
+                        <a:t>Throughput </a:t>
+                      </a:r>
+                      <a:endParaRPr lang="en-US" sz="1600" dirty="0" smtClean="0">
+                        <a:effectLst/>
+                      </a:endParaRPr>
+                    </a:p>
+                    <a:p>
+                      <a:r>
+                        <a:rPr lang="en-US" sz="1600" dirty="0" smtClean="0">
+                          <a:effectLst/>
+                        </a:rPr>
+                        <a:t>(</a:t>
+                      </a:r>
+                      <a:r>
+                        <a:rPr lang="en-US" sz="1600" dirty="0">
+                          <a:effectLst/>
+                        </a:rPr>
+                        <a:t>calls/sec)</a:t>
+                      </a:r>
+                    </a:p>
+                  </a:txBody>
+                  <a:tcPr anchor="ctr">
+                    <a:lnL>
+                      <a:noFill/>
+                    </a:lnL>
+                    <a:lnR>
+                      <a:noFill/>
+                    </a:lnR>
+                    <a:lnT>
+                      <a:noFill/>
+                    </a:lnT>
+                    <a:lnB w="12700" cap="flat" cmpd="sng" algn="ctr">
+                      <a:solidFill>
+                        <a:srgbClr val="BBBBBB"/>
+                      </a:solidFill>
+                      <a:prstDash val="solid"/>
+                      <a:round/>
+                      <a:headEnd type="none" w="med" len="med"/>
+                      <a:tailEnd type="none" w="med" len="med"/>
+                    </a:lnB>
+                  </a:tcPr>
+                </a:tc>
+              </a:tr>
+              <a:tr h="0">
+                <a:tc>
+                  <a:txBody>
+                    <a:bodyPr/>
+                    <a:lstStyle/>
+                    <a:p>
+                      <a:r>
+                        <a:rPr lang="is-IS" sz="1600">
+                          <a:effectLst/>
+                        </a:rPr>
+                        <a:t>512</a:t>
+                      </a:r>
+                    </a:p>
+                  </a:txBody>
+                  <a:tcPr anchor="ctr">
+                    <a:lnL>
+                      <a:noFill/>
+                    </a:lnL>
+                    <a:lnR>
+                      <a:noFill/>
+                    </a:lnR>
+                    <a:lnT w="12700" cap="flat" cmpd="sng" algn="ctr">
+                      <a:solidFill>
+                        <a:srgbClr val="BBBBBB"/>
+                      </a:solidFill>
+                      <a:prstDash val="solid"/>
+                      <a:round/>
+                      <a:headEnd type="none" w="med" len="med"/>
+                      <a:tailEnd type="none" w="med" len="med"/>
+                    </a:lnT>
+                    <a:lnB w="12700" cap="flat" cmpd="sng" algn="ctr">
+                      <a:solidFill>
+                        <a:srgbClr val="DDDDDD"/>
+                      </a:solidFill>
+                      <a:prstDash val="solid"/>
+                      <a:round/>
+                      <a:headEnd type="none" w="med" len="med"/>
+                      <a:tailEnd type="none" w="med" len="med"/>
+                    </a:lnB>
+                  </a:tcPr>
+                </a:tc>
+                <a:tc>
+                  <a:txBody>
+                    <a:bodyPr/>
+                    <a:lstStyle/>
+                    <a:p>
+                      <a:r>
+                        <a:rPr lang="en-US" sz="1600">
+                          <a:effectLst/>
+                        </a:rPr>
+                        <a:t>1</a:t>
+                      </a:r>
+                    </a:p>
+                  </a:txBody>
+                  <a:tcPr anchor="ctr">
+                    <a:lnL>
+                      <a:noFill/>
+                    </a:lnL>
+                    <a:lnR>
+                      <a:noFill/>
+                    </a:lnR>
+                    <a:lnT w="12700" cap="flat" cmpd="sng" algn="ctr">
+                      <a:solidFill>
+                        <a:srgbClr val="BBBBBB"/>
+                      </a:solidFill>
+                      <a:prstDash val="solid"/>
+                      <a:round/>
+                      <a:headEnd type="none" w="med" len="med"/>
+                      <a:tailEnd type="none" w="med" len="med"/>
+                    </a:lnT>
+                    <a:lnB w="12700" cap="flat" cmpd="sng" algn="ctr">
+                      <a:solidFill>
+                        <a:srgbClr val="DDDDDD"/>
+                      </a:solidFill>
+                      <a:prstDash val="solid"/>
+                      <a:round/>
+                      <a:headEnd type="none" w="med" len="med"/>
+                      <a:tailEnd type="none" w="med" len="med"/>
+                    </a:lnB>
+                  </a:tcPr>
+                </a:tc>
+                <a:tc>
+                  <a:txBody>
+                    <a:bodyPr/>
+                    <a:lstStyle/>
+                    <a:p>
+                      <a:r>
+                        <a:rPr lang="is-IS" sz="1600">
+                          <a:effectLst/>
+                        </a:rPr>
+                        <a:t>10000</a:t>
+                      </a:r>
+                    </a:p>
+                  </a:txBody>
+                  <a:tcPr anchor="ctr">
+                    <a:lnL>
+                      <a:noFill/>
+                    </a:lnL>
+                    <a:lnR>
+                      <a:noFill/>
+                    </a:lnR>
+                    <a:lnT w="12700" cap="flat" cmpd="sng" algn="ctr">
+                      <a:solidFill>
+                        <a:srgbClr val="BBBBBB"/>
+                      </a:solidFill>
+                      <a:prstDash val="solid"/>
+                      <a:round/>
+                      <a:headEnd type="none" w="med" len="med"/>
+                      <a:tailEnd type="none" w="med" len="med"/>
+                    </a:lnT>
+                    <a:lnB w="12700" cap="flat" cmpd="sng" algn="ctr">
+                      <a:solidFill>
+                        <a:srgbClr val="DDDDDD"/>
+                      </a:solidFill>
+                      <a:prstDash val="solid"/>
+                      <a:round/>
+                      <a:headEnd type="none" w="med" len="med"/>
+                      <a:tailEnd type="none" w="med" len="med"/>
+                    </a:lnB>
+                  </a:tcPr>
+                </a:tc>
+                <a:tc>
+                  <a:txBody>
+                    <a:bodyPr/>
+                    <a:lstStyle/>
+                    <a:p>
+                      <a:r>
+                        <a:rPr lang="is-IS" sz="1600">
+                          <a:effectLst/>
+                        </a:rPr>
+                        <a:t>10000</a:t>
+                      </a:r>
+                    </a:p>
+                  </a:txBody>
+                  <a:tcPr anchor="ctr">
+                    <a:lnL>
+                      <a:noFill/>
+                    </a:lnL>
+                    <a:lnR>
+                      <a:noFill/>
+                    </a:lnR>
+                    <a:lnT w="12700" cap="flat" cmpd="sng" algn="ctr">
+                      <a:solidFill>
+                        <a:srgbClr val="BBBBBB"/>
+                      </a:solidFill>
+                      <a:prstDash val="solid"/>
+                      <a:round/>
+                      <a:headEnd type="none" w="med" len="med"/>
+                      <a:tailEnd type="none" w="med" len="med"/>
+                    </a:lnT>
+                    <a:lnB w="12700" cap="flat" cmpd="sng" algn="ctr">
+                      <a:solidFill>
+                        <a:srgbClr val="DDDDDD"/>
+                      </a:solidFill>
+                      <a:prstDash val="solid"/>
+                      <a:round/>
+                      <a:headEnd type="none" w="med" len="med"/>
+                      <a:tailEnd type="none" w="med" len="med"/>
+                    </a:lnB>
+                  </a:tcPr>
+                </a:tc>
+                <a:tc>
+                  <a:txBody>
+                    <a:bodyPr/>
+                    <a:lstStyle/>
+                    <a:p>
+                      <a:r>
+                        <a:rPr lang="fi-FI" sz="1600">
+                          <a:effectLst/>
+                        </a:rPr>
+                        <a:t>102</a:t>
+                      </a:r>
+                    </a:p>
+                  </a:txBody>
+                  <a:tcPr anchor="ctr">
+                    <a:lnL>
+                      <a:noFill/>
+                    </a:lnL>
+                    <a:lnR>
+                      <a:noFill/>
+                    </a:lnR>
+                    <a:lnT w="12700" cap="flat" cmpd="sng" algn="ctr">
+                      <a:solidFill>
+                        <a:srgbClr val="BBBBBB"/>
+                      </a:solidFill>
+                      <a:prstDash val="solid"/>
+                      <a:round/>
+                      <a:headEnd type="none" w="med" len="med"/>
+                      <a:tailEnd type="none" w="med" len="med"/>
+                    </a:lnT>
+                    <a:lnB w="12700" cap="flat" cmpd="sng" algn="ctr">
+                      <a:solidFill>
+                        <a:srgbClr val="DDDDDD"/>
+                      </a:solidFill>
+                      <a:prstDash val="solid"/>
+                      <a:round/>
+                      <a:headEnd type="none" w="med" len="med"/>
+                      <a:tailEnd type="none" w="med" len="med"/>
+                    </a:lnB>
+                  </a:tcPr>
+                </a:tc>
+                <a:tc>
+                  <a:txBody>
+                    <a:bodyPr/>
+                    <a:lstStyle/>
+                    <a:p>
+                      <a:r>
+                        <a:rPr lang="en-US" sz="1600">
+                          <a:effectLst/>
+                        </a:rPr>
+                        <a:t>85</a:t>
+                      </a:r>
+                    </a:p>
+                  </a:txBody>
+                  <a:tcPr anchor="ctr">
+                    <a:lnL>
+                      <a:noFill/>
+                    </a:lnL>
+                    <a:lnR>
+                      <a:noFill/>
+                    </a:lnR>
+                    <a:lnT w="12700" cap="flat" cmpd="sng" algn="ctr">
+                      <a:solidFill>
+                        <a:srgbClr val="BBBBBB"/>
+                      </a:solidFill>
+                      <a:prstDash val="solid"/>
+                      <a:round/>
+                      <a:headEnd type="none" w="med" len="med"/>
+                      <a:tailEnd type="none" w="med" len="med"/>
+                    </a:lnT>
+                    <a:lnB w="12700" cap="flat" cmpd="sng" algn="ctr">
+                      <a:solidFill>
+                        <a:srgbClr val="DDDDDD"/>
+                      </a:solidFill>
+                      <a:prstDash val="solid"/>
+                      <a:round/>
+                      <a:headEnd type="none" w="med" len="med"/>
+                      <a:tailEnd type="none" w="med" len="med"/>
+                    </a:lnB>
+                  </a:tcPr>
+                </a:tc>
+                <a:tc>
+                  <a:txBody>
+                    <a:bodyPr/>
+                    <a:lstStyle/>
+                    <a:p>
+                      <a:r>
+                        <a:rPr lang="is-IS" sz="1600">
+                          <a:effectLst/>
+                        </a:rPr>
+                        <a:t>2137</a:t>
+                      </a:r>
+                    </a:p>
+                  </a:txBody>
+                  <a:tcPr anchor="ctr">
+                    <a:lnL>
+                      <a:noFill/>
+                    </a:lnL>
+                    <a:lnR>
+                      <a:noFill/>
+                    </a:lnR>
+                    <a:lnT w="12700" cap="flat" cmpd="sng" algn="ctr">
+                      <a:solidFill>
+                        <a:srgbClr val="BBBBBB"/>
+                      </a:solidFill>
+                      <a:prstDash val="solid"/>
+                      <a:round/>
+                      <a:headEnd type="none" w="med" len="med"/>
+                      <a:tailEnd type="none" w="med" len="med"/>
+                    </a:lnT>
+                    <a:lnB w="12700" cap="flat" cmpd="sng" algn="ctr">
+                      <a:solidFill>
+                        <a:srgbClr val="DDDDDD"/>
+                      </a:solidFill>
+                      <a:prstDash val="solid"/>
+                      <a:round/>
+                      <a:headEnd type="none" w="med" len="med"/>
+                      <a:tailEnd type="none" w="med" len="med"/>
+                    </a:lnB>
+                  </a:tcPr>
+                </a:tc>
+                <a:tc>
+                  <a:txBody>
+                    <a:bodyPr/>
+                    <a:lstStyle/>
+                    <a:p>
+                      <a:r>
+                        <a:rPr lang="en-US" sz="1600">
+                          <a:effectLst/>
+                        </a:rPr>
+                        <a:t>0</a:t>
+                      </a:r>
+                    </a:p>
+                  </a:txBody>
+                  <a:tcPr anchor="ctr">
+                    <a:lnL>
+                      <a:noFill/>
+                    </a:lnL>
+                    <a:lnR>
+                      <a:noFill/>
+                    </a:lnR>
+                    <a:lnT w="12700" cap="flat" cmpd="sng" algn="ctr">
+                      <a:solidFill>
+                        <a:srgbClr val="BBBBBB"/>
+                      </a:solidFill>
+                      <a:prstDash val="solid"/>
+                      <a:round/>
+                      <a:headEnd type="none" w="med" len="med"/>
+                      <a:tailEnd type="none" w="med" len="med"/>
+                    </a:lnT>
+                    <a:lnB w="12700" cap="flat" cmpd="sng" algn="ctr">
+                      <a:solidFill>
+                        <a:srgbClr val="DDDDDD"/>
+                      </a:solidFill>
+                      <a:prstDash val="solid"/>
+                      <a:round/>
+                      <a:headEnd type="none" w="med" len="med"/>
+                      <a:tailEnd type="none" w="med" len="med"/>
+                    </a:lnB>
+                  </a:tcPr>
+                </a:tc>
+                <a:tc>
+                  <a:txBody>
+                    <a:bodyPr/>
+                    <a:lstStyle/>
+                    <a:p>
+                      <a:r>
+                        <a:rPr lang="hr-HR" sz="1600" dirty="0">
+                          <a:effectLst/>
+                        </a:rPr>
+                        <a:t>8.4</a:t>
+                      </a:r>
+                    </a:p>
+                  </a:txBody>
+                  <a:tcPr anchor="ctr">
+                    <a:lnL>
+                      <a:noFill/>
+                    </a:lnL>
+                    <a:lnR>
+                      <a:noFill/>
+                    </a:lnR>
+                    <a:lnT w="12700" cap="flat" cmpd="sng" algn="ctr">
+                      <a:solidFill>
+                        <a:srgbClr val="BBBBBB"/>
+                      </a:solidFill>
+                      <a:prstDash val="solid"/>
+                      <a:round/>
+                      <a:headEnd type="none" w="med" len="med"/>
+                      <a:tailEnd type="none" w="med" len="med"/>
+                    </a:lnT>
+                    <a:lnB w="12700" cap="flat" cmpd="sng" algn="ctr">
+                      <a:solidFill>
+                        <a:srgbClr val="DDDDDD"/>
+                      </a:solidFill>
+                      <a:prstDash val="solid"/>
+                      <a:round/>
+                      <a:headEnd type="none" w="med" len="med"/>
+                      <a:tailEnd type="none" w="med" len="med"/>
+                    </a:lnB>
+                  </a:tcPr>
+                </a:tc>
+              </a:tr>
+              <a:tr h="0">
+                <a:tc>
+                  <a:txBody>
+                    <a:bodyPr/>
+                    <a:lstStyle/>
+                    <a:p>
+                      <a:r>
+                        <a:rPr lang="is-IS" sz="1600">
+                          <a:effectLst/>
+                        </a:rPr>
+                        <a:t>512</a:t>
+                      </a:r>
+                    </a:p>
+                  </a:txBody>
+                  <a:tcPr anchor="ctr">
+                    <a:lnL>
+                      <a:noFill/>
+                    </a:lnL>
+                    <a:lnR>
+                      <a:noFill/>
+                    </a:lnR>
+                    <a:lnT w="12700" cap="flat" cmpd="sng" algn="ctr">
+                      <a:solidFill>
+                        <a:srgbClr val="DDDDDD"/>
+                      </a:solidFill>
+                      <a:prstDash val="solid"/>
+                      <a:round/>
+                      <a:headEnd type="none" w="med" len="med"/>
+                      <a:tailEnd type="none" w="med" len="med"/>
+                    </a:lnT>
+                    <a:lnB w="12700" cap="flat" cmpd="sng" algn="ctr">
+                      <a:solidFill>
+                        <a:srgbClr val="DDDDDD"/>
+                      </a:solidFill>
+                      <a:prstDash val="solid"/>
+                      <a:round/>
+                      <a:headEnd type="none" w="med" len="med"/>
+                      <a:tailEnd type="none" w="med" len="med"/>
+                    </a:lnB>
+                  </a:tcPr>
+                </a:tc>
+                <a:tc>
+                  <a:txBody>
+                    <a:bodyPr/>
+                    <a:lstStyle/>
+                    <a:p>
+                      <a:r>
+                        <a:rPr lang="en-US" sz="1600">
+                          <a:effectLst/>
+                        </a:rPr>
+                        <a:t>10</a:t>
+                      </a:r>
+                    </a:p>
+                  </a:txBody>
+                  <a:tcPr anchor="ctr">
+                    <a:lnL>
+                      <a:noFill/>
+                    </a:lnL>
+                    <a:lnR>
+                      <a:noFill/>
+                    </a:lnR>
+                    <a:lnT w="12700" cap="flat" cmpd="sng" algn="ctr">
+                      <a:solidFill>
+                        <a:srgbClr val="DDDDDD"/>
+                      </a:solidFill>
+                      <a:prstDash val="solid"/>
+                      <a:round/>
+                      <a:headEnd type="none" w="med" len="med"/>
+                      <a:tailEnd type="none" w="med" len="med"/>
+                    </a:lnT>
+                    <a:lnB w="12700" cap="flat" cmpd="sng" algn="ctr">
+                      <a:solidFill>
+                        <a:srgbClr val="DDDDDD"/>
+                      </a:solidFill>
+                      <a:prstDash val="solid"/>
+                      <a:round/>
+                      <a:headEnd type="none" w="med" len="med"/>
+                      <a:tailEnd type="none" w="med" len="med"/>
+                    </a:lnB>
+                  </a:tcPr>
+                </a:tc>
+                <a:tc>
+                  <a:txBody>
+                    <a:bodyPr/>
+                    <a:lstStyle/>
+                    <a:p>
+                      <a:r>
+                        <a:rPr lang="is-IS" sz="1600">
+                          <a:effectLst/>
+                        </a:rPr>
+                        <a:t>1000</a:t>
+                      </a:r>
+                    </a:p>
+                  </a:txBody>
+                  <a:tcPr anchor="ctr">
+                    <a:lnL>
+                      <a:noFill/>
+                    </a:lnL>
+                    <a:lnR>
+                      <a:noFill/>
+                    </a:lnR>
+                    <a:lnT w="12700" cap="flat" cmpd="sng" algn="ctr">
+                      <a:solidFill>
+                        <a:srgbClr val="DDDDDD"/>
+                      </a:solidFill>
+                      <a:prstDash val="solid"/>
+                      <a:round/>
+                      <a:headEnd type="none" w="med" len="med"/>
+                      <a:tailEnd type="none" w="med" len="med"/>
+                    </a:lnT>
+                    <a:lnB w="12700" cap="flat" cmpd="sng" algn="ctr">
+                      <a:solidFill>
+                        <a:srgbClr val="DDDDDD"/>
+                      </a:solidFill>
+                      <a:prstDash val="solid"/>
+                      <a:round/>
+                      <a:headEnd type="none" w="med" len="med"/>
+                      <a:tailEnd type="none" w="med" len="med"/>
+                    </a:lnB>
+                  </a:tcPr>
+                </a:tc>
+                <a:tc>
+                  <a:txBody>
+                    <a:bodyPr/>
+                    <a:lstStyle/>
+                    <a:p>
+                      <a:r>
+                        <a:rPr lang="is-IS" sz="1600">
+                          <a:effectLst/>
+                        </a:rPr>
+                        <a:t>10000</a:t>
+                      </a:r>
+                    </a:p>
+                  </a:txBody>
+                  <a:tcPr anchor="ctr">
+                    <a:lnL>
+                      <a:noFill/>
+                    </a:lnL>
+                    <a:lnR>
+                      <a:noFill/>
+                    </a:lnR>
+                    <a:lnT w="12700" cap="flat" cmpd="sng" algn="ctr">
+                      <a:solidFill>
+                        <a:srgbClr val="DDDDDD"/>
+                      </a:solidFill>
+                      <a:prstDash val="solid"/>
+                      <a:round/>
+                      <a:headEnd type="none" w="med" len="med"/>
+                      <a:tailEnd type="none" w="med" len="med"/>
+                    </a:lnT>
+                    <a:lnB w="12700" cap="flat" cmpd="sng" algn="ctr">
+                      <a:solidFill>
+                        <a:srgbClr val="DDDDDD"/>
+                      </a:solidFill>
+                      <a:prstDash val="solid"/>
+                      <a:round/>
+                      <a:headEnd type="none" w="med" len="med"/>
+                      <a:tailEnd type="none" w="med" len="med"/>
+                    </a:lnB>
+                  </a:tcPr>
+                </a:tc>
+                <a:tc>
+                  <a:txBody>
+                    <a:bodyPr/>
+                    <a:lstStyle/>
+                    <a:p>
+                      <a:r>
+                        <a:rPr lang="fi-FI" sz="1600">
+                          <a:effectLst/>
+                        </a:rPr>
+                        <a:t>102</a:t>
+                      </a:r>
+                    </a:p>
+                  </a:txBody>
+                  <a:tcPr anchor="ctr">
+                    <a:lnL>
+                      <a:noFill/>
+                    </a:lnL>
+                    <a:lnR>
+                      <a:noFill/>
+                    </a:lnR>
+                    <a:lnT w="12700" cap="flat" cmpd="sng" algn="ctr">
+                      <a:solidFill>
+                        <a:srgbClr val="DDDDDD"/>
+                      </a:solidFill>
+                      <a:prstDash val="solid"/>
+                      <a:round/>
+                      <a:headEnd type="none" w="med" len="med"/>
+                      <a:tailEnd type="none" w="med" len="med"/>
+                    </a:lnT>
+                    <a:lnB w="12700" cap="flat" cmpd="sng" algn="ctr">
+                      <a:solidFill>
+                        <a:srgbClr val="DDDDDD"/>
+                      </a:solidFill>
+                      <a:prstDash val="solid"/>
+                      <a:round/>
+                      <a:headEnd type="none" w="med" len="med"/>
+                      <a:tailEnd type="none" w="med" len="med"/>
+                    </a:lnB>
+                  </a:tcPr>
+                </a:tc>
+                <a:tc>
+                  <a:txBody>
+                    <a:bodyPr/>
+                    <a:lstStyle/>
+                    <a:p>
+                      <a:r>
+                        <a:rPr lang="en-US" sz="1600">
+                          <a:effectLst/>
+                        </a:rPr>
+                        <a:t>85</a:t>
+                      </a:r>
+                    </a:p>
+                  </a:txBody>
+                  <a:tcPr anchor="ctr">
+                    <a:lnL>
+                      <a:noFill/>
+                    </a:lnL>
+                    <a:lnR>
+                      <a:noFill/>
+                    </a:lnR>
+                    <a:lnT w="12700" cap="flat" cmpd="sng" algn="ctr">
+                      <a:solidFill>
+                        <a:srgbClr val="DDDDDD"/>
+                      </a:solidFill>
+                      <a:prstDash val="solid"/>
+                      <a:round/>
+                      <a:headEnd type="none" w="med" len="med"/>
+                      <a:tailEnd type="none" w="med" len="med"/>
+                    </a:lnT>
+                    <a:lnB w="12700" cap="flat" cmpd="sng" algn="ctr">
+                      <a:solidFill>
+                        <a:srgbClr val="DDDDDD"/>
+                      </a:solidFill>
+                      <a:prstDash val="solid"/>
+                      <a:round/>
+                      <a:headEnd type="none" w="med" len="med"/>
+                      <a:tailEnd type="none" w="med" len="med"/>
+                    </a:lnB>
+                  </a:tcPr>
+                </a:tc>
+                <a:tc>
+                  <a:txBody>
+                    <a:bodyPr/>
+                    <a:lstStyle/>
+                    <a:p>
+                      <a:r>
+                        <a:rPr lang="en-US" sz="1600" dirty="0">
+                          <a:effectLst/>
+                        </a:rPr>
+                        <a:t>30330</a:t>
+                      </a:r>
+                    </a:p>
+                  </a:txBody>
+                  <a:tcPr anchor="ctr">
+                    <a:lnL>
+                      <a:noFill/>
+                    </a:lnL>
+                    <a:lnR>
+                      <a:noFill/>
+                    </a:lnR>
+                    <a:lnT w="12700" cap="flat" cmpd="sng" algn="ctr">
+                      <a:solidFill>
+                        <a:srgbClr val="DDDDDD"/>
+                      </a:solidFill>
+                      <a:prstDash val="solid"/>
+                      <a:round/>
+                      <a:headEnd type="none" w="med" len="med"/>
+                      <a:tailEnd type="none" w="med" len="med"/>
+                    </a:lnT>
+                    <a:lnB w="12700" cap="flat" cmpd="sng" algn="ctr">
+                      <a:solidFill>
+                        <a:srgbClr val="DDDDDD"/>
+                      </a:solidFill>
+                      <a:prstDash val="solid"/>
+                      <a:round/>
+                      <a:headEnd type="none" w="med" len="med"/>
+                      <a:tailEnd type="none" w="med" len="med"/>
+                    </a:lnB>
+                  </a:tcPr>
+                </a:tc>
+                <a:tc>
+                  <a:txBody>
+                    <a:bodyPr/>
+                    <a:lstStyle/>
+                    <a:p>
+                      <a:r>
+                        <a:rPr lang="nb-NO" sz="1600">
+                          <a:effectLst/>
+                        </a:rPr>
+                        <a:t>0.18</a:t>
+                      </a:r>
+                    </a:p>
+                  </a:txBody>
+                  <a:tcPr anchor="ctr">
+                    <a:lnL>
+                      <a:noFill/>
+                    </a:lnL>
+                    <a:lnR>
+                      <a:noFill/>
+                    </a:lnR>
+                    <a:lnT w="12700" cap="flat" cmpd="sng" algn="ctr">
+                      <a:solidFill>
+                        <a:srgbClr val="DDDDDD"/>
+                      </a:solidFill>
+                      <a:prstDash val="solid"/>
+                      <a:round/>
+                      <a:headEnd type="none" w="med" len="med"/>
+                      <a:tailEnd type="none" w="med" len="med"/>
+                    </a:lnT>
+                    <a:lnB w="12700" cap="flat" cmpd="sng" algn="ctr">
+                      <a:solidFill>
+                        <a:srgbClr val="DDDDDD"/>
+                      </a:solidFill>
+                      <a:prstDash val="solid"/>
+                      <a:round/>
+                      <a:headEnd type="none" w="med" len="med"/>
+                      <a:tailEnd type="none" w="med" len="med"/>
+                    </a:lnB>
+                  </a:tcPr>
+                </a:tc>
+                <a:tc>
+                  <a:txBody>
+                    <a:bodyPr/>
+                    <a:lstStyle/>
+                    <a:p>
+                      <a:r>
+                        <a:rPr lang="en-US" sz="1600" dirty="0">
+                          <a:effectLst/>
+                        </a:rPr>
+                        <a:t>44</a:t>
+                      </a:r>
+                    </a:p>
+                  </a:txBody>
+                  <a:tcPr anchor="ctr">
+                    <a:lnL>
+                      <a:noFill/>
+                    </a:lnL>
+                    <a:lnR>
+                      <a:noFill/>
+                    </a:lnR>
+                    <a:lnT w="12700" cap="flat" cmpd="sng" algn="ctr">
+                      <a:solidFill>
+                        <a:srgbClr val="DDDDDD"/>
+                      </a:solidFill>
+                      <a:prstDash val="solid"/>
+                      <a:round/>
+                      <a:headEnd type="none" w="med" len="med"/>
+                      <a:tailEnd type="none" w="med" len="med"/>
+                    </a:lnT>
+                    <a:lnB w="12700" cap="flat" cmpd="sng" algn="ctr">
+                      <a:solidFill>
+                        <a:srgbClr val="DDDDDD"/>
+                      </a:solidFill>
+                      <a:prstDash val="solid"/>
+                      <a:round/>
+                      <a:headEnd type="none" w="med" len="med"/>
+                      <a:tailEnd type="none" w="med" len="med"/>
+                    </a:lnB>
+                  </a:tcPr>
+                </a:tc>
+              </a:tr>
+              <a:tr h="0">
+                <a:tc>
+                  <a:txBody>
+                    <a:bodyPr/>
+                    <a:lstStyle/>
+                    <a:p>
+                      <a:r>
+                        <a:rPr lang="is-IS" sz="1600">
+                          <a:effectLst/>
+                        </a:rPr>
+                        <a:t>512</a:t>
+                      </a:r>
+                    </a:p>
+                  </a:txBody>
+                  <a:tcPr anchor="ctr">
+                    <a:lnL>
+                      <a:noFill/>
+                    </a:lnL>
+                    <a:lnR>
+                      <a:noFill/>
+                    </a:lnR>
+                    <a:lnT w="12700" cap="flat" cmpd="sng" algn="ctr">
+                      <a:solidFill>
+                        <a:srgbClr val="DDDDDD"/>
+                      </a:solidFill>
+                      <a:prstDash val="solid"/>
+                      <a:round/>
+                      <a:headEnd type="none" w="med" len="med"/>
+                      <a:tailEnd type="none" w="med" len="med"/>
+                    </a:lnT>
+                    <a:lnB w="12700" cap="flat" cmpd="sng" algn="ctr">
+                      <a:solidFill>
+                        <a:srgbClr val="DDDDDD"/>
+                      </a:solidFill>
+                      <a:prstDash val="solid"/>
+                      <a:round/>
+                      <a:headEnd type="none" w="med" len="med"/>
+                      <a:tailEnd type="none" w="med" len="med"/>
+                    </a:lnB>
+                  </a:tcPr>
+                </a:tc>
+                <a:tc>
+                  <a:txBody>
+                    <a:bodyPr/>
+                    <a:lstStyle/>
+                    <a:p>
+                      <a:r>
+                        <a:rPr lang="is-IS" sz="1600">
+                          <a:effectLst/>
+                        </a:rPr>
+                        <a:t>100</a:t>
+                      </a:r>
+                    </a:p>
+                  </a:txBody>
+                  <a:tcPr anchor="ctr">
+                    <a:lnL>
+                      <a:noFill/>
+                    </a:lnL>
+                    <a:lnR>
+                      <a:noFill/>
+                    </a:lnR>
+                    <a:lnT w="12700" cap="flat" cmpd="sng" algn="ctr">
+                      <a:solidFill>
+                        <a:srgbClr val="DDDDDD"/>
+                      </a:solidFill>
+                      <a:prstDash val="solid"/>
+                      <a:round/>
+                      <a:headEnd type="none" w="med" len="med"/>
+                      <a:tailEnd type="none" w="med" len="med"/>
+                    </a:lnT>
+                    <a:lnB w="12700" cap="flat" cmpd="sng" algn="ctr">
+                      <a:solidFill>
+                        <a:srgbClr val="DDDDDD"/>
+                      </a:solidFill>
+                      <a:prstDash val="solid"/>
+                      <a:round/>
+                      <a:headEnd type="none" w="med" len="med"/>
+                      <a:tailEnd type="none" w="med" len="med"/>
+                    </a:lnB>
+                  </a:tcPr>
+                </a:tc>
+                <a:tc>
+                  <a:txBody>
+                    <a:bodyPr/>
+                    <a:lstStyle/>
+                    <a:p>
+                      <a:r>
+                        <a:rPr lang="is-IS" sz="1600">
+                          <a:effectLst/>
+                        </a:rPr>
+                        <a:t>100</a:t>
+                      </a:r>
+                    </a:p>
+                  </a:txBody>
+                  <a:tcPr anchor="ctr">
+                    <a:lnL>
+                      <a:noFill/>
+                    </a:lnL>
+                    <a:lnR>
+                      <a:noFill/>
+                    </a:lnR>
+                    <a:lnT w="12700" cap="flat" cmpd="sng" algn="ctr">
+                      <a:solidFill>
+                        <a:srgbClr val="DDDDDD"/>
+                      </a:solidFill>
+                      <a:prstDash val="solid"/>
+                      <a:round/>
+                      <a:headEnd type="none" w="med" len="med"/>
+                      <a:tailEnd type="none" w="med" len="med"/>
+                    </a:lnT>
+                    <a:lnB w="12700" cap="flat" cmpd="sng" algn="ctr">
+                      <a:solidFill>
+                        <a:srgbClr val="DDDDDD"/>
+                      </a:solidFill>
+                      <a:prstDash val="solid"/>
+                      <a:round/>
+                      <a:headEnd type="none" w="med" len="med"/>
+                      <a:tailEnd type="none" w="med" len="med"/>
+                    </a:lnB>
+                  </a:tcPr>
+                </a:tc>
+                <a:tc>
+                  <a:txBody>
+                    <a:bodyPr/>
+                    <a:lstStyle/>
+                    <a:p>
+                      <a:r>
+                        <a:rPr lang="is-IS" sz="1600">
+                          <a:effectLst/>
+                        </a:rPr>
+                        <a:t>10000</a:t>
+                      </a:r>
+                    </a:p>
+                  </a:txBody>
+                  <a:tcPr anchor="ctr">
+                    <a:lnL>
+                      <a:noFill/>
+                    </a:lnL>
+                    <a:lnR>
+                      <a:noFill/>
+                    </a:lnR>
+                    <a:lnT w="12700" cap="flat" cmpd="sng" algn="ctr">
+                      <a:solidFill>
+                        <a:srgbClr val="DDDDDD"/>
+                      </a:solidFill>
+                      <a:prstDash val="solid"/>
+                      <a:round/>
+                      <a:headEnd type="none" w="med" len="med"/>
+                      <a:tailEnd type="none" w="med" len="med"/>
+                    </a:lnT>
+                    <a:lnB w="12700" cap="flat" cmpd="sng" algn="ctr">
+                      <a:solidFill>
+                        <a:srgbClr val="DDDDDD"/>
+                      </a:solidFill>
+                      <a:prstDash val="solid"/>
+                      <a:round/>
+                      <a:headEnd type="none" w="med" len="med"/>
+                      <a:tailEnd type="none" w="med" len="med"/>
+                    </a:lnB>
+                  </a:tcPr>
+                </a:tc>
+                <a:tc>
+                  <a:txBody>
+                    <a:bodyPr/>
+                    <a:lstStyle/>
+                    <a:p>
+                      <a:r>
+                        <a:rPr lang="cs-CZ" sz="1600">
+                          <a:effectLst/>
+                        </a:rPr>
+                        <a:t>149</a:t>
+                      </a:r>
+                    </a:p>
+                  </a:txBody>
+                  <a:tcPr anchor="ctr">
+                    <a:lnL>
+                      <a:noFill/>
+                    </a:lnL>
+                    <a:lnR>
+                      <a:noFill/>
+                    </a:lnR>
+                    <a:lnT w="12700" cap="flat" cmpd="sng" algn="ctr">
+                      <a:solidFill>
+                        <a:srgbClr val="DDDDDD"/>
+                      </a:solidFill>
+                      <a:prstDash val="solid"/>
+                      <a:round/>
+                      <a:headEnd type="none" w="med" len="med"/>
+                      <a:tailEnd type="none" w="med" len="med"/>
+                    </a:lnT>
+                    <a:lnB w="12700" cap="flat" cmpd="sng" algn="ctr">
+                      <a:solidFill>
+                        <a:srgbClr val="DDDDDD"/>
+                      </a:solidFill>
+                      <a:prstDash val="solid"/>
+                      <a:round/>
+                      <a:headEnd type="none" w="med" len="med"/>
+                      <a:tailEnd type="none" w="med" len="med"/>
+                    </a:lnB>
+                  </a:tcPr>
+                </a:tc>
+                <a:tc>
+                  <a:txBody>
+                    <a:bodyPr/>
+                    <a:lstStyle/>
+                    <a:p>
+                      <a:r>
+                        <a:rPr lang="en-US" sz="1600">
+                          <a:effectLst/>
+                        </a:rPr>
+                        <a:t>85</a:t>
+                      </a:r>
+                    </a:p>
+                  </a:txBody>
+                  <a:tcPr anchor="ctr">
+                    <a:lnL>
+                      <a:noFill/>
+                    </a:lnL>
+                    <a:lnR>
+                      <a:noFill/>
+                    </a:lnR>
+                    <a:lnT w="12700" cap="flat" cmpd="sng" algn="ctr">
+                      <a:solidFill>
+                        <a:srgbClr val="DDDDDD"/>
+                      </a:solidFill>
+                      <a:prstDash val="solid"/>
+                      <a:round/>
+                      <a:headEnd type="none" w="med" len="med"/>
+                      <a:tailEnd type="none" w="med" len="med"/>
+                    </a:lnT>
+                    <a:lnB w="12700" cap="flat" cmpd="sng" algn="ctr">
+                      <a:solidFill>
+                        <a:srgbClr val="DDDDDD"/>
+                      </a:solidFill>
+                      <a:prstDash val="solid"/>
+                      <a:round/>
+                      <a:headEnd type="none" w="med" len="med"/>
+                      <a:tailEnd type="none" w="med" len="med"/>
+                    </a:lnB>
+                  </a:tcPr>
+                </a:tc>
+                <a:tc>
+                  <a:txBody>
+                    <a:bodyPr/>
+                    <a:lstStyle/>
+                    <a:p>
+                      <a:r>
+                        <a:rPr lang="is-IS" sz="1600" dirty="0">
+                          <a:effectLst/>
+                        </a:rPr>
+                        <a:t>30307</a:t>
+                      </a:r>
+                    </a:p>
+                  </a:txBody>
+                  <a:tcPr anchor="ctr">
+                    <a:lnL>
+                      <a:noFill/>
+                    </a:lnL>
+                    <a:lnR>
+                      <a:noFill/>
+                    </a:lnR>
+                    <a:lnT w="12700" cap="flat" cmpd="sng" algn="ctr">
+                      <a:solidFill>
+                        <a:srgbClr val="DDDDDD"/>
+                      </a:solidFill>
+                      <a:prstDash val="solid"/>
+                      <a:round/>
+                      <a:headEnd type="none" w="med" len="med"/>
+                      <a:tailEnd type="none" w="med" len="med"/>
+                    </a:lnT>
+                    <a:lnB w="12700" cap="flat" cmpd="sng" algn="ctr">
+                      <a:solidFill>
+                        <a:srgbClr val="DDDDDD"/>
+                      </a:solidFill>
+                      <a:prstDash val="solid"/>
+                      <a:round/>
+                      <a:headEnd type="none" w="med" len="med"/>
+                      <a:tailEnd type="none" w="med" len="med"/>
+                    </a:lnB>
+                  </a:tcPr>
+                </a:tc>
+                <a:tc>
+                  <a:txBody>
+                    <a:bodyPr/>
+                    <a:lstStyle/>
+                    <a:p>
+                      <a:r>
+                        <a:rPr lang="nb-NO" sz="1600">
+                          <a:effectLst/>
+                        </a:rPr>
+                        <a:t>0.43</a:t>
+                      </a:r>
+                    </a:p>
+                  </a:txBody>
+                  <a:tcPr anchor="ctr">
+                    <a:lnL>
+                      <a:noFill/>
+                    </a:lnL>
+                    <a:lnR>
+                      <a:noFill/>
+                    </a:lnR>
+                    <a:lnT w="12700" cap="flat" cmpd="sng" algn="ctr">
+                      <a:solidFill>
+                        <a:srgbClr val="DDDDDD"/>
+                      </a:solidFill>
+                      <a:prstDash val="solid"/>
+                      <a:round/>
+                      <a:headEnd type="none" w="med" len="med"/>
+                      <a:tailEnd type="none" w="med" len="med"/>
+                    </a:lnT>
+                    <a:lnB w="12700" cap="flat" cmpd="sng" algn="ctr">
+                      <a:solidFill>
+                        <a:srgbClr val="DDDDDD"/>
+                      </a:solidFill>
+                      <a:prstDash val="solid"/>
+                      <a:round/>
+                      <a:headEnd type="none" w="med" len="med"/>
+                      <a:tailEnd type="none" w="med" len="med"/>
+                    </a:lnB>
+                  </a:tcPr>
+                </a:tc>
+                <a:tc>
+                  <a:txBody>
+                    <a:bodyPr/>
+                    <a:lstStyle/>
+                    <a:p>
+                      <a:r>
+                        <a:rPr lang="is-IS" sz="1600" dirty="0">
+                          <a:effectLst/>
+                        </a:rPr>
+                        <a:t>168</a:t>
+                      </a:r>
+                    </a:p>
+                  </a:txBody>
+                  <a:tcPr anchor="ctr">
+                    <a:lnL>
+                      <a:noFill/>
+                    </a:lnL>
+                    <a:lnR>
+                      <a:noFill/>
+                    </a:lnR>
+                    <a:lnT w="12700" cap="flat" cmpd="sng" algn="ctr">
+                      <a:solidFill>
+                        <a:srgbClr val="DDDDDD"/>
+                      </a:solidFill>
+                      <a:prstDash val="solid"/>
+                      <a:round/>
+                      <a:headEnd type="none" w="med" len="med"/>
+                      <a:tailEnd type="none" w="med" len="med"/>
+                    </a:lnT>
+                    <a:lnB w="12700" cap="flat" cmpd="sng" algn="ctr">
+                      <a:solidFill>
+                        <a:srgbClr val="DDDDDD"/>
+                      </a:solidFill>
+                      <a:prstDash val="solid"/>
+                      <a:round/>
+                      <a:headEnd type="none" w="med" len="med"/>
+                      <a:tailEnd type="none" w="med" len="med"/>
+                    </a:lnB>
+                  </a:tcPr>
+                </a:tc>
+              </a:tr>
+            </a:tbl>
+          </a:graphicData>
+        </a:graphic>
+      </p:graphicFrame>
     </p:spTree>
     <p:extLst>
       <p:ext uri="{BB962C8B-B14F-4D97-AF65-F5344CB8AC3E}">
-        <p14:creationId xmlns:p14="http://schemas.microsoft.com/office/powerpoint/2010/main" val="3818036524"/>
+        <p14:creationId xmlns:p14="http://schemas.microsoft.com/office/powerpoint/2010/main" val="1858706315"/>
       </p:ext>
     </p:extLst>
   </p:cSld>
   <p:clrMapOvr>
     <a:masterClrMapping/>
   </p:clrMapOvr>
-  <p:timing>
-    <p:tnLst>
-      <p:par>
-        <p:cTn id="1" dur="indefinite" restart="never" nodeType="tmRoot"/>
-      </p:par>
-    </p:tnLst>
-  </p:timing>
 </p:sld>
 </file>
 
@@ -9545,6 +10857,199 @@
           <a:p>
             <a:r>
               <a:rPr lang="en-US" dirty="0" smtClean="0"/>
+              <a:t>RELATED EXAMPLES</a:t>
+            </a:r>
+            <a:endParaRPr lang="en-US" dirty="0"/>
+          </a:p>
+        </p:txBody>
+      </p:sp>
+      <p:sp>
+        <p:nvSpPr>
+          <p:cNvPr id="3" name="Content Placeholder 2"/>
+          <p:cNvSpPr>
+            <a:spLocks noGrp="1"/>
+          </p:cNvSpPr>
+          <p:nvPr>
+            <p:ph idx="1"/>
+          </p:nvPr>
+        </p:nvSpPr>
+        <p:spPr/>
+        <p:txBody>
+          <a:bodyPr>
+            <a:normAutofit fontScale="85000" lnSpcReduction="20000"/>
+          </a:bodyPr>
+          <a:lstStyle/>
+          <a:p>
+            <a:r>
+              <a:rPr lang="en-US" dirty="0" smtClean="0"/>
+              <a:t>H2O Generated Model POJO in a Java Servlet container</a:t>
+            </a:r>
+          </a:p>
+          <a:p>
+            <a:pPr lvl="1"/>
+            <a:r>
+              <a:rPr lang="en-US" dirty="0" err="1" smtClean="0"/>
+              <a:t>Github</a:t>
+            </a:r>
+            <a:r>
+              <a:rPr lang="en-US"/>
+              <a:t>: h2oai/app-consumer-loan</a:t>
+            </a:r>
+            <a:endParaRPr lang="en-US" dirty="0" smtClean="0"/>
+          </a:p>
+          <a:p>
+            <a:endParaRPr lang="en-US" dirty="0"/>
+          </a:p>
+          <a:p>
+            <a:r>
+              <a:rPr lang="en-US" dirty="0" smtClean="0"/>
+              <a:t>H2O Generated Model POJO in a Storm bolt</a:t>
+            </a:r>
+          </a:p>
+          <a:p>
+            <a:pPr lvl="1"/>
+            <a:r>
+              <a:rPr lang="en-US" dirty="0" err="1" smtClean="0"/>
+              <a:t>GitHub</a:t>
+            </a:r>
+            <a:r>
+              <a:rPr lang="en-US" dirty="0" smtClean="0"/>
+              <a:t>:  h2oai/</a:t>
+            </a:r>
+            <a:r>
+              <a:rPr lang="en-US" dirty="0"/>
+              <a:t>h2o-world-2015-</a:t>
+            </a:r>
+            <a:r>
+              <a:rPr lang="en-US" dirty="0" smtClean="0"/>
+              <a:t>training</a:t>
+            </a:r>
+            <a:endParaRPr lang="en-US" dirty="0"/>
+          </a:p>
+          <a:p>
+            <a:pPr lvl="1"/>
+            <a:r>
+              <a:rPr lang="en-US" dirty="0" smtClean="0"/>
+              <a:t>tutorials</a:t>
+            </a:r>
+            <a:r>
+              <a:rPr lang="en-US" dirty="0"/>
+              <a:t>/streaming/storm</a:t>
+            </a:r>
+            <a:endParaRPr lang="en-US" dirty="0" smtClean="0"/>
+          </a:p>
+          <a:p>
+            <a:endParaRPr lang="en-US" dirty="0" smtClean="0"/>
+          </a:p>
+          <a:p>
+            <a:r>
+              <a:rPr lang="en-US" dirty="0" smtClean="0"/>
+              <a:t>H2O Generated Model POJO in Spark Streaming</a:t>
+            </a:r>
+          </a:p>
+          <a:p>
+            <a:pPr lvl="1"/>
+            <a:r>
+              <a:rPr lang="en-US" dirty="0" err="1" smtClean="0"/>
+              <a:t>GitHub</a:t>
+            </a:r>
+            <a:r>
+              <a:rPr lang="en-US" dirty="0" smtClean="0"/>
+              <a:t>: h2oai</a:t>
+            </a:r>
+            <a:r>
+              <a:rPr lang="en-US" dirty="0"/>
+              <a:t>/sparkling-</a:t>
+            </a:r>
+            <a:r>
+              <a:rPr lang="en-US" dirty="0" smtClean="0"/>
+              <a:t>water</a:t>
+            </a:r>
+          </a:p>
+          <a:p>
+            <a:pPr lvl="1"/>
+            <a:r>
+              <a:rPr lang="en-US" dirty="0"/>
+              <a:t>examples/</a:t>
+            </a:r>
+            <a:r>
+              <a:rPr lang="en-US" dirty="0" err="1"/>
+              <a:t>src</a:t>
+            </a:r>
+            <a:r>
+              <a:rPr lang="en-US" dirty="0"/>
+              <a:t>/main/</a:t>
+            </a:r>
+            <a:r>
+              <a:rPr lang="en-US" dirty="0" err="1"/>
+              <a:t>scala</a:t>
+            </a:r>
+            <a:r>
+              <a:rPr lang="en-US" dirty="0"/>
+              <a:t>/org/apache/spark/examples/h2o/</a:t>
+            </a:r>
+            <a:r>
+              <a:rPr lang="en-US" dirty="0" err="1"/>
+              <a:t>CraigslistJobTitlesStreamingApp.scala</a:t>
+            </a:r>
+            <a:endParaRPr lang="en-US" dirty="0" smtClean="0"/>
+          </a:p>
+        </p:txBody>
+      </p:sp>
+    </p:spTree>
+    <p:extLst>
+      <p:ext uri="{BB962C8B-B14F-4D97-AF65-F5344CB8AC3E}">
+        <p14:creationId xmlns:p14="http://schemas.microsoft.com/office/powerpoint/2010/main" val="3818036524"/>
+      </p:ext>
+    </p:extLst>
+  </p:cSld>
+  <p:clrMapOvr>
+    <a:masterClrMapping/>
+  </p:clrMapOvr>
+  <p:timing>
+    <p:tnLst>
+      <p:par>
+        <p:cTn id="1" dur="indefinite" restart="never" nodeType="tmRoot"/>
+      </p:par>
+    </p:tnLst>
+  </p:timing>
+</p:sld>
+</file>
+
+<file path=ppt/slides/slide22.xml><?xml version="1.0" encoding="utf-8"?>
+<p:sld xmlns:a="http://schemas.openxmlformats.org/drawingml/2006/main" xmlns:r="http://schemas.openxmlformats.org/officeDocument/2006/relationships" xmlns:p="http://schemas.openxmlformats.org/presentationml/2006/main">
+  <p:cSld>
+    <p:spTree>
+      <p:nvGrpSpPr>
+        <p:cNvPr id="1" name=""/>
+        <p:cNvGrpSpPr/>
+        <p:nvPr/>
+      </p:nvGrpSpPr>
+      <p:grpSpPr>
+        <a:xfrm>
+          <a:off x="0" y="0"/>
+          <a:ext cx="0" cy="0"/>
+          <a:chOff x="0" y="0"/>
+          <a:chExt cx="0" cy="0"/>
+        </a:xfrm>
+      </p:grpSpPr>
+      <p:sp>
+        <p:nvSpPr>
+          <p:cNvPr id="2" name="Title 1"/>
+          <p:cNvSpPr>
+            <a:spLocks noGrp="1"/>
+          </p:cNvSpPr>
+          <p:nvPr>
+            <p:ph type="title"/>
+          </p:nvPr>
+        </p:nvSpPr>
+        <p:spPr/>
+        <p:txBody>
+          <a:bodyPr/>
+          <a:lstStyle/>
+          <a:p>
+            <a:r>
+              <a:rPr lang="en-US" dirty="0" smtClean="0"/>
               <a:t>RESOURCES ON THE WEB</a:t>
             </a:r>
             <a:endParaRPr lang="en-US" dirty="0"/>
@@ -9697,7 +11202,7 @@
 </p:sld>
 </file>
 
-<file path=ppt/slides/slide22.xml><?xml version="1.0" encoding="utf-8"?>
+<file path=ppt/slides/slide23.xml><?xml version="1.0" encoding="utf-8"?>
 <p:sld xmlns:a="http://schemas.openxmlformats.org/drawingml/2006/main" xmlns:r="http://schemas.openxmlformats.org/officeDocument/2006/relationships" xmlns:p="http://schemas.openxmlformats.org/presentationml/2006/main">
   <p:cSld>
     <p:spTree>
@@ -9946,13 +11451,8 @@
             </a:pPr>
             <a:r>
               <a:rPr lang="en-US" dirty="0" smtClean="0"/>
-              <a:t>Step 4:  Write code for </a:t>
-            </a:r>
-            <a:r>
-              <a:rPr lang="en-US" dirty="0" smtClean="0"/>
-              <a:t>Lambda handler</a:t>
-            </a:r>
-            <a:endParaRPr lang="en-US" dirty="0" smtClean="0"/>
+              <a:t>Step 4:  Write code for Lambda handler</a:t>
+            </a:r>
           </a:p>
           <a:p>
             <a:pPr marL="0" indent="0">
@@ -9976,21 +11476,8 @@
             </a:r>
             <a:r>
               <a:rPr lang="en-US" dirty="0" smtClean="0"/>
-              <a:t>Build deployment package </a:t>
-            </a:r>
-            <a:r>
-              <a:rPr lang="en-US" dirty="0" smtClean="0"/>
-              <a:t>(.zip file) and 				upload </a:t>
-            </a:r>
-            <a:r>
-              <a:rPr lang="en-US" dirty="0" smtClean="0"/>
-              <a:t>to </a:t>
-            </a:r>
-            <a:r>
-              <a:rPr lang="en-US" dirty="0" smtClean="0"/>
-              <a:t>Lambda</a:t>
-            </a:r>
-            <a:endParaRPr lang="en-US" dirty="0" smtClean="0"/>
+              <a:t>Build deployment package (.zip file) and 				upload to Lambda</a:t>
+            </a:r>
           </a:p>
           <a:p>
             <a:pPr marL="0" indent="0">
@@ -10533,19 +12020,7 @@
           <a:p>
             <a:r>
               <a:rPr lang="en-US" dirty="0" smtClean="0"/>
-              <a:t>Domains and </a:t>
-            </a:r>
-            <a:r>
-              <a:rPr lang="en-US" dirty="0" smtClean="0"/>
-              <a:t>whether </a:t>
-            </a:r>
-            <a:r>
-              <a:rPr lang="en-US" dirty="0" smtClean="0"/>
-              <a:t>they </a:t>
-            </a:r>
-            <a:r>
-              <a:rPr lang="en-US" dirty="0" smtClean="0"/>
-              <a:t>are malicious</a:t>
+              <a:t>Domains and whether they are malicious</a:t>
             </a:r>
           </a:p>
           <a:p>
@@ -10591,11 +12066,7 @@
           <a:p>
             <a:r>
               <a:rPr lang="en-US" dirty="0" smtClean="0"/>
-              <a:t>English </a:t>
-            </a:r>
-            <a:r>
-              <a:rPr lang="en-US" dirty="0" smtClean="0"/>
-              <a:t>words</a:t>
+              <a:t>English words</a:t>
             </a:r>
           </a:p>
           <a:p>
@@ -11249,7 +12720,6 @@
                         <a:rPr lang="nb-NO" dirty="0" smtClean="0"/>
                         <a:t>FPR </a:t>
                       </a:r>
-                      <a:endParaRPr lang="nb-NO" dirty="0" smtClean="0"/>
                     </a:p>
                     <a:p>
                       <a:pPr algn="ctr"/>
@@ -13058,7 +14528,6 @@
                 <a:rPr lang="en-US" b="1" kern="1200" dirty="0" smtClean="0"/>
                 <a:t>Function</a:t>
               </a:r>
-              <a:endParaRPr lang="en-US" b="1" kern="1200" dirty="0" smtClean="0"/>
             </a:p>
             <a:p>
               <a:pPr algn="ctr"/>

--- a/tutorials/aws-lambda-app/BuildingAnAppWithAWSLambda.pptx
+++ b/tutorials/aws-lambda-app/BuildingAnAppWithAWSLambda.pptx
@@ -17,17 +17,17 @@
     <p:sldId id="267" r:id="rId8"/>
     <p:sldId id="264" r:id="rId9"/>
     <p:sldId id="285" r:id="rId10"/>
-    <p:sldId id="259" r:id="rId11"/>
-    <p:sldId id="290" r:id="rId12"/>
-    <p:sldId id="289" r:id="rId13"/>
-    <p:sldId id="291" r:id="rId14"/>
-    <p:sldId id="270" r:id="rId15"/>
-    <p:sldId id="282" r:id="rId16"/>
-    <p:sldId id="278" r:id="rId17"/>
-    <p:sldId id="287" r:id="rId18"/>
-    <p:sldId id="286" r:id="rId19"/>
-    <p:sldId id="288" r:id="rId20"/>
-    <p:sldId id="292" r:id="rId21"/>
+    <p:sldId id="290" r:id="rId11"/>
+    <p:sldId id="289" r:id="rId12"/>
+    <p:sldId id="291" r:id="rId13"/>
+    <p:sldId id="270" r:id="rId14"/>
+    <p:sldId id="282" r:id="rId15"/>
+    <p:sldId id="278" r:id="rId16"/>
+    <p:sldId id="287" r:id="rId17"/>
+    <p:sldId id="286" r:id="rId18"/>
+    <p:sldId id="288" r:id="rId19"/>
+    <p:sldId id="292" r:id="rId20"/>
+    <p:sldId id="293" r:id="rId21"/>
     <p:sldId id="280" r:id="rId22"/>
     <p:sldId id="258" r:id="rId23"/>
     <p:sldId id="281" r:id="rId24"/>
@@ -5743,7 +5743,7 @@
           <a:p>
             <a:r>
               <a:rPr lang="en-US" dirty="0" smtClean="0"/>
-              <a:t>SOFTWARE PIECES</a:t>
+              <a:t>LAMBDA FUNCTION HANDLER</a:t>
             </a:r>
             <a:endParaRPr lang="en-US" dirty="0"/>
           </a:p>
@@ -5762,124 +5762,1144 @@
         <p:spPr/>
         <p:txBody>
           <a:bodyPr>
-            <a:normAutofit fontScale="77500" lnSpcReduction="20000"/>
+            <a:normAutofit fontScale="85000" lnSpcReduction="10000"/>
           </a:bodyPr>
           <a:lstStyle/>
           <a:p>
+            <a:pPr marL="0" indent="0">
+              <a:buNone/>
+            </a:pPr>
+            <a:r>
+              <a:rPr lang="en-US" b="1" dirty="0"/>
+              <a:t>public static </a:t>
+            </a:r>
+            <a:r>
+              <a:rPr lang="en-US" dirty="0" err="1"/>
+              <a:t>ResponseClass</a:t>
+            </a:r>
+            <a:r>
+              <a:rPr lang="en-US" dirty="0"/>
+              <a:t> </a:t>
+            </a:r>
+            <a:r>
+              <a:rPr lang="en-US" dirty="0" err="1"/>
+              <a:t>myHandler</a:t>
+            </a:r>
+            <a:r>
+              <a:rPr lang="en-US" dirty="0"/>
+              <a:t>(</a:t>
+            </a:r>
+            <a:r>
+              <a:rPr lang="en-US" dirty="0" err="1"/>
+              <a:t>RequestClass</a:t>
+            </a:r>
+            <a:r>
+              <a:rPr lang="en-US" dirty="0"/>
+              <a:t> request, Context context) </a:t>
+            </a:r>
+            <a:r>
+              <a:rPr lang="en-US" b="1" dirty="0"/>
+              <a:t>throws </a:t>
+            </a:r>
+            <a:r>
+              <a:rPr lang="en-US" dirty="0" err="1"/>
+              <a:t>PyException</a:t>
+            </a:r>
+            <a:r>
+              <a:rPr lang="en-US" dirty="0"/>
+              <a:t> {</a:t>
+            </a:r>
+            <a:br>
+              <a:rPr lang="en-US" dirty="0"/>
+            </a:br>
+            <a:r>
+              <a:rPr lang="en-US" dirty="0"/>
+              <a:t>    </a:t>
+            </a:r>
+            <a:br>
+              <a:rPr lang="en-US" dirty="0"/>
+            </a:br>
+            <a:r>
+              <a:rPr lang="en-US" dirty="0"/>
+              <a:t>  </a:t>
+            </a:r>
+            <a:r>
+              <a:rPr lang="en-US" dirty="0" err="1"/>
+              <a:t>PyModule</a:t>
+            </a:r>
+            <a:r>
+              <a:rPr lang="en-US" dirty="0"/>
+              <a:t> module = </a:t>
+            </a:r>
+            <a:r>
+              <a:rPr lang="en-US" b="1" dirty="0"/>
+              <a:t>new </a:t>
+            </a:r>
+            <a:r>
+              <a:rPr lang="en-US" dirty="0" err="1"/>
+              <a:t>PyModule</a:t>
+            </a:r>
+            <a:r>
+              <a:rPr lang="en-US" dirty="0"/>
+              <a:t>();</a:t>
+            </a:r>
+            <a:br>
+              <a:rPr lang="en-US" dirty="0"/>
+            </a:br>
+            <a:r>
+              <a:rPr lang="en-US" dirty="0"/>
+              <a:t>  </a:t>
+            </a:r>
+            <a:br>
+              <a:rPr lang="en-US" dirty="0"/>
+            </a:br>
+            <a:r>
+              <a:rPr lang="en-US" dirty="0"/>
+              <a:t>  </a:t>
+            </a:r>
+            <a:r>
+              <a:rPr lang="en-US" i="1" dirty="0"/>
+              <a:t>//Prediction code is in </a:t>
+            </a:r>
+            <a:r>
+              <a:rPr lang="en-US" i="1" dirty="0" err="1"/>
+              <a:t>pymodule.py</a:t>
+            </a:r>
+            <a:r>
+              <a:rPr lang="en-US" i="1" dirty="0"/>
+              <a:t/>
+            </a:r>
+            <a:br>
+              <a:rPr lang="en-US" i="1" dirty="0"/>
+            </a:br>
+            <a:r>
+              <a:rPr lang="en-US" i="1" dirty="0"/>
+              <a:t>  </a:t>
+            </a:r>
+            <a:r>
+              <a:rPr lang="en-US" b="1" dirty="0"/>
+              <a:t>double</a:t>
+            </a:r>
             <a:r>
               <a:rPr lang="en-US" dirty="0" smtClean="0"/>
-              <a:t>Offline</a:t>
-            </a:r>
-          </a:p>
-          <a:p>
-            <a:pPr lvl="1"/>
+              <a:t>[]predictions=</a:t>
+            </a:r>
+            <a:r>
+              <a:rPr lang="en-US" dirty="0" err="1" smtClean="0"/>
+              <a:t>module.predict</a:t>
+            </a:r>
+            <a:r>
+              <a:rPr lang="en-US" dirty="0" smtClean="0"/>
+              <a:t>(</a:t>
+            </a:r>
+            <a:r>
+              <a:rPr lang="en-US" dirty="0" err="1" smtClean="0"/>
+              <a:t>request.domain</a:t>
+            </a:r>
+            <a:r>
+              <a:rPr lang="en-US" dirty="0"/>
+              <a:t>);</a:t>
+            </a:r>
+            <a:br>
+              <a:rPr lang="en-US" dirty="0"/>
+            </a:br>
+            <a:r>
+              <a:rPr lang="en-US" dirty="0"/>
+              <a:t>  </a:t>
+            </a:r>
+            <a:r>
+              <a:rPr lang="en-US" b="1" dirty="0"/>
+              <a:t>return new </a:t>
+            </a:r>
             <a:r>
               <a:rPr lang="en-US" dirty="0" err="1"/>
-              <a:t>Py</a:t>
+              <a:t>ResponseClass</a:t>
             </a:r>
             <a:r>
               <a:rPr lang="en-US" dirty="0"/>
-              <a:t> + H2O		(model building</a:t>
-            </a:r>
-            <a:r>
-              <a:rPr lang="en-US" dirty="0" smtClean="0"/>
-              <a:t>)</a:t>
-            </a:r>
+              <a:t>(predictions);</a:t>
+            </a:r>
+            <a:br>
+              <a:rPr lang="en-US" dirty="0"/>
+            </a:br>
+            <a:r>
+              <a:rPr lang="en-US" dirty="0"/>
+              <a:t>}</a:t>
+            </a:r>
+            <a:br>
+              <a:rPr lang="en-US" dirty="0"/>
+            </a:br>
             <a:endParaRPr lang="en-US" dirty="0"/>
           </a:p>
-          <a:p>
-            <a:pPr lvl="1"/>
-            <a:r>
-              <a:rPr lang="en-US" dirty="0" err="1"/>
-              <a:t>Gradle</a:t>
-            </a:r>
-            <a:r>
-              <a:rPr lang="en-US" dirty="0"/>
-              <a:t>	</a:t>
-            </a:r>
-            <a:r>
-              <a:rPr lang="en-US" dirty="0" smtClean="0"/>
-              <a:t>	(</a:t>
-            </a:r>
-            <a:r>
-              <a:rPr lang="en-US" dirty="0"/>
-              <a:t>build)</a:t>
-            </a:r>
-          </a:p>
-          <a:p>
-            <a:endParaRPr lang="en-US" dirty="0" smtClean="0"/>
-          </a:p>
-          <a:p>
-            <a:r>
-              <a:rPr lang="en-US" dirty="0" smtClean="0"/>
-              <a:t>Front</a:t>
-            </a:r>
-            <a:r>
-              <a:rPr lang="en-US" dirty="0"/>
-              <a:t>-end</a:t>
-            </a:r>
-          </a:p>
-          <a:p>
-            <a:pPr lvl="1"/>
-            <a:r>
-              <a:rPr lang="en-US" dirty="0"/>
-              <a:t>Web browser</a:t>
-            </a:r>
-          </a:p>
-          <a:p>
-            <a:pPr lvl="1"/>
-            <a:r>
-              <a:rPr lang="en-US" dirty="0"/>
-              <a:t>JavaScript </a:t>
-            </a:r>
-            <a:r>
-              <a:rPr lang="en-US" dirty="0" smtClean="0"/>
-              <a:t>application</a:t>
-            </a:r>
-            <a:endParaRPr lang="en-US" dirty="0"/>
-          </a:p>
-          <a:p>
-            <a:endParaRPr lang="en-US" dirty="0"/>
-          </a:p>
-          <a:p>
-            <a:r>
-              <a:rPr lang="en-US" dirty="0" smtClean="0"/>
-              <a:t>Back-end (hosted in Lambda)</a:t>
-            </a:r>
-          </a:p>
-          <a:p>
-            <a:pPr lvl="1"/>
-            <a:r>
-              <a:rPr lang="en-US" dirty="0" smtClean="0"/>
-              <a:t>Java Handler</a:t>
-            </a:r>
-          </a:p>
-          <a:p>
-            <a:pPr lvl="1"/>
-            <a:r>
-              <a:rPr lang="en-US" dirty="0" err="1" smtClean="0"/>
-              <a:t>Jython</a:t>
-            </a:r>
-            <a:endParaRPr lang="en-US" dirty="0"/>
-          </a:p>
-          <a:p>
-            <a:pPr lvl="1"/>
-            <a:r>
-              <a:rPr lang="en-US" dirty="0"/>
-              <a:t>H2O-generated model </a:t>
-            </a:r>
-            <a:r>
-              <a:rPr lang="en-US" dirty="0" smtClean="0"/>
-              <a:t>POJO</a:t>
-            </a:r>
-            <a:endParaRPr lang="en-US" dirty="0"/>
+        </p:txBody>
+      </p:sp>
+      <p:grpSp>
+        <p:nvGrpSpPr>
+          <p:cNvPr id="129" name="Group 128"/>
+          <p:cNvGrpSpPr/>
+          <p:nvPr/>
+        </p:nvGrpSpPr>
+        <p:grpSpPr>
+          <a:xfrm>
+            <a:off x="2316058" y="5217500"/>
+            <a:ext cx="684840" cy="1193800"/>
+            <a:chOff x="3751726" y="2638601"/>
+            <a:chExt cx="736601" cy="1193800"/>
+          </a:xfrm>
+        </p:grpSpPr>
+        <p:sp>
+          <p:nvSpPr>
+            <p:cNvPr id="130" name="TextBox 129"/>
+            <p:cNvSpPr txBox="1"/>
+            <p:nvPr/>
+          </p:nvSpPr>
+          <p:spPr>
+            <a:xfrm>
+              <a:off x="3751726" y="3493902"/>
+              <a:ext cx="736601" cy="338499"/>
+            </a:xfrm>
+            <a:prstGeom prst="rect">
+              <a:avLst/>
+            </a:prstGeom>
+            <a:noFill/>
+          </p:spPr>
+          <p:style>
+            <a:lnRef idx="0">
+              <a:scrgbClr r="0" g="0" b="0"/>
+            </a:lnRef>
+            <a:fillRef idx="0">
+              <a:scrgbClr r="0" g="0" b="0"/>
+            </a:fillRef>
+            <a:effectRef idx="0">
+              <a:scrgbClr r="0" g="0" b="0"/>
+            </a:effectRef>
+            <a:fontRef idx="major"/>
+          </p:style>
+          <p:txBody>
+            <a:bodyPr wrap="square" lIns="0" tIns="0" rIns="0" bIns="0" rtlCol="0" anchor="t">
+              <a:noAutofit/>
+            </a:bodyPr>
+            <a:lstStyle>
+              <a:lvl1pPr>
+                <a:defRPr>
+                  <a:latin typeface="+mj-lt"/>
+                  <a:ea typeface="+mj-ea"/>
+                  <a:cs typeface="+mj-cs"/>
+                </a:defRPr>
+              </a:lvl1pPr>
+              <a:lvl2pPr>
+                <a:defRPr>
+                  <a:latin typeface="+mj-lt"/>
+                  <a:ea typeface="+mj-ea"/>
+                  <a:cs typeface="+mj-cs"/>
+                </a:defRPr>
+              </a:lvl2pPr>
+              <a:lvl3pPr>
+                <a:defRPr>
+                  <a:latin typeface="+mj-lt"/>
+                  <a:ea typeface="+mj-ea"/>
+                  <a:cs typeface="+mj-cs"/>
+                </a:defRPr>
+              </a:lvl3pPr>
+              <a:lvl4pPr>
+                <a:defRPr>
+                  <a:latin typeface="+mj-lt"/>
+                  <a:ea typeface="+mj-ea"/>
+                  <a:cs typeface="+mj-cs"/>
+                </a:defRPr>
+              </a:lvl4pPr>
+              <a:lvl5pPr>
+                <a:defRPr>
+                  <a:latin typeface="+mj-lt"/>
+                  <a:ea typeface="+mj-ea"/>
+                  <a:cs typeface="+mj-cs"/>
+                </a:defRPr>
+              </a:lvl5pPr>
+              <a:lvl6pPr>
+                <a:defRPr>
+                  <a:latin typeface="+mj-lt"/>
+                  <a:ea typeface="+mj-ea"/>
+                  <a:cs typeface="+mj-cs"/>
+                </a:defRPr>
+              </a:lvl6pPr>
+              <a:lvl7pPr>
+                <a:defRPr>
+                  <a:latin typeface="+mj-lt"/>
+                  <a:ea typeface="+mj-ea"/>
+                  <a:cs typeface="+mj-cs"/>
+                </a:defRPr>
+              </a:lvl7pPr>
+              <a:lvl8pPr>
+                <a:defRPr>
+                  <a:latin typeface="+mj-lt"/>
+                  <a:ea typeface="+mj-ea"/>
+                  <a:cs typeface="+mj-cs"/>
+                </a:defRPr>
+              </a:lvl8pPr>
+              <a:lvl9pPr>
+                <a:defRPr>
+                  <a:latin typeface="+mj-lt"/>
+                  <a:ea typeface="+mj-ea"/>
+                  <a:cs typeface="+mj-cs"/>
+                </a:defRPr>
+              </a:lvl9pPr>
+            </a:lstStyle>
+            <a:p>
+              <a:pPr algn="ctr"/>
+              <a:r>
+                <a:rPr lang="en-US" b="1" kern="1200" dirty="0" smtClean="0"/>
+                <a:t>REST endpoint</a:t>
+              </a:r>
+              <a:endParaRPr lang="en-US" b="1" kern="1200" dirty="0"/>
+            </a:p>
+          </p:txBody>
+        </p:sp>
+        <p:pic>
+          <p:nvPicPr>
+            <p:cNvPr id="131" name="Picture 130"/>
+            <p:cNvPicPr>
+              <a:picLocks noChangeAspect="1"/>
+            </p:cNvPicPr>
+            <p:nvPr/>
+          </p:nvPicPr>
+          <p:blipFill>
+            <a:blip r:embed="rId2">
+              <a:extLst>
+                <a:ext uri="{28A0092B-C50C-407E-A947-70E740481C1C}">
+                  <a14:useLocalDpi xmlns:a14="http://schemas.microsoft.com/office/drawing/2010/main" val="0"/>
+                </a:ext>
+              </a:extLst>
+            </a:blip>
+            <a:stretch>
+              <a:fillRect/>
+            </a:stretch>
+          </p:blipFill>
+          <p:spPr>
+            <a:xfrm>
+              <a:off x="3805391" y="2638601"/>
+              <a:ext cx="619353" cy="696245"/>
+            </a:xfrm>
+            <a:prstGeom prst="rect">
+              <a:avLst/>
+            </a:prstGeom>
+          </p:spPr>
+        </p:pic>
+      </p:grpSp>
+      <p:grpSp>
+        <p:nvGrpSpPr>
+          <p:cNvPr id="132" name="Group 131"/>
+          <p:cNvGrpSpPr/>
+          <p:nvPr/>
+        </p:nvGrpSpPr>
+        <p:grpSpPr>
+          <a:xfrm>
+            <a:off x="4715946" y="5204293"/>
+            <a:ext cx="932688" cy="938728"/>
+            <a:chOff x="4816407" y="2901247"/>
+            <a:chExt cx="990599" cy="938728"/>
+          </a:xfrm>
+        </p:grpSpPr>
+        <p:sp>
+          <p:nvSpPr>
+            <p:cNvPr id="133" name="Rectangle 132"/>
+            <p:cNvSpPr/>
+            <p:nvPr/>
+          </p:nvSpPr>
+          <p:spPr>
+            <a:xfrm>
+              <a:off x="4856413" y="2901247"/>
+              <a:ext cx="887518" cy="938728"/>
+            </a:xfrm>
+            <a:prstGeom prst="rect">
+              <a:avLst/>
+            </a:prstGeom>
+            <a:gradFill flip="none" rotWithShape="1">
+              <a:gsLst>
+                <a:gs pos="0">
+                  <a:schemeClr val="accent2">
+                    <a:lumMod val="5000"/>
+                    <a:lumOff val="95000"/>
+                  </a:schemeClr>
+                </a:gs>
+                <a:gs pos="74000">
+                  <a:schemeClr val="accent2">
+                    <a:lumMod val="45000"/>
+                    <a:lumOff val="55000"/>
+                  </a:schemeClr>
+                </a:gs>
+                <a:gs pos="83000">
+                  <a:schemeClr val="accent2">
+                    <a:lumMod val="45000"/>
+                    <a:lumOff val="55000"/>
+                  </a:schemeClr>
+                </a:gs>
+                <a:gs pos="100000">
+                  <a:schemeClr val="accent2">
+                    <a:lumMod val="30000"/>
+                    <a:lumOff val="70000"/>
+                  </a:schemeClr>
+                </a:gs>
+              </a:gsLst>
+              <a:lin ang="5400000" scaled="1"/>
+              <a:tileRect/>
+            </a:gradFill>
+          </p:spPr>
+          <p:style>
+            <a:lnRef idx="1">
+              <a:schemeClr val="accent1"/>
+            </a:lnRef>
+            <a:fillRef idx="3">
+              <a:schemeClr val="accent1"/>
+            </a:fillRef>
+            <a:effectRef idx="2">
+              <a:schemeClr val="accent1"/>
+            </a:effectRef>
+            <a:fontRef idx="minor">
+              <a:schemeClr val="lt1"/>
+            </a:fontRef>
+          </p:style>
+          <p:txBody>
+            <a:bodyPr rtlCol="0" anchor="ctr"/>
+            <a:lstStyle/>
+            <a:p>
+              <a:pPr algn="ctr"/>
+              <a:endParaRPr lang="en-US" dirty="0">
+                <a:solidFill>
+                  <a:schemeClr val="tx1"/>
+                </a:solidFill>
+                <a:effectLst>
+                  <a:outerShdw blurRad="50800" dist="50800" dir="5400000" algn="ctr" rotWithShape="0">
+                    <a:schemeClr val="tx1"/>
+                  </a:outerShdw>
+                </a:effectLst>
+              </a:endParaRPr>
+            </a:p>
+          </p:txBody>
+        </p:sp>
+        <p:sp>
+          <p:nvSpPr>
+            <p:cNvPr id="134" name="TextBox 133"/>
+            <p:cNvSpPr txBox="1"/>
+            <p:nvPr/>
+          </p:nvSpPr>
+          <p:spPr>
+            <a:xfrm>
+              <a:off x="4816407" y="3049945"/>
+              <a:ext cx="990599" cy="411941"/>
+            </a:xfrm>
+            <a:prstGeom prst="rect">
+              <a:avLst/>
+            </a:prstGeom>
+            <a:noFill/>
+          </p:spPr>
+          <p:style>
+            <a:lnRef idx="0">
+              <a:scrgbClr r="0" g="0" b="0"/>
+            </a:lnRef>
+            <a:fillRef idx="0">
+              <a:scrgbClr r="0" g="0" b="0"/>
+            </a:fillRef>
+            <a:effectRef idx="0">
+              <a:scrgbClr r="0" g="0" b="0"/>
+            </a:effectRef>
+            <a:fontRef idx="major"/>
+          </p:style>
+          <p:txBody>
+            <a:bodyPr wrap="square" lIns="0" tIns="0" rIns="0" bIns="0" rtlCol="0" anchor="t">
+              <a:noAutofit/>
+            </a:bodyPr>
+            <a:lstStyle>
+              <a:lvl1pPr>
+                <a:defRPr>
+                  <a:latin typeface="+mj-lt"/>
+                  <a:ea typeface="+mj-ea"/>
+                  <a:cs typeface="+mj-cs"/>
+                </a:defRPr>
+              </a:lvl1pPr>
+              <a:lvl2pPr>
+                <a:defRPr>
+                  <a:latin typeface="+mj-lt"/>
+                  <a:ea typeface="+mj-ea"/>
+                  <a:cs typeface="+mj-cs"/>
+                </a:defRPr>
+              </a:lvl2pPr>
+              <a:lvl3pPr>
+                <a:defRPr>
+                  <a:latin typeface="+mj-lt"/>
+                  <a:ea typeface="+mj-ea"/>
+                  <a:cs typeface="+mj-cs"/>
+                </a:defRPr>
+              </a:lvl3pPr>
+              <a:lvl4pPr>
+                <a:defRPr>
+                  <a:latin typeface="+mj-lt"/>
+                  <a:ea typeface="+mj-ea"/>
+                  <a:cs typeface="+mj-cs"/>
+                </a:defRPr>
+              </a:lvl4pPr>
+              <a:lvl5pPr>
+                <a:defRPr>
+                  <a:latin typeface="+mj-lt"/>
+                  <a:ea typeface="+mj-ea"/>
+                  <a:cs typeface="+mj-cs"/>
+                </a:defRPr>
+              </a:lvl5pPr>
+              <a:lvl6pPr>
+                <a:defRPr>
+                  <a:latin typeface="+mj-lt"/>
+                  <a:ea typeface="+mj-ea"/>
+                  <a:cs typeface="+mj-cs"/>
+                </a:defRPr>
+              </a:lvl6pPr>
+              <a:lvl7pPr>
+                <a:defRPr>
+                  <a:latin typeface="+mj-lt"/>
+                  <a:ea typeface="+mj-ea"/>
+                  <a:cs typeface="+mj-cs"/>
+                </a:defRPr>
+              </a:lvl7pPr>
+              <a:lvl8pPr>
+                <a:defRPr>
+                  <a:latin typeface="+mj-lt"/>
+                  <a:ea typeface="+mj-ea"/>
+                  <a:cs typeface="+mj-cs"/>
+                </a:defRPr>
+              </a:lvl8pPr>
+              <a:lvl9pPr>
+                <a:defRPr>
+                  <a:latin typeface="+mj-lt"/>
+                  <a:ea typeface="+mj-ea"/>
+                  <a:cs typeface="+mj-cs"/>
+                </a:defRPr>
+              </a:lvl9pPr>
+            </a:lstStyle>
+            <a:p>
+              <a:pPr algn="ctr"/>
+              <a:r>
+                <a:rPr lang="en-US" b="1" kern="1200" dirty="0" err="1" smtClean="0"/>
+                <a:t>Jython</a:t>
+              </a:r>
+              <a:endParaRPr lang="en-US" b="1" kern="1200" dirty="0" smtClean="0"/>
+            </a:p>
+            <a:p>
+              <a:pPr algn="ctr"/>
+              <a:r>
+                <a:rPr lang="en-US" b="1" kern="1200" dirty="0" smtClean="0"/>
+                <a:t>Feature </a:t>
+              </a:r>
+              <a:r>
+                <a:rPr lang="en-US" b="1" kern="1200" dirty="0" err="1" smtClean="0"/>
+                <a:t>Munging</a:t>
+              </a:r>
+              <a:endParaRPr lang="en-US" b="1" kern="1200" dirty="0"/>
+            </a:p>
+          </p:txBody>
+        </p:sp>
+      </p:grpSp>
+      <p:grpSp>
+        <p:nvGrpSpPr>
+          <p:cNvPr id="135" name="Group 134"/>
+          <p:cNvGrpSpPr/>
+          <p:nvPr/>
+        </p:nvGrpSpPr>
+        <p:grpSpPr>
+          <a:xfrm>
+            <a:off x="3421080" y="5204293"/>
+            <a:ext cx="914400" cy="938728"/>
+            <a:chOff x="4479533" y="2785119"/>
+            <a:chExt cx="990599" cy="938728"/>
+          </a:xfrm>
+        </p:grpSpPr>
+        <p:sp>
+          <p:nvSpPr>
+            <p:cNvPr id="136" name="Rectangle 135"/>
+            <p:cNvSpPr/>
+            <p:nvPr/>
+          </p:nvSpPr>
+          <p:spPr>
+            <a:xfrm>
+              <a:off x="4556384" y="2785119"/>
+              <a:ext cx="887518" cy="938728"/>
+            </a:xfrm>
+            <a:prstGeom prst="rect">
+              <a:avLst/>
+            </a:prstGeom>
+            <a:gradFill flip="none" rotWithShape="1">
+              <a:gsLst>
+                <a:gs pos="0">
+                  <a:schemeClr val="accent2">
+                    <a:lumMod val="5000"/>
+                    <a:lumOff val="95000"/>
+                  </a:schemeClr>
+                </a:gs>
+                <a:gs pos="74000">
+                  <a:schemeClr val="accent2">
+                    <a:lumMod val="45000"/>
+                    <a:lumOff val="55000"/>
+                  </a:schemeClr>
+                </a:gs>
+                <a:gs pos="83000">
+                  <a:schemeClr val="accent2">
+                    <a:lumMod val="45000"/>
+                    <a:lumOff val="55000"/>
+                  </a:schemeClr>
+                </a:gs>
+                <a:gs pos="100000">
+                  <a:schemeClr val="accent2">
+                    <a:lumMod val="30000"/>
+                    <a:lumOff val="70000"/>
+                  </a:schemeClr>
+                </a:gs>
+              </a:gsLst>
+              <a:lin ang="5400000" scaled="1"/>
+              <a:tileRect/>
+            </a:gradFill>
+          </p:spPr>
+          <p:style>
+            <a:lnRef idx="1">
+              <a:schemeClr val="accent1"/>
+            </a:lnRef>
+            <a:fillRef idx="3">
+              <a:schemeClr val="accent1"/>
+            </a:fillRef>
+            <a:effectRef idx="2">
+              <a:schemeClr val="accent1"/>
+            </a:effectRef>
+            <a:fontRef idx="minor">
+              <a:schemeClr val="lt1"/>
+            </a:fontRef>
+          </p:style>
+          <p:txBody>
+            <a:bodyPr rtlCol="0" anchor="ctr"/>
+            <a:lstStyle/>
+            <a:p>
+              <a:pPr algn="ctr"/>
+              <a:endParaRPr lang="en-US" dirty="0">
+                <a:solidFill>
+                  <a:schemeClr val="tx1"/>
+                </a:solidFill>
+                <a:effectLst>
+                  <a:outerShdw blurRad="50800" dist="50800" dir="5400000" algn="ctr" rotWithShape="0">
+                    <a:schemeClr val="tx1"/>
+                  </a:outerShdw>
+                </a:effectLst>
+              </a:endParaRPr>
+            </a:p>
+          </p:txBody>
+        </p:sp>
+        <p:sp>
+          <p:nvSpPr>
+            <p:cNvPr id="137" name="TextBox 136"/>
+            <p:cNvSpPr txBox="1"/>
+            <p:nvPr/>
+          </p:nvSpPr>
+          <p:spPr>
+            <a:xfrm>
+              <a:off x="4479533" y="2933414"/>
+              <a:ext cx="990599" cy="306053"/>
+            </a:xfrm>
+            <a:prstGeom prst="rect">
+              <a:avLst/>
+            </a:prstGeom>
+            <a:noFill/>
+          </p:spPr>
+          <p:style>
+            <a:lnRef idx="0">
+              <a:scrgbClr r="0" g="0" b="0"/>
+            </a:lnRef>
+            <a:fillRef idx="0">
+              <a:scrgbClr r="0" g="0" b="0"/>
+            </a:fillRef>
+            <a:effectRef idx="0">
+              <a:scrgbClr r="0" g="0" b="0"/>
+            </a:effectRef>
+            <a:fontRef idx="major"/>
+          </p:style>
+          <p:txBody>
+            <a:bodyPr wrap="square" lIns="0" tIns="0" rIns="0" bIns="0" rtlCol="0" anchor="t">
+              <a:noAutofit/>
+            </a:bodyPr>
+            <a:lstStyle>
+              <a:lvl1pPr>
+                <a:defRPr>
+                  <a:latin typeface="+mj-lt"/>
+                  <a:ea typeface="+mj-ea"/>
+                  <a:cs typeface="+mj-cs"/>
+                </a:defRPr>
+              </a:lvl1pPr>
+              <a:lvl2pPr>
+                <a:defRPr>
+                  <a:latin typeface="+mj-lt"/>
+                  <a:ea typeface="+mj-ea"/>
+                  <a:cs typeface="+mj-cs"/>
+                </a:defRPr>
+              </a:lvl2pPr>
+              <a:lvl3pPr>
+                <a:defRPr>
+                  <a:latin typeface="+mj-lt"/>
+                  <a:ea typeface="+mj-ea"/>
+                  <a:cs typeface="+mj-cs"/>
+                </a:defRPr>
+              </a:lvl3pPr>
+              <a:lvl4pPr>
+                <a:defRPr>
+                  <a:latin typeface="+mj-lt"/>
+                  <a:ea typeface="+mj-ea"/>
+                  <a:cs typeface="+mj-cs"/>
+                </a:defRPr>
+              </a:lvl4pPr>
+              <a:lvl5pPr>
+                <a:defRPr>
+                  <a:latin typeface="+mj-lt"/>
+                  <a:ea typeface="+mj-ea"/>
+                  <a:cs typeface="+mj-cs"/>
+                </a:defRPr>
+              </a:lvl5pPr>
+              <a:lvl6pPr>
+                <a:defRPr>
+                  <a:latin typeface="+mj-lt"/>
+                  <a:ea typeface="+mj-ea"/>
+                  <a:cs typeface="+mj-cs"/>
+                </a:defRPr>
+              </a:lvl6pPr>
+              <a:lvl7pPr>
+                <a:defRPr>
+                  <a:latin typeface="+mj-lt"/>
+                  <a:ea typeface="+mj-ea"/>
+                  <a:cs typeface="+mj-cs"/>
+                </a:defRPr>
+              </a:lvl7pPr>
+              <a:lvl8pPr>
+                <a:defRPr>
+                  <a:latin typeface="+mj-lt"/>
+                  <a:ea typeface="+mj-ea"/>
+                  <a:cs typeface="+mj-cs"/>
+                </a:defRPr>
+              </a:lvl8pPr>
+              <a:lvl9pPr>
+                <a:defRPr>
+                  <a:latin typeface="+mj-lt"/>
+                  <a:ea typeface="+mj-ea"/>
+                  <a:cs typeface="+mj-cs"/>
+                </a:defRPr>
+              </a:lvl9pPr>
+            </a:lstStyle>
+            <a:p>
+              <a:pPr algn="ctr"/>
+              <a:r>
+                <a:rPr lang="en-US" b="1" kern="1200" dirty="0" smtClean="0"/>
+                <a:t>Lambda</a:t>
+              </a:r>
+            </a:p>
+            <a:p>
+              <a:pPr algn="ctr"/>
+              <a:r>
+                <a:rPr lang="en-US" b="1" kern="1200" dirty="0" smtClean="0"/>
+                <a:t>Function</a:t>
+              </a:r>
+            </a:p>
+            <a:p>
+              <a:pPr algn="ctr"/>
+              <a:r>
+                <a:rPr lang="en-US" b="1" kern="1200" dirty="0" smtClean="0"/>
+                <a:t>Handler</a:t>
+              </a:r>
+              <a:endParaRPr lang="en-US" b="1" kern="1200" dirty="0"/>
+            </a:p>
+          </p:txBody>
+        </p:sp>
+      </p:grpSp>
+      <p:grpSp>
+        <p:nvGrpSpPr>
+          <p:cNvPr id="138" name="Group 137"/>
+          <p:cNvGrpSpPr/>
+          <p:nvPr/>
+        </p:nvGrpSpPr>
+        <p:grpSpPr>
+          <a:xfrm>
+            <a:off x="5994640" y="5204293"/>
+            <a:ext cx="931670" cy="938728"/>
+            <a:chOff x="6027023" y="3743671"/>
+            <a:chExt cx="1006563" cy="938728"/>
+          </a:xfrm>
+        </p:grpSpPr>
+        <p:sp>
+          <p:nvSpPr>
+            <p:cNvPr id="139" name="Rectangle 138"/>
+            <p:cNvSpPr/>
+            <p:nvPr/>
+          </p:nvSpPr>
+          <p:spPr>
+            <a:xfrm>
+              <a:off x="6042987" y="3743671"/>
+              <a:ext cx="990599" cy="938728"/>
+            </a:xfrm>
+            <a:prstGeom prst="rect">
+              <a:avLst/>
+            </a:prstGeom>
+            <a:gradFill flip="none" rotWithShape="1">
+              <a:gsLst>
+                <a:gs pos="0">
+                  <a:schemeClr val="accent2">
+                    <a:lumMod val="5000"/>
+                    <a:lumOff val="95000"/>
+                  </a:schemeClr>
+                </a:gs>
+                <a:gs pos="74000">
+                  <a:schemeClr val="accent2">
+                    <a:lumMod val="45000"/>
+                    <a:lumOff val="55000"/>
+                  </a:schemeClr>
+                </a:gs>
+                <a:gs pos="83000">
+                  <a:schemeClr val="accent2">
+                    <a:lumMod val="45000"/>
+                    <a:lumOff val="55000"/>
+                  </a:schemeClr>
+                </a:gs>
+                <a:gs pos="100000">
+                  <a:schemeClr val="accent2">
+                    <a:lumMod val="30000"/>
+                    <a:lumOff val="70000"/>
+                  </a:schemeClr>
+                </a:gs>
+              </a:gsLst>
+              <a:lin ang="5400000" scaled="1"/>
+              <a:tileRect/>
+            </a:gradFill>
+          </p:spPr>
+          <p:style>
+            <a:lnRef idx="1">
+              <a:schemeClr val="accent1"/>
+            </a:lnRef>
+            <a:fillRef idx="3">
+              <a:schemeClr val="accent1"/>
+            </a:fillRef>
+            <a:effectRef idx="2">
+              <a:schemeClr val="accent1"/>
+            </a:effectRef>
+            <a:fontRef idx="minor">
+              <a:schemeClr val="lt1"/>
+            </a:fontRef>
+          </p:style>
+          <p:txBody>
+            <a:bodyPr rtlCol="0" anchor="ctr"/>
+            <a:lstStyle/>
+            <a:p>
+              <a:pPr algn="ctr"/>
+              <a:endParaRPr lang="en-US" dirty="0">
+                <a:solidFill>
+                  <a:schemeClr val="tx1"/>
+                </a:solidFill>
+                <a:effectLst>
+                  <a:outerShdw blurRad="50800" dist="50800" dir="5400000" algn="ctr" rotWithShape="0">
+                    <a:schemeClr val="tx1"/>
+                  </a:outerShdw>
+                </a:effectLst>
+              </a:endParaRPr>
+            </a:p>
+          </p:txBody>
+        </p:sp>
+        <p:sp>
+          <p:nvSpPr>
+            <p:cNvPr id="140" name="TextBox 139"/>
+            <p:cNvSpPr txBox="1"/>
+            <p:nvPr/>
+          </p:nvSpPr>
+          <p:spPr>
+            <a:xfrm>
+              <a:off x="6027023" y="3862363"/>
+              <a:ext cx="990599" cy="306053"/>
+            </a:xfrm>
+            <a:prstGeom prst="rect">
+              <a:avLst/>
+            </a:prstGeom>
+            <a:noFill/>
+          </p:spPr>
+          <p:style>
+            <a:lnRef idx="0">
+              <a:scrgbClr r="0" g="0" b="0"/>
+            </a:lnRef>
+            <a:fillRef idx="0">
+              <a:scrgbClr r="0" g="0" b="0"/>
+            </a:fillRef>
+            <a:effectRef idx="0">
+              <a:scrgbClr r="0" g="0" b="0"/>
+            </a:effectRef>
+            <a:fontRef idx="major"/>
+          </p:style>
+          <p:txBody>
+            <a:bodyPr wrap="square" lIns="0" tIns="0" rIns="0" bIns="0" rtlCol="0" anchor="t">
+              <a:noAutofit/>
+            </a:bodyPr>
+            <a:lstStyle>
+              <a:lvl1pPr>
+                <a:defRPr>
+                  <a:latin typeface="+mj-lt"/>
+                  <a:ea typeface="+mj-ea"/>
+                  <a:cs typeface="+mj-cs"/>
+                </a:defRPr>
+              </a:lvl1pPr>
+              <a:lvl2pPr>
+                <a:defRPr>
+                  <a:latin typeface="+mj-lt"/>
+                  <a:ea typeface="+mj-ea"/>
+                  <a:cs typeface="+mj-cs"/>
+                </a:defRPr>
+              </a:lvl2pPr>
+              <a:lvl3pPr>
+                <a:defRPr>
+                  <a:latin typeface="+mj-lt"/>
+                  <a:ea typeface="+mj-ea"/>
+                  <a:cs typeface="+mj-cs"/>
+                </a:defRPr>
+              </a:lvl3pPr>
+              <a:lvl4pPr>
+                <a:defRPr>
+                  <a:latin typeface="+mj-lt"/>
+                  <a:ea typeface="+mj-ea"/>
+                  <a:cs typeface="+mj-cs"/>
+                </a:defRPr>
+              </a:lvl4pPr>
+              <a:lvl5pPr>
+                <a:defRPr>
+                  <a:latin typeface="+mj-lt"/>
+                  <a:ea typeface="+mj-ea"/>
+                  <a:cs typeface="+mj-cs"/>
+                </a:defRPr>
+              </a:lvl5pPr>
+              <a:lvl6pPr>
+                <a:defRPr>
+                  <a:latin typeface="+mj-lt"/>
+                  <a:ea typeface="+mj-ea"/>
+                  <a:cs typeface="+mj-cs"/>
+                </a:defRPr>
+              </a:lvl6pPr>
+              <a:lvl7pPr>
+                <a:defRPr>
+                  <a:latin typeface="+mj-lt"/>
+                  <a:ea typeface="+mj-ea"/>
+                  <a:cs typeface="+mj-cs"/>
+                </a:defRPr>
+              </a:lvl7pPr>
+              <a:lvl8pPr>
+                <a:defRPr>
+                  <a:latin typeface="+mj-lt"/>
+                  <a:ea typeface="+mj-ea"/>
+                  <a:cs typeface="+mj-cs"/>
+                </a:defRPr>
+              </a:lvl8pPr>
+              <a:lvl9pPr>
+                <a:defRPr>
+                  <a:latin typeface="+mj-lt"/>
+                  <a:ea typeface="+mj-ea"/>
+                  <a:cs typeface="+mj-cs"/>
+                </a:defRPr>
+              </a:lvl9pPr>
+            </a:lstStyle>
+            <a:p>
+              <a:pPr algn="ctr"/>
+              <a:r>
+                <a:rPr lang="en-US" b="1" kern="1200" dirty="0" smtClean="0"/>
+                <a:t>H2O Model POJO Prediction</a:t>
+              </a:r>
+              <a:endParaRPr lang="en-US" b="1" kern="1200" dirty="0"/>
+            </a:p>
+          </p:txBody>
+        </p:sp>
+      </p:grpSp>
+      <p:cxnSp>
+        <p:nvCxnSpPr>
+          <p:cNvPr id="141" name="Straight Arrow Connector 140"/>
+          <p:cNvCxnSpPr/>
+          <p:nvPr/>
+        </p:nvCxnSpPr>
+        <p:spPr>
+          <a:xfrm>
+            <a:off x="4377122" y="5606341"/>
+            <a:ext cx="294834" cy="254"/>
+          </a:xfrm>
+          <a:prstGeom prst="straightConnector1">
+            <a:avLst/>
+          </a:prstGeom>
+          <a:ln w="57150">
+            <a:tailEnd type="stealth"/>
+          </a:ln>
+          <a:effectLst/>
+        </p:spPr>
+        <p:style>
+          <a:lnRef idx="2">
+            <a:schemeClr val="accent1"/>
+          </a:lnRef>
+          <a:fillRef idx="0">
+            <a:schemeClr val="accent1"/>
+          </a:fillRef>
+          <a:effectRef idx="1">
+            <a:schemeClr val="accent1"/>
+          </a:effectRef>
+          <a:fontRef idx="minor">
+            <a:schemeClr val="tx1"/>
+          </a:fontRef>
+        </p:style>
+      </p:cxnSp>
+      <p:cxnSp>
+        <p:nvCxnSpPr>
+          <p:cNvPr id="142" name="Straight Arrow Connector 141"/>
+          <p:cNvCxnSpPr/>
+          <p:nvPr/>
+        </p:nvCxnSpPr>
+        <p:spPr>
+          <a:xfrm>
+            <a:off x="5629744" y="5612220"/>
+            <a:ext cx="294834" cy="254"/>
+          </a:xfrm>
+          <a:prstGeom prst="straightConnector1">
+            <a:avLst/>
+          </a:prstGeom>
+          <a:ln w="57150">
+            <a:tailEnd type="stealth"/>
+          </a:ln>
+          <a:effectLst/>
+        </p:spPr>
+        <p:style>
+          <a:lnRef idx="2">
+            <a:schemeClr val="accent1"/>
+          </a:lnRef>
+          <a:fillRef idx="0">
+            <a:schemeClr val="accent1"/>
+          </a:fillRef>
+          <a:effectRef idx="1">
+            <a:schemeClr val="accent1"/>
+          </a:effectRef>
+          <a:fontRef idx="minor">
+            <a:schemeClr val="tx1"/>
+          </a:fontRef>
+        </p:style>
+      </p:cxnSp>
+      <p:cxnSp>
+        <p:nvCxnSpPr>
+          <p:cNvPr id="143" name="Straight Arrow Connector 142"/>
+          <p:cNvCxnSpPr/>
+          <p:nvPr/>
+        </p:nvCxnSpPr>
+        <p:spPr>
+          <a:xfrm>
+            <a:off x="3029778" y="5606601"/>
+            <a:ext cx="294834" cy="254"/>
+          </a:xfrm>
+          <a:prstGeom prst="straightConnector1">
+            <a:avLst/>
+          </a:prstGeom>
+          <a:ln w="57150">
+            <a:tailEnd type="stealth"/>
+          </a:ln>
+          <a:effectLst/>
+        </p:spPr>
+        <p:style>
+          <a:lnRef idx="2">
+            <a:schemeClr val="accent1"/>
+          </a:lnRef>
+          <a:fillRef idx="0">
+            <a:schemeClr val="accent1"/>
+          </a:fillRef>
+          <a:effectRef idx="1">
+            <a:schemeClr val="accent1"/>
+          </a:effectRef>
+          <a:fontRef idx="minor">
+            <a:schemeClr val="tx1"/>
+          </a:fontRef>
+        </p:style>
+      </p:cxnSp>
+      <p:sp>
+        <p:nvSpPr>
+          <p:cNvPr id="144" name="Rounded Rectangle 143"/>
+          <p:cNvSpPr/>
+          <p:nvPr/>
+        </p:nvSpPr>
+        <p:spPr>
+          <a:xfrm>
+            <a:off x="4713598" y="4953000"/>
+            <a:ext cx="2474601" cy="1562100"/>
+          </a:xfrm>
+          <a:prstGeom prst="roundRect">
+            <a:avLst/>
+          </a:prstGeom>
+          <a:solidFill>
+            <a:schemeClr val="tx1">
+              <a:alpha val="36000"/>
+            </a:schemeClr>
+          </a:solidFill>
+        </p:spPr>
+        <p:style>
+          <a:lnRef idx="1">
+            <a:schemeClr val="accent1"/>
+          </a:lnRef>
+          <a:fillRef idx="3">
+            <a:schemeClr val="accent1"/>
+          </a:fillRef>
+          <a:effectRef idx="2">
+            <a:schemeClr val="accent1"/>
+          </a:effectRef>
+          <a:fontRef idx="minor">
+            <a:schemeClr val="lt1"/>
+          </a:fontRef>
+        </p:style>
+        <p:txBody>
+          <a:bodyPr rtlCol="0" anchor="ctr"/>
+          <a:lstStyle/>
+          <a:p>
+            <a:pPr algn="ctr"/>
+            <a:endParaRPr lang="en-US"/>
+          </a:p>
+        </p:txBody>
+      </p:sp>
+      <p:sp>
+        <p:nvSpPr>
+          <p:cNvPr id="145" name="Rounded Rectangle 144"/>
+          <p:cNvSpPr/>
+          <p:nvPr/>
+        </p:nvSpPr>
+        <p:spPr>
+          <a:xfrm>
+            <a:off x="2197100" y="4953000"/>
+            <a:ext cx="1182338" cy="1562100"/>
+          </a:xfrm>
+          <a:prstGeom prst="roundRect">
+            <a:avLst/>
+          </a:prstGeom>
+          <a:solidFill>
+            <a:schemeClr val="tx1">
+              <a:alpha val="36000"/>
+            </a:schemeClr>
+          </a:solidFill>
+        </p:spPr>
+        <p:style>
+          <a:lnRef idx="1">
+            <a:schemeClr val="accent1"/>
+          </a:lnRef>
+          <a:fillRef idx="3">
+            <a:schemeClr val="accent1"/>
+          </a:fillRef>
+          <a:effectRef idx="2">
+            <a:schemeClr val="accent1"/>
+          </a:effectRef>
+          <a:fontRef idx="minor">
+            <a:schemeClr val="lt1"/>
+          </a:fontRef>
+        </p:style>
+        <p:txBody>
+          <a:bodyPr rtlCol="0" anchor="ctr"/>
+          <a:lstStyle/>
+          <a:p>
+            <a:pPr algn="ctr"/>
+            <a:endParaRPr lang="en-US"/>
           </a:p>
         </p:txBody>
       </p:sp>
     </p:spTree>
     <p:extLst>
       <p:ext uri="{BB962C8B-B14F-4D97-AF65-F5344CB8AC3E}">
-        <p14:creationId xmlns:p14="http://schemas.microsoft.com/office/powerpoint/2010/main" val="273336248"/>
+        <p14:creationId xmlns:p14="http://schemas.microsoft.com/office/powerpoint/2010/main" val="1854852570"/>
       </p:ext>
     </p:extLst>
   </p:cSld>
@@ -5930,7 +6950,7 @@
           <a:p>
             <a:r>
               <a:rPr lang="en-US" dirty="0" smtClean="0"/>
-              <a:t>LAMBDA FUNCTION HANDLER</a:t>
+              <a:t>JYTHON FEATURE MUNGING</a:t>
             </a:r>
             <a:endParaRPr lang="en-US" dirty="0"/>
           </a:p>
@@ -5946,10 +6966,15 @@
             <p:ph idx="1"/>
           </p:nvPr>
         </p:nvSpPr>
-        <p:spPr/>
+        <p:spPr>
+          <a:xfrm>
+            <a:off x="457200" y="1028700"/>
+            <a:ext cx="8229600" cy="4525963"/>
+          </a:xfrm>
+        </p:spPr>
         <p:txBody>
           <a:bodyPr>
-            <a:normAutofit fontScale="85000" lnSpcReduction="10000"/>
+            <a:noAutofit/>
           </a:bodyPr>
           <a:lstStyle/>
           <a:p>
@@ -5957,179 +6982,1338 @@
               <a:buNone/>
             </a:pPr>
             <a:r>
-              <a:rPr lang="en-US" b="1" dirty="0"/>
-              <a:t>public static </a:t>
-            </a:r>
-            <a:r>
-              <a:rPr lang="en-US" dirty="0" err="1"/>
-              <a:t>ResponseClass</a:t>
-            </a:r>
-            <a:r>
-              <a:rPr lang="en-US" dirty="0"/>
+              <a:rPr lang="en-US" sz="1600" b="1" dirty="0" err="1" smtClean="0"/>
+              <a:t>def</a:t>
+            </a:r>
+            <a:r>
+              <a:rPr lang="en-US" sz="1600" b="1" dirty="0" smtClean="0"/>
               <a:t> </a:t>
             </a:r>
             <a:r>
-              <a:rPr lang="en-US" dirty="0" err="1"/>
-              <a:t>myHandler</a:t>
-            </a:r>
-            <a:r>
-              <a:rPr lang="en-US" dirty="0"/>
+              <a:rPr lang="en-US" sz="1600" dirty="0"/>
+              <a:t>predict(domain):</a:t>
+            </a:r>
+            <a:br>
+              <a:rPr lang="en-US" sz="1600" dirty="0"/>
+            </a:br>
+            <a:r>
+              <a:rPr lang="en-US" sz="1600" dirty="0"/>
+              <a:t>  domain = </a:t>
+            </a:r>
+            <a:r>
+              <a:rPr lang="en-US" sz="1600" dirty="0" err="1"/>
+              <a:t>domain.split</a:t>
+            </a:r>
+            <a:r>
+              <a:rPr lang="en-US" sz="1600" dirty="0"/>
               <a:t>(</a:t>
             </a:r>
             <a:r>
-              <a:rPr lang="en-US" dirty="0" err="1"/>
-              <a:t>RequestClass</a:t>
-            </a:r>
-            <a:r>
-              <a:rPr lang="en-US" dirty="0"/>
-              <a:t> request, Context context) </a:t>
-            </a:r>
-            <a:r>
-              <a:rPr lang="en-US" b="1" dirty="0"/>
-              <a:t>throws </a:t>
-            </a:r>
-            <a:r>
-              <a:rPr lang="en-US" dirty="0" err="1"/>
-              <a:t>PyException</a:t>
-            </a:r>
-            <a:r>
-              <a:rPr lang="en-US" dirty="0"/>
-              <a:t> {</a:t>
+              <a:rPr lang="en-US" sz="1600" b="1" dirty="0"/>
+              <a:t>'.'</a:t>
+            </a:r>
+            <a:r>
+              <a:rPr lang="en-US" sz="1600" dirty="0"/>
+              <a:t>)[0]</a:t>
             </a:r>
             <a:br>
-              <a:rPr lang="en-US" dirty="0"/>
+              <a:rPr lang="en-US" sz="1600" dirty="0"/>
             </a:br>
             <a:r>
-              <a:rPr lang="en-US" dirty="0"/>
+              <a:rPr lang="en-US" sz="1600" dirty="0"/>
+              <a:t>  row = </a:t>
+            </a:r>
+            <a:r>
+              <a:rPr lang="en-US" sz="1600" dirty="0" err="1"/>
+              <a:t>RowData</a:t>
+            </a:r>
+            <a:r>
+              <a:rPr lang="en-US" sz="1600" dirty="0"/>
+              <a:t>()</a:t>
+            </a:r>
+            <a:br>
+              <a:rPr lang="en-US" sz="1600" dirty="0"/>
+            </a:br>
+            <a:r>
+              <a:rPr lang="en-US" sz="1600" dirty="0"/>
+              <a:t>  functions = [</a:t>
+            </a:r>
+            <a:r>
+              <a:rPr lang="en-US" sz="1600" dirty="0" err="1"/>
+              <a:t>len</a:t>
+            </a:r>
+            <a:r>
+              <a:rPr lang="en-US" sz="1600" dirty="0"/>
+              <a:t>, entropy, </a:t>
+            </a:r>
+            <a:r>
+              <a:rPr lang="en-US" sz="1600" dirty="0" err="1"/>
+              <a:t>p_vowels</a:t>
+            </a:r>
+            <a:r>
+              <a:rPr lang="en-US" sz="1600" dirty="0"/>
+              <a:t>, </a:t>
+            </a:r>
+            <a:r>
+              <a:rPr lang="en-US" sz="1600" dirty="0" err="1"/>
+              <a:t>num_valid_substrings</a:t>
+            </a:r>
+            <a:r>
+              <a:rPr lang="en-US" sz="1600" dirty="0"/>
+              <a:t>]</a:t>
+            </a:r>
+            <a:br>
+              <a:rPr lang="en-US" sz="1600" dirty="0"/>
+            </a:br>
+            <a:r>
+              <a:rPr lang="en-US" sz="1600" dirty="0"/>
+              <a:t>  </a:t>
+            </a:r>
+            <a:r>
+              <a:rPr lang="en-US" sz="1600" dirty="0" err="1"/>
+              <a:t>eval_features</a:t>
+            </a:r>
+            <a:r>
+              <a:rPr lang="en-US" sz="1600" dirty="0"/>
+              <a:t> = [f(domain) </a:t>
+            </a:r>
+            <a:r>
+              <a:rPr lang="en-US" sz="1600" b="1" dirty="0"/>
+              <a:t>for </a:t>
+            </a:r>
+            <a:r>
+              <a:rPr lang="en-US" sz="1600" dirty="0"/>
+              <a:t>f </a:t>
+            </a:r>
+            <a:r>
+              <a:rPr lang="en-US" sz="1600" b="1" dirty="0"/>
+              <a:t>in </a:t>
+            </a:r>
+            <a:r>
+              <a:rPr lang="en-US" sz="1600" dirty="0"/>
+              <a:t>functions]</a:t>
+            </a:r>
+            <a:br>
+              <a:rPr lang="en-US" sz="1600" dirty="0"/>
+            </a:br>
+            <a:r>
+              <a:rPr lang="en-US" sz="1600" dirty="0"/>
+              <a:t>  names = </a:t>
+            </a:r>
+            <a:r>
+              <a:rPr lang="en-US" sz="1600" dirty="0" err="1"/>
+              <a:t>NamesHolder_MaliciousDomainModel</a:t>
+            </a:r>
+            <a:r>
+              <a:rPr lang="en-US" sz="1600" dirty="0"/>
+              <a:t>().VALUES</a:t>
+            </a:r>
+            <a:br>
+              <a:rPr lang="en-US" sz="1600" dirty="0"/>
+            </a:br>
+            <a:r>
+              <a:rPr lang="en-US" sz="1600" dirty="0"/>
+              <a:t>  beta = </a:t>
+            </a:r>
+            <a:r>
+              <a:rPr lang="en-US" sz="1600" dirty="0" err="1"/>
+              <a:t>MaliciousDomainModel</a:t>
+            </a:r>
+            <a:r>
+              <a:rPr lang="en-US" sz="1600" dirty="0"/>
+              <a:t>().BETA().VALUES</a:t>
+            </a:r>
+            <a:br>
+              <a:rPr lang="en-US" sz="1600" dirty="0"/>
+            </a:br>
+            <a:r>
+              <a:rPr lang="en-US" sz="1600" dirty="0"/>
+              <a:t>  </a:t>
+            </a:r>
+            <a:r>
+              <a:rPr lang="en-US" sz="1600" dirty="0" err="1"/>
+              <a:t>feature_coef_product</a:t>
+            </a:r>
+            <a:r>
+              <a:rPr lang="en-US" sz="1600" dirty="0"/>
+              <a:t> = [beta[</a:t>
+            </a:r>
+            <a:r>
+              <a:rPr lang="en-US" sz="1600" dirty="0" err="1"/>
+              <a:t>len</a:t>
+            </a:r>
+            <a:r>
+              <a:rPr lang="en-US" sz="1600" dirty="0"/>
+              <a:t>(beta) - 1]]</a:t>
+            </a:r>
+            <a:br>
+              <a:rPr lang="en-US" sz="1600" dirty="0"/>
+            </a:br>
+            <a:r>
+              <a:rPr lang="en-US" sz="1600" dirty="0"/>
+              <a:t>  </a:t>
+            </a:r>
+            <a:r>
+              <a:rPr lang="en-US" sz="1600" b="1" dirty="0"/>
+              <a:t>for </a:t>
+            </a:r>
+            <a:r>
+              <a:rPr lang="en-US" sz="1600" dirty="0" err="1"/>
+              <a:t>i</a:t>
+            </a:r>
+            <a:r>
+              <a:rPr lang="en-US" sz="1600" dirty="0"/>
+              <a:t> </a:t>
+            </a:r>
+            <a:r>
+              <a:rPr lang="en-US" sz="1600" b="1" dirty="0"/>
+              <a:t>in </a:t>
+            </a:r>
+            <a:r>
+              <a:rPr lang="en-US" sz="1600" dirty="0"/>
+              <a:t>range(</a:t>
+            </a:r>
+            <a:r>
+              <a:rPr lang="en-US" sz="1600" dirty="0" err="1"/>
+              <a:t>len</a:t>
+            </a:r>
+            <a:r>
+              <a:rPr lang="en-US" sz="1600" dirty="0"/>
+              <a:t>(names)):</a:t>
+            </a:r>
+            <a:br>
+              <a:rPr lang="en-US" sz="1600" dirty="0"/>
+            </a:br>
+            <a:r>
+              <a:rPr lang="en-US" sz="1600" dirty="0"/>
               <a:t>    </a:t>
             </a:r>
+            <a:r>
+              <a:rPr lang="en-US" sz="1600" dirty="0" err="1"/>
+              <a:t>row.put</a:t>
+            </a:r>
+            <a:r>
+              <a:rPr lang="en-US" sz="1600" dirty="0"/>
+              <a:t>(names[</a:t>
+            </a:r>
+            <a:r>
+              <a:rPr lang="en-US" sz="1600" dirty="0" err="1"/>
+              <a:t>i</a:t>
+            </a:r>
+            <a:r>
+              <a:rPr lang="en-US" sz="1600" dirty="0"/>
+              <a:t>], float(</a:t>
+            </a:r>
+            <a:r>
+              <a:rPr lang="en-US" sz="1600" dirty="0" err="1"/>
+              <a:t>eval_features</a:t>
+            </a:r>
+            <a:r>
+              <a:rPr lang="en-US" sz="1600" dirty="0"/>
+              <a:t>[</a:t>
+            </a:r>
+            <a:r>
+              <a:rPr lang="en-US" sz="1600" dirty="0" err="1"/>
+              <a:t>i</a:t>
+            </a:r>
+            <a:r>
+              <a:rPr lang="en-US" sz="1600" dirty="0"/>
+              <a:t>]))</a:t>
+            </a:r>
             <a:br>
-              <a:rPr lang="en-US" dirty="0"/>
+              <a:rPr lang="en-US" sz="1600" dirty="0"/>
             </a:br>
             <a:r>
-              <a:rPr lang="en-US" dirty="0"/>
+              <a:rPr lang="en-US" sz="1600" dirty="0"/>
+              <a:t>    </a:t>
+            </a:r>
+            <a:r>
+              <a:rPr lang="en-US" sz="1600" dirty="0" err="1"/>
+              <a:t>feature_coef_product.append</a:t>
+            </a:r>
+            <a:r>
+              <a:rPr lang="en-US" sz="1600" dirty="0"/>
+              <a:t>(</a:t>
+            </a:r>
+            <a:r>
+              <a:rPr lang="en-US" sz="1600" dirty="0" err="1"/>
+              <a:t>eval_features</a:t>
+            </a:r>
+            <a:r>
+              <a:rPr lang="en-US" sz="1600" dirty="0"/>
+              <a:t>[</a:t>
+            </a:r>
+            <a:r>
+              <a:rPr lang="en-US" sz="1600" dirty="0" err="1"/>
+              <a:t>i</a:t>
+            </a:r>
+            <a:r>
+              <a:rPr lang="en-US" sz="1600" dirty="0"/>
+              <a:t>] * beta[</a:t>
+            </a:r>
+            <a:r>
+              <a:rPr lang="en-US" sz="1600" dirty="0" err="1"/>
+              <a:t>i</a:t>
+            </a:r>
+            <a:r>
+              <a:rPr lang="en-US" sz="1600" dirty="0"/>
+              <a:t>])</a:t>
+            </a:r>
+            <a:br>
+              <a:rPr lang="en-US" sz="1600" dirty="0"/>
+            </a:br>
+            <a:r>
+              <a:rPr lang="en-US" sz="1600" dirty="0"/>
+              <a:t/>
+            </a:r>
+            <a:br>
+              <a:rPr lang="en-US" sz="1600" dirty="0"/>
+            </a:br>
+            <a:r>
+              <a:rPr lang="en-US" sz="1600" dirty="0"/>
               <a:t>  </a:t>
             </a:r>
             <a:r>
-              <a:rPr lang="en-US" dirty="0" err="1"/>
-              <a:t>PyModule</a:t>
-            </a:r>
-            <a:r>
-              <a:rPr lang="en-US" dirty="0"/>
-              <a:t> module = </a:t>
-            </a:r>
-            <a:r>
-              <a:rPr lang="en-US" b="1" dirty="0"/>
-              <a:t>new </a:t>
-            </a:r>
-            <a:r>
-              <a:rPr lang="en-US" dirty="0" err="1"/>
-              <a:t>PyModule</a:t>
-            </a:r>
-            <a:r>
-              <a:rPr lang="en-US" dirty="0"/>
-              <a:t>();</a:t>
+              <a:rPr lang="en-US" sz="1600" i="1" dirty="0"/>
+              <a:t>#prediction</a:t>
             </a:r>
             <a:br>
-              <a:rPr lang="en-US" dirty="0"/>
+              <a:rPr lang="en-US" sz="1600" i="1" dirty="0"/>
             </a:br>
             <a:r>
-              <a:rPr lang="en-US" dirty="0"/>
+              <a:rPr lang="en-US" sz="1600" i="1" dirty="0"/>
               <a:t>  </a:t>
             </a:r>
+            <a:r>
+              <a:rPr lang="en-US" sz="1600" dirty="0"/>
+              <a:t>model = </a:t>
+            </a:r>
+            <a:r>
+              <a:rPr lang="en-US" sz="1600" dirty="0" err="1"/>
+              <a:t>EasyPredictModelWrapper</a:t>
+            </a:r>
+            <a:r>
+              <a:rPr lang="en-US" sz="1600" dirty="0"/>
+              <a:t>(</a:t>
+            </a:r>
+            <a:r>
+              <a:rPr lang="en-US" sz="1600" dirty="0" err="1"/>
+              <a:t>MaliciousDomainModel</a:t>
+            </a:r>
+            <a:r>
+              <a:rPr lang="en-US" sz="1600" dirty="0"/>
+              <a:t>())</a:t>
+            </a:r>
             <a:br>
-              <a:rPr lang="en-US" dirty="0"/>
+              <a:rPr lang="en-US" sz="1600" dirty="0"/>
             </a:br>
             <a:r>
-              <a:rPr lang="en-US" dirty="0"/>
-              <a:t>  </a:t>
-            </a:r>
-            <a:r>
-              <a:rPr lang="en-US" i="1" dirty="0"/>
-              <a:t>//Prediction code is in </a:t>
-            </a:r>
-            <a:r>
-              <a:rPr lang="en-US" i="1" dirty="0" err="1"/>
-              <a:t>pymodule.py</a:t>
-            </a:r>
-            <a:r>
-              <a:rPr lang="en-US" i="1" dirty="0"/>
+              <a:rPr lang="en-US" sz="1600" dirty="0"/>
+              <a:t>  p = </a:t>
+            </a:r>
+            <a:r>
+              <a:rPr lang="en-US" sz="1600" dirty="0" err="1"/>
+              <a:t>model.predictBinomial</a:t>
+            </a:r>
+            <a:r>
+              <a:rPr lang="en-US" sz="1600" dirty="0"/>
+              <a:t>(row</a:t>
+            </a:r>
+            <a:r>
+              <a:rPr lang="en-US" sz="1600" dirty="0" smtClean="0"/>
+              <a:t>)</a:t>
+            </a:r>
+            <a:r>
+              <a:rPr lang="en-US" sz="1600" dirty="0"/>
               <a:t/>
             </a:r>
             <a:br>
-              <a:rPr lang="en-US" i="1" dirty="0"/>
+              <a:rPr lang="en-US" sz="1600" dirty="0"/>
             </a:br>
-            <a:r>
-              <a:rPr lang="en-US" i="1" dirty="0"/>
-              <a:t>  </a:t>
-            </a:r>
-            <a:r>
-              <a:rPr lang="en-US" b="1" dirty="0"/>
-              <a:t>double</a:t>
-            </a:r>
-            <a:r>
-              <a:rPr lang="en-US" dirty="0" smtClean="0"/>
-              <a:t>[]predictions=</a:t>
-            </a:r>
-            <a:r>
-              <a:rPr lang="en-US" dirty="0" err="1" smtClean="0"/>
-              <a:t>module.predict</a:t>
-            </a:r>
-            <a:r>
-              <a:rPr lang="en-US" dirty="0" smtClean="0"/>
-              <a:t>(</a:t>
-            </a:r>
-            <a:r>
-              <a:rPr lang="en-US" dirty="0" err="1" smtClean="0"/>
-              <a:t>request.domain</a:t>
-            </a:r>
-            <a:r>
-              <a:rPr lang="en-US" dirty="0"/>
-              <a:t>);</a:t>
-            </a:r>
-            <a:br>
-              <a:rPr lang="en-US" dirty="0"/>
-            </a:br>
-            <a:r>
-              <a:rPr lang="en-US" dirty="0"/>
-              <a:t>  </a:t>
-            </a:r>
-            <a:r>
-              <a:rPr lang="en-US" b="1" dirty="0"/>
-              <a:t>return new </a:t>
-            </a:r>
-            <a:r>
-              <a:rPr lang="en-US" dirty="0" err="1"/>
-              <a:t>ResponseClass</a:t>
-            </a:r>
-            <a:r>
-              <a:rPr lang="en-US" dirty="0"/>
-              <a:t>(predictions);</a:t>
-            </a:r>
-            <a:br>
-              <a:rPr lang="en-US" dirty="0"/>
-            </a:br>
-            <a:r>
-              <a:rPr lang="en-US" dirty="0"/>
-              <a:t>}</a:t>
-            </a:r>
-            <a:br>
-              <a:rPr lang="en-US" dirty="0"/>
-            </a:br>
-            <a:endParaRPr lang="en-US" dirty="0"/>
+            <a:endParaRPr lang="en-US" sz="1600" dirty="0"/>
+          </a:p>
+        </p:txBody>
+      </p:sp>
+      <p:grpSp>
+        <p:nvGrpSpPr>
+          <p:cNvPr id="4" name="Group 3"/>
+          <p:cNvGrpSpPr/>
+          <p:nvPr/>
+        </p:nvGrpSpPr>
+        <p:grpSpPr>
+          <a:xfrm>
+            <a:off x="2316058" y="5217500"/>
+            <a:ext cx="684840" cy="1193800"/>
+            <a:chOff x="3751726" y="2638601"/>
+            <a:chExt cx="736601" cy="1193800"/>
+          </a:xfrm>
+        </p:grpSpPr>
+        <p:sp>
+          <p:nvSpPr>
+            <p:cNvPr id="5" name="TextBox 4"/>
+            <p:cNvSpPr txBox="1"/>
+            <p:nvPr/>
+          </p:nvSpPr>
+          <p:spPr>
+            <a:xfrm>
+              <a:off x="3751726" y="3493902"/>
+              <a:ext cx="736601" cy="338499"/>
+            </a:xfrm>
+            <a:prstGeom prst="rect">
+              <a:avLst/>
+            </a:prstGeom>
+            <a:noFill/>
+          </p:spPr>
+          <p:style>
+            <a:lnRef idx="0">
+              <a:scrgbClr r="0" g="0" b="0"/>
+            </a:lnRef>
+            <a:fillRef idx="0">
+              <a:scrgbClr r="0" g="0" b="0"/>
+            </a:fillRef>
+            <a:effectRef idx="0">
+              <a:scrgbClr r="0" g="0" b="0"/>
+            </a:effectRef>
+            <a:fontRef idx="major"/>
+          </p:style>
+          <p:txBody>
+            <a:bodyPr wrap="square" lIns="0" tIns="0" rIns="0" bIns="0" rtlCol="0" anchor="t">
+              <a:noAutofit/>
+            </a:bodyPr>
+            <a:lstStyle>
+              <a:lvl1pPr>
+                <a:defRPr>
+                  <a:latin typeface="+mj-lt"/>
+                  <a:ea typeface="+mj-ea"/>
+                  <a:cs typeface="+mj-cs"/>
+                </a:defRPr>
+              </a:lvl1pPr>
+              <a:lvl2pPr>
+                <a:defRPr>
+                  <a:latin typeface="+mj-lt"/>
+                  <a:ea typeface="+mj-ea"/>
+                  <a:cs typeface="+mj-cs"/>
+                </a:defRPr>
+              </a:lvl2pPr>
+              <a:lvl3pPr>
+                <a:defRPr>
+                  <a:latin typeface="+mj-lt"/>
+                  <a:ea typeface="+mj-ea"/>
+                  <a:cs typeface="+mj-cs"/>
+                </a:defRPr>
+              </a:lvl3pPr>
+              <a:lvl4pPr>
+                <a:defRPr>
+                  <a:latin typeface="+mj-lt"/>
+                  <a:ea typeface="+mj-ea"/>
+                  <a:cs typeface="+mj-cs"/>
+                </a:defRPr>
+              </a:lvl4pPr>
+              <a:lvl5pPr>
+                <a:defRPr>
+                  <a:latin typeface="+mj-lt"/>
+                  <a:ea typeface="+mj-ea"/>
+                  <a:cs typeface="+mj-cs"/>
+                </a:defRPr>
+              </a:lvl5pPr>
+              <a:lvl6pPr>
+                <a:defRPr>
+                  <a:latin typeface="+mj-lt"/>
+                  <a:ea typeface="+mj-ea"/>
+                  <a:cs typeface="+mj-cs"/>
+                </a:defRPr>
+              </a:lvl6pPr>
+              <a:lvl7pPr>
+                <a:defRPr>
+                  <a:latin typeface="+mj-lt"/>
+                  <a:ea typeface="+mj-ea"/>
+                  <a:cs typeface="+mj-cs"/>
+                </a:defRPr>
+              </a:lvl7pPr>
+              <a:lvl8pPr>
+                <a:defRPr>
+                  <a:latin typeface="+mj-lt"/>
+                  <a:ea typeface="+mj-ea"/>
+                  <a:cs typeface="+mj-cs"/>
+                </a:defRPr>
+              </a:lvl8pPr>
+              <a:lvl9pPr>
+                <a:defRPr>
+                  <a:latin typeface="+mj-lt"/>
+                  <a:ea typeface="+mj-ea"/>
+                  <a:cs typeface="+mj-cs"/>
+                </a:defRPr>
+              </a:lvl9pPr>
+            </a:lstStyle>
+            <a:p>
+              <a:pPr algn="ctr"/>
+              <a:r>
+                <a:rPr lang="en-US" b="1" kern="1200" dirty="0" smtClean="0"/>
+                <a:t>REST endpoint</a:t>
+              </a:r>
+              <a:endParaRPr lang="en-US" b="1" kern="1200" dirty="0"/>
+            </a:p>
+          </p:txBody>
+        </p:sp>
+        <p:pic>
+          <p:nvPicPr>
+            <p:cNvPr id="6" name="Picture 5"/>
+            <p:cNvPicPr>
+              <a:picLocks noChangeAspect="1"/>
+            </p:cNvPicPr>
+            <p:nvPr/>
+          </p:nvPicPr>
+          <p:blipFill>
+            <a:blip r:embed="rId2">
+              <a:extLst>
+                <a:ext uri="{28A0092B-C50C-407E-A947-70E740481C1C}">
+                  <a14:useLocalDpi xmlns:a14="http://schemas.microsoft.com/office/drawing/2010/main" val="0"/>
+                </a:ext>
+              </a:extLst>
+            </a:blip>
+            <a:stretch>
+              <a:fillRect/>
+            </a:stretch>
+          </p:blipFill>
+          <p:spPr>
+            <a:xfrm>
+              <a:off x="3805391" y="2638601"/>
+              <a:ext cx="619353" cy="696245"/>
+            </a:xfrm>
+            <a:prstGeom prst="rect">
+              <a:avLst/>
+            </a:prstGeom>
+          </p:spPr>
+        </p:pic>
+      </p:grpSp>
+      <p:grpSp>
+        <p:nvGrpSpPr>
+          <p:cNvPr id="7" name="Group 6"/>
+          <p:cNvGrpSpPr/>
+          <p:nvPr/>
+        </p:nvGrpSpPr>
+        <p:grpSpPr>
+          <a:xfrm>
+            <a:off x="4715946" y="5204293"/>
+            <a:ext cx="932688" cy="938728"/>
+            <a:chOff x="4816407" y="2901247"/>
+            <a:chExt cx="990599" cy="938728"/>
+          </a:xfrm>
+        </p:grpSpPr>
+        <p:sp>
+          <p:nvSpPr>
+            <p:cNvPr id="8" name="Rectangle 7"/>
+            <p:cNvSpPr/>
+            <p:nvPr/>
+          </p:nvSpPr>
+          <p:spPr>
+            <a:xfrm>
+              <a:off x="4856413" y="2901247"/>
+              <a:ext cx="887518" cy="938728"/>
+            </a:xfrm>
+            <a:prstGeom prst="rect">
+              <a:avLst/>
+            </a:prstGeom>
+            <a:gradFill flip="none" rotWithShape="1">
+              <a:gsLst>
+                <a:gs pos="0">
+                  <a:schemeClr val="accent2">
+                    <a:lumMod val="5000"/>
+                    <a:lumOff val="95000"/>
+                  </a:schemeClr>
+                </a:gs>
+                <a:gs pos="74000">
+                  <a:schemeClr val="accent2">
+                    <a:lumMod val="45000"/>
+                    <a:lumOff val="55000"/>
+                  </a:schemeClr>
+                </a:gs>
+                <a:gs pos="83000">
+                  <a:schemeClr val="accent2">
+                    <a:lumMod val="45000"/>
+                    <a:lumOff val="55000"/>
+                  </a:schemeClr>
+                </a:gs>
+                <a:gs pos="100000">
+                  <a:schemeClr val="accent2">
+                    <a:lumMod val="30000"/>
+                    <a:lumOff val="70000"/>
+                  </a:schemeClr>
+                </a:gs>
+              </a:gsLst>
+              <a:lin ang="5400000" scaled="1"/>
+              <a:tileRect/>
+            </a:gradFill>
+          </p:spPr>
+          <p:style>
+            <a:lnRef idx="1">
+              <a:schemeClr val="accent1"/>
+            </a:lnRef>
+            <a:fillRef idx="3">
+              <a:schemeClr val="accent1"/>
+            </a:fillRef>
+            <a:effectRef idx="2">
+              <a:schemeClr val="accent1"/>
+            </a:effectRef>
+            <a:fontRef idx="minor">
+              <a:schemeClr val="lt1"/>
+            </a:fontRef>
+          </p:style>
+          <p:txBody>
+            <a:bodyPr rtlCol="0" anchor="ctr"/>
+            <a:lstStyle/>
+            <a:p>
+              <a:pPr algn="ctr"/>
+              <a:endParaRPr lang="en-US" dirty="0">
+                <a:solidFill>
+                  <a:schemeClr val="tx1"/>
+                </a:solidFill>
+                <a:effectLst>
+                  <a:outerShdw blurRad="50800" dist="50800" dir="5400000" algn="ctr" rotWithShape="0">
+                    <a:schemeClr val="tx1"/>
+                  </a:outerShdw>
+                </a:effectLst>
+              </a:endParaRPr>
+            </a:p>
+          </p:txBody>
+        </p:sp>
+        <p:sp>
+          <p:nvSpPr>
+            <p:cNvPr id="9" name="TextBox 8"/>
+            <p:cNvSpPr txBox="1"/>
+            <p:nvPr/>
+          </p:nvSpPr>
+          <p:spPr>
+            <a:xfrm>
+              <a:off x="4816407" y="3049945"/>
+              <a:ext cx="990599" cy="411941"/>
+            </a:xfrm>
+            <a:prstGeom prst="rect">
+              <a:avLst/>
+            </a:prstGeom>
+            <a:noFill/>
+          </p:spPr>
+          <p:style>
+            <a:lnRef idx="0">
+              <a:scrgbClr r="0" g="0" b="0"/>
+            </a:lnRef>
+            <a:fillRef idx="0">
+              <a:scrgbClr r="0" g="0" b="0"/>
+            </a:fillRef>
+            <a:effectRef idx="0">
+              <a:scrgbClr r="0" g="0" b="0"/>
+            </a:effectRef>
+            <a:fontRef idx="major"/>
+          </p:style>
+          <p:txBody>
+            <a:bodyPr wrap="square" lIns="0" tIns="0" rIns="0" bIns="0" rtlCol="0" anchor="t">
+              <a:noAutofit/>
+            </a:bodyPr>
+            <a:lstStyle>
+              <a:lvl1pPr>
+                <a:defRPr>
+                  <a:latin typeface="+mj-lt"/>
+                  <a:ea typeface="+mj-ea"/>
+                  <a:cs typeface="+mj-cs"/>
+                </a:defRPr>
+              </a:lvl1pPr>
+              <a:lvl2pPr>
+                <a:defRPr>
+                  <a:latin typeface="+mj-lt"/>
+                  <a:ea typeface="+mj-ea"/>
+                  <a:cs typeface="+mj-cs"/>
+                </a:defRPr>
+              </a:lvl2pPr>
+              <a:lvl3pPr>
+                <a:defRPr>
+                  <a:latin typeface="+mj-lt"/>
+                  <a:ea typeface="+mj-ea"/>
+                  <a:cs typeface="+mj-cs"/>
+                </a:defRPr>
+              </a:lvl3pPr>
+              <a:lvl4pPr>
+                <a:defRPr>
+                  <a:latin typeface="+mj-lt"/>
+                  <a:ea typeface="+mj-ea"/>
+                  <a:cs typeface="+mj-cs"/>
+                </a:defRPr>
+              </a:lvl4pPr>
+              <a:lvl5pPr>
+                <a:defRPr>
+                  <a:latin typeface="+mj-lt"/>
+                  <a:ea typeface="+mj-ea"/>
+                  <a:cs typeface="+mj-cs"/>
+                </a:defRPr>
+              </a:lvl5pPr>
+              <a:lvl6pPr>
+                <a:defRPr>
+                  <a:latin typeface="+mj-lt"/>
+                  <a:ea typeface="+mj-ea"/>
+                  <a:cs typeface="+mj-cs"/>
+                </a:defRPr>
+              </a:lvl6pPr>
+              <a:lvl7pPr>
+                <a:defRPr>
+                  <a:latin typeface="+mj-lt"/>
+                  <a:ea typeface="+mj-ea"/>
+                  <a:cs typeface="+mj-cs"/>
+                </a:defRPr>
+              </a:lvl7pPr>
+              <a:lvl8pPr>
+                <a:defRPr>
+                  <a:latin typeface="+mj-lt"/>
+                  <a:ea typeface="+mj-ea"/>
+                  <a:cs typeface="+mj-cs"/>
+                </a:defRPr>
+              </a:lvl8pPr>
+              <a:lvl9pPr>
+                <a:defRPr>
+                  <a:latin typeface="+mj-lt"/>
+                  <a:ea typeface="+mj-ea"/>
+                  <a:cs typeface="+mj-cs"/>
+                </a:defRPr>
+              </a:lvl9pPr>
+            </a:lstStyle>
+            <a:p>
+              <a:pPr algn="ctr"/>
+              <a:r>
+                <a:rPr lang="en-US" b="1" kern="1200" dirty="0" err="1" smtClean="0"/>
+                <a:t>Jython</a:t>
+              </a:r>
+              <a:endParaRPr lang="en-US" b="1" kern="1200" dirty="0" smtClean="0"/>
+            </a:p>
+            <a:p>
+              <a:pPr algn="ctr"/>
+              <a:r>
+                <a:rPr lang="en-US" b="1" kern="1200" dirty="0" smtClean="0"/>
+                <a:t>Feature </a:t>
+              </a:r>
+              <a:r>
+                <a:rPr lang="en-US" b="1" kern="1200" dirty="0" err="1" smtClean="0"/>
+                <a:t>Munging</a:t>
+              </a:r>
+              <a:endParaRPr lang="en-US" b="1" kern="1200" dirty="0"/>
+            </a:p>
+          </p:txBody>
+        </p:sp>
+      </p:grpSp>
+      <p:grpSp>
+        <p:nvGrpSpPr>
+          <p:cNvPr id="10" name="Group 9"/>
+          <p:cNvGrpSpPr/>
+          <p:nvPr/>
+        </p:nvGrpSpPr>
+        <p:grpSpPr>
+          <a:xfrm>
+            <a:off x="3421080" y="5204293"/>
+            <a:ext cx="914400" cy="938728"/>
+            <a:chOff x="4479533" y="2785119"/>
+            <a:chExt cx="990599" cy="938728"/>
+          </a:xfrm>
+        </p:grpSpPr>
+        <p:sp>
+          <p:nvSpPr>
+            <p:cNvPr id="11" name="Rectangle 10"/>
+            <p:cNvSpPr/>
+            <p:nvPr/>
+          </p:nvSpPr>
+          <p:spPr>
+            <a:xfrm>
+              <a:off x="4556384" y="2785119"/>
+              <a:ext cx="887518" cy="938728"/>
+            </a:xfrm>
+            <a:prstGeom prst="rect">
+              <a:avLst/>
+            </a:prstGeom>
+            <a:gradFill flip="none" rotWithShape="1">
+              <a:gsLst>
+                <a:gs pos="0">
+                  <a:schemeClr val="accent2">
+                    <a:lumMod val="5000"/>
+                    <a:lumOff val="95000"/>
+                  </a:schemeClr>
+                </a:gs>
+                <a:gs pos="74000">
+                  <a:schemeClr val="accent2">
+                    <a:lumMod val="45000"/>
+                    <a:lumOff val="55000"/>
+                  </a:schemeClr>
+                </a:gs>
+                <a:gs pos="83000">
+                  <a:schemeClr val="accent2">
+                    <a:lumMod val="45000"/>
+                    <a:lumOff val="55000"/>
+                  </a:schemeClr>
+                </a:gs>
+                <a:gs pos="100000">
+                  <a:schemeClr val="accent2">
+                    <a:lumMod val="30000"/>
+                    <a:lumOff val="70000"/>
+                  </a:schemeClr>
+                </a:gs>
+              </a:gsLst>
+              <a:lin ang="5400000" scaled="1"/>
+              <a:tileRect/>
+            </a:gradFill>
+          </p:spPr>
+          <p:style>
+            <a:lnRef idx="1">
+              <a:schemeClr val="accent1"/>
+            </a:lnRef>
+            <a:fillRef idx="3">
+              <a:schemeClr val="accent1"/>
+            </a:fillRef>
+            <a:effectRef idx="2">
+              <a:schemeClr val="accent1"/>
+            </a:effectRef>
+            <a:fontRef idx="minor">
+              <a:schemeClr val="lt1"/>
+            </a:fontRef>
+          </p:style>
+          <p:txBody>
+            <a:bodyPr rtlCol="0" anchor="ctr"/>
+            <a:lstStyle/>
+            <a:p>
+              <a:pPr algn="ctr"/>
+              <a:endParaRPr lang="en-US" dirty="0">
+                <a:solidFill>
+                  <a:schemeClr val="tx1"/>
+                </a:solidFill>
+                <a:effectLst>
+                  <a:outerShdw blurRad="50800" dist="50800" dir="5400000" algn="ctr" rotWithShape="0">
+                    <a:schemeClr val="tx1"/>
+                  </a:outerShdw>
+                </a:effectLst>
+              </a:endParaRPr>
+            </a:p>
+          </p:txBody>
+        </p:sp>
+        <p:sp>
+          <p:nvSpPr>
+            <p:cNvPr id="12" name="TextBox 11"/>
+            <p:cNvSpPr txBox="1"/>
+            <p:nvPr/>
+          </p:nvSpPr>
+          <p:spPr>
+            <a:xfrm>
+              <a:off x="4479533" y="2933414"/>
+              <a:ext cx="990599" cy="306053"/>
+            </a:xfrm>
+            <a:prstGeom prst="rect">
+              <a:avLst/>
+            </a:prstGeom>
+            <a:noFill/>
+          </p:spPr>
+          <p:style>
+            <a:lnRef idx="0">
+              <a:scrgbClr r="0" g="0" b="0"/>
+            </a:lnRef>
+            <a:fillRef idx="0">
+              <a:scrgbClr r="0" g="0" b="0"/>
+            </a:fillRef>
+            <a:effectRef idx="0">
+              <a:scrgbClr r="0" g="0" b="0"/>
+            </a:effectRef>
+            <a:fontRef idx="major"/>
+          </p:style>
+          <p:txBody>
+            <a:bodyPr wrap="square" lIns="0" tIns="0" rIns="0" bIns="0" rtlCol="0" anchor="t">
+              <a:noAutofit/>
+            </a:bodyPr>
+            <a:lstStyle>
+              <a:lvl1pPr>
+                <a:defRPr>
+                  <a:latin typeface="+mj-lt"/>
+                  <a:ea typeface="+mj-ea"/>
+                  <a:cs typeface="+mj-cs"/>
+                </a:defRPr>
+              </a:lvl1pPr>
+              <a:lvl2pPr>
+                <a:defRPr>
+                  <a:latin typeface="+mj-lt"/>
+                  <a:ea typeface="+mj-ea"/>
+                  <a:cs typeface="+mj-cs"/>
+                </a:defRPr>
+              </a:lvl2pPr>
+              <a:lvl3pPr>
+                <a:defRPr>
+                  <a:latin typeface="+mj-lt"/>
+                  <a:ea typeface="+mj-ea"/>
+                  <a:cs typeface="+mj-cs"/>
+                </a:defRPr>
+              </a:lvl3pPr>
+              <a:lvl4pPr>
+                <a:defRPr>
+                  <a:latin typeface="+mj-lt"/>
+                  <a:ea typeface="+mj-ea"/>
+                  <a:cs typeface="+mj-cs"/>
+                </a:defRPr>
+              </a:lvl4pPr>
+              <a:lvl5pPr>
+                <a:defRPr>
+                  <a:latin typeface="+mj-lt"/>
+                  <a:ea typeface="+mj-ea"/>
+                  <a:cs typeface="+mj-cs"/>
+                </a:defRPr>
+              </a:lvl5pPr>
+              <a:lvl6pPr>
+                <a:defRPr>
+                  <a:latin typeface="+mj-lt"/>
+                  <a:ea typeface="+mj-ea"/>
+                  <a:cs typeface="+mj-cs"/>
+                </a:defRPr>
+              </a:lvl6pPr>
+              <a:lvl7pPr>
+                <a:defRPr>
+                  <a:latin typeface="+mj-lt"/>
+                  <a:ea typeface="+mj-ea"/>
+                  <a:cs typeface="+mj-cs"/>
+                </a:defRPr>
+              </a:lvl7pPr>
+              <a:lvl8pPr>
+                <a:defRPr>
+                  <a:latin typeface="+mj-lt"/>
+                  <a:ea typeface="+mj-ea"/>
+                  <a:cs typeface="+mj-cs"/>
+                </a:defRPr>
+              </a:lvl8pPr>
+              <a:lvl9pPr>
+                <a:defRPr>
+                  <a:latin typeface="+mj-lt"/>
+                  <a:ea typeface="+mj-ea"/>
+                  <a:cs typeface="+mj-cs"/>
+                </a:defRPr>
+              </a:lvl9pPr>
+            </a:lstStyle>
+            <a:p>
+              <a:pPr algn="ctr"/>
+              <a:r>
+                <a:rPr lang="en-US" b="1" kern="1200" dirty="0" smtClean="0"/>
+                <a:t>Lambda</a:t>
+              </a:r>
+            </a:p>
+            <a:p>
+              <a:pPr algn="ctr"/>
+              <a:r>
+                <a:rPr lang="en-US" b="1" kern="1200" dirty="0" smtClean="0"/>
+                <a:t>Function</a:t>
+              </a:r>
+            </a:p>
+            <a:p>
+              <a:pPr algn="ctr"/>
+              <a:r>
+                <a:rPr lang="en-US" b="1" kern="1200" dirty="0" smtClean="0"/>
+                <a:t>Handler</a:t>
+              </a:r>
+              <a:endParaRPr lang="en-US" b="1" kern="1200" dirty="0"/>
+            </a:p>
+          </p:txBody>
+        </p:sp>
+      </p:grpSp>
+      <p:grpSp>
+        <p:nvGrpSpPr>
+          <p:cNvPr id="13" name="Group 12"/>
+          <p:cNvGrpSpPr/>
+          <p:nvPr/>
+        </p:nvGrpSpPr>
+        <p:grpSpPr>
+          <a:xfrm>
+            <a:off x="5994640" y="5204293"/>
+            <a:ext cx="931670" cy="938728"/>
+            <a:chOff x="6027023" y="3743671"/>
+            <a:chExt cx="1006563" cy="938728"/>
+          </a:xfrm>
+        </p:grpSpPr>
+        <p:sp>
+          <p:nvSpPr>
+            <p:cNvPr id="14" name="Rectangle 13"/>
+            <p:cNvSpPr/>
+            <p:nvPr/>
+          </p:nvSpPr>
+          <p:spPr>
+            <a:xfrm>
+              <a:off x="6042987" y="3743671"/>
+              <a:ext cx="990599" cy="938728"/>
+            </a:xfrm>
+            <a:prstGeom prst="rect">
+              <a:avLst/>
+            </a:prstGeom>
+            <a:gradFill flip="none" rotWithShape="1">
+              <a:gsLst>
+                <a:gs pos="0">
+                  <a:schemeClr val="accent2">
+                    <a:lumMod val="5000"/>
+                    <a:lumOff val="95000"/>
+                  </a:schemeClr>
+                </a:gs>
+                <a:gs pos="74000">
+                  <a:schemeClr val="accent2">
+                    <a:lumMod val="45000"/>
+                    <a:lumOff val="55000"/>
+                  </a:schemeClr>
+                </a:gs>
+                <a:gs pos="83000">
+                  <a:schemeClr val="accent2">
+                    <a:lumMod val="45000"/>
+                    <a:lumOff val="55000"/>
+                  </a:schemeClr>
+                </a:gs>
+                <a:gs pos="100000">
+                  <a:schemeClr val="accent2">
+                    <a:lumMod val="30000"/>
+                    <a:lumOff val="70000"/>
+                  </a:schemeClr>
+                </a:gs>
+              </a:gsLst>
+              <a:lin ang="5400000" scaled="1"/>
+              <a:tileRect/>
+            </a:gradFill>
+          </p:spPr>
+          <p:style>
+            <a:lnRef idx="1">
+              <a:schemeClr val="accent1"/>
+            </a:lnRef>
+            <a:fillRef idx="3">
+              <a:schemeClr val="accent1"/>
+            </a:fillRef>
+            <a:effectRef idx="2">
+              <a:schemeClr val="accent1"/>
+            </a:effectRef>
+            <a:fontRef idx="minor">
+              <a:schemeClr val="lt1"/>
+            </a:fontRef>
+          </p:style>
+          <p:txBody>
+            <a:bodyPr rtlCol="0" anchor="ctr"/>
+            <a:lstStyle/>
+            <a:p>
+              <a:pPr algn="ctr"/>
+              <a:endParaRPr lang="en-US" dirty="0">
+                <a:solidFill>
+                  <a:schemeClr val="tx1"/>
+                </a:solidFill>
+                <a:effectLst>
+                  <a:outerShdw blurRad="50800" dist="50800" dir="5400000" algn="ctr" rotWithShape="0">
+                    <a:schemeClr val="tx1"/>
+                  </a:outerShdw>
+                </a:effectLst>
+              </a:endParaRPr>
+            </a:p>
+          </p:txBody>
+        </p:sp>
+        <p:sp>
+          <p:nvSpPr>
+            <p:cNvPr id="15" name="TextBox 14"/>
+            <p:cNvSpPr txBox="1"/>
+            <p:nvPr/>
+          </p:nvSpPr>
+          <p:spPr>
+            <a:xfrm>
+              <a:off x="6027023" y="3862363"/>
+              <a:ext cx="990599" cy="306053"/>
+            </a:xfrm>
+            <a:prstGeom prst="rect">
+              <a:avLst/>
+            </a:prstGeom>
+            <a:noFill/>
+          </p:spPr>
+          <p:style>
+            <a:lnRef idx="0">
+              <a:scrgbClr r="0" g="0" b="0"/>
+            </a:lnRef>
+            <a:fillRef idx="0">
+              <a:scrgbClr r="0" g="0" b="0"/>
+            </a:fillRef>
+            <a:effectRef idx="0">
+              <a:scrgbClr r="0" g="0" b="0"/>
+            </a:effectRef>
+            <a:fontRef idx="major"/>
+          </p:style>
+          <p:txBody>
+            <a:bodyPr wrap="square" lIns="0" tIns="0" rIns="0" bIns="0" rtlCol="0" anchor="t">
+              <a:noAutofit/>
+            </a:bodyPr>
+            <a:lstStyle>
+              <a:lvl1pPr>
+                <a:defRPr>
+                  <a:latin typeface="+mj-lt"/>
+                  <a:ea typeface="+mj-ea"/>
+                  <a:cs typeface="+mj-cs"/>
+                </a:defRPr>
+              </a:lvl1pPr>
+              <a:lvl2pPr>
+                <a:defRPr>
+                  <a:latin typeface="+mj-lt"/>
+                  <a:ea typeface="+mj-ea"/>
+                  <a:cs typeface="+mj-cs"/>
+                </a:defRPr>
+              </a:lvl2pPr>
+              <a:lvl3pPr>
+                <a:defRPr>
+                  <a:latin typeface="+mj-lt"/>
+                  <a:ea typeface="+mj-ea"/>
+                  <a:cs typeface="+mj-cs"/>
+                </a:defRPr>
+              </a:lvl3pPr>
+              <a:lvl4pPr>
+                <a:defRPr>
+                  <a:latin typeface="+mj-lt"/>
+                  <a:ea typeface="+mj-ea"/>
+                  <a:cs typeface="+mj-cs"/>
+                </a:defRPr>
+              </a:lvl4pPr>
+              <a:lvl5pPr>
+                <a:defRPr>
+                  <a:latin typeface="+mj-lt"/>
+                  <a:ea typeface="+mj-ea"/>
+                  <a:cs typeface="+mj-cs"/>
+                </a:defRPr>
+              </a:lvl5pPr>
+              <a:lvl6pPr>
+                <a:defRPr>
+                  <a:latin typeface="+mj-lt"/>
+                  <a:ea typeface="+mj-ea"/>
+                  <a:cs typeface="+mj-cs"/>
+                </a:defRPr>
+              </a:lvl6pPr>
+              <a:lvl7pPr>
+                <a:defRPr>
+                  <a:latin typeface="+mj-lt"/>
+                  <a:ea typeface="+mj-ea"/>
+                  <a:cs typeface="+mj-cs"/>
+                </a:defRPr>
+              </a:lvl7pPr>
+              <a:lvl8pPr>
+                <a:defRPr>
+                  <a:latin typeface="+mj-lt"/>
+                  <a:ea typeface="+mj-ea"/>
+                  <a:cs typeface="+mj-cs"/>
+                </a:defRPr>
+              </a:lvl8pPr>
+              <a:lvl9pPr>
+                <a:defRPr>
+                  <a:latin typeface="+mj-lt"/>
+                  <a:ea typeface="+mj-ea"/>
+                  <a:cs typeface="+mj-cs"/>
+                </a:defRPr>
+              </a:lvl9pPr>
+            </a:lstStyle>
+            <a:p>
+              <a:pPr algn="ctr"/>
+              <a:r>
+                <a:rPr lang="en-US" b="1" kern="1200" dirty="0" smtClean="0"/>
+                <a:t>H2O Model POJO Prediction</a:t>
+              </a:r>
+              <a:endParaRPr lang="en-US" b="1" kern="1200" dirty="0"/>
+            </a:p>
+          </p:txBody>
+        </p:sp>
+      </p:grpSp>
+      <p:cxnSp>
+        <p:nvCxnSpPr>
+          <p:cNvPr id="16" name="Straight Arrow Connector 15"/>
+          <p:cNvCxnSpPr/>
+          <p:nvPr/>
+        </p:nvCxnSpPr>
+        <p:spPr>
+          <a:xfrm>
+            <a:off x="4377122" y="5606341"/>
+            <a:ext cx="294834" cy="254"/>
+          </a:xfrm>
+          <a:prstGeom prst="straightConnector1">
+            <a:avLst/>
+          </a:prstGeom>
+          <a:ln w="57150">
+            <a:tailEnd type="stealth"/>
+          </a:ln>
+          <a:effectLst/>
+        </p:spPr>
+        <p:style>
+          <a:lnRef idx="2">
+            <a:schemeClr val="accent1"/>
+          </a:lnRef>
+          <a:fillRef idx="0">
+            <a:schemeClr val="accent1"/>
+          </a:fillRef>
+          <a:effectRef idx="1">
+            <a:schemeClr val="accent1"/>
+          </a:effectRef>
+          <a:fontRef idx="minor">
+            <a:schemeClr val="tx1"/>
+          </a:fontRef>
+        </p:style>
+      </p:cxnSp>
+      <p:cxnSp>
+        <p:nvCxnSpPr>
+          <p:cNvPr id="17" name="Straight Arrow Connector 16"/>
+          <p:cNvCxnSpPr/>
+          <p:nvPr/>
+        </p:nvCxnSpPr>
+        <p:spPr>
+          <a:xfrm>
+            <a:off x="5629744" y="5612220"/>
+            <a:ext cx="294834" cy="254"/>
+          </a:xfrm>
+          <a:prstGeom prst="straightConnector1">
+            <a:avLst/>
+          </a:prstGeom>
+          <a:ln w="57150">
+            <a:tailEnd type="stealth"/>
+          </a:ln>
+          <a:effectLst/>
+        </p:spPr>
+        <p:style>
+          <a:lnRef idx="2">
+            <a:schemeClr val="accent1"/>
+          </a:lnRef>
+          <a:fillRef idx="0">
+            <a:schemeClr val="accent1"/>
+          </a:fillRef>
+          <a:effectRef idx="1">
+            <a:schemeClr val="accent1"/>
+          </a:effectRef>
+          <a:fontRef idx="minor">
+            <a:schemeClr val="tx1"/>
+          </a:fontRef>
+        </p:style>
+      </p:cxnSp>
+      <p:cxnSp>
+        <p:nvCxnSpPr>
+          <p:cNvPr id="18" name="Straight Arrow Connector 17"/>
+          <p:cNvCxnSpPr/>
+          <p:nvPr/>
+        </p:nvCxnSpPr>
+        <p:spPr>
+          <a:xfrm>
+            <a:off x="3029778" y="5606601"/>
+            <a:ext cx="294834" cy="254"/>
+          </a:xfrm>
+          <a:prstGeom prst="straightConnector1">
+            <a:avLst/>
+          </a:prstGeom>
+          <a:ln w="57150">
+            <a:tailEnd type="stealth"/>
+          </a:ln>
+          <a:effectLst/>
+        </p:spPr>
+        <p:style>
+          <a:lnRef idx="2">
+            <a:schemeClr val="accent1"/>
+          </a:lnRef>
+          <a:fillRef idx="0">
+            <a:schemeClr val="accent1"/>
+          </a:fillRef>
+          <a:effectRef idx="1">
+            <a:schemeClr val="accent1"/>
+          </a:effectRef>
+          <a:fontRef idx="minor">
+            <a:schemeClr val="tx1"/>
+          </a:fontRef>
+        </p:style>
+      </p:cxnSp>
+      <p:sp>
+        <p:nvSpPr>
+          <p:cNvPr id="19" name="Rounded Rectangle 18"/>
+          <p:cNvSpPr/>
+          <p:nvPr/>
+        </p:nvSpPr>
+        <p:spPr>
+          <a:xfrm>
+            <a:off x="5874994" y="4953000"/>
+            <a:ext cx="1313205" cy="1562100"/>
+          </a:xfrm>
+          <a:prstGeom prst="roundRect">
+            <a:avLst/>
+          </a:prstGeom>
+          <a:solidFill>
+            <a:schemeClr val="tx1">
+              <a:alpha val="36000"/>
+            </a:schemeClr>
+          </a:solidFill>
+        </p:spPr>
+        <p:style>
+          <a:lnRef idx="1">
+            <a:schemeClr val="accent1"/>
+          </a:lnRef>
+          <a:fillRef idx="3">
+            <a:schemeClr val="accent1"/>
+          </a:fillRef>
+          <a:effectRef idx="2">
+            <a:schemeClr val="accent1"/>
+          </a:effectRef>
+          <a:fontRef idx="minor">
+            <a:schemeClr val="lt1"/>
+          </a:fontRef>
+        </p:style>
+        <p:txBody>
+          <a:bodyPr rtlCol="0" anchor="ctr"/>
+          <a:lstStyle/>
+          <a:p>
+            <a:pPr algn="ctr"/>
+            <a:endParaRPr lang="en-US"/>
+          </a:p>
+        </p:txBody>
+      </p:sp>
+      <p:sp>
+        <p:nvSpPr>
+          <p:cNvPr id="20" name="Rounded Rectangle 19"/>
+          <p:cNvSpPr/>
+          <p:nvPr/>
+        </p:nvSpPr>
+        <p:spPr>
+          <a:xfrm>
+            <a:off x="2197100" y="4953000"/>
+            <a:ext cx="2448784" cy="1562100"/>
+          </a:xfrm>
+          <a:prstGeom prst="roundRect">
+            <a:avLst/>
+          </a:prstGeom>
+          <a:solidFill>
+            <a:schemeClr val="tx1">
+              <a:alpha val="36000"/>
+            </a:schemeClr>
+          </a:solidFill>
+        </p:spPr>
+        <p:style>
+          <a:lnRef idx="1">
+            <a:schemeClr val="accent1"/>
+          </a:lnRef>
+          <a:fillRef idx="3">
+            <a:schemeClr val="accent1"/>
+          </a:fillRef>
+          <a:effectRef idx="2">
+            <a:schemeClr val="accent1"/>
+          </a:effectRef>
+          <a:fontRef idx="minor">
+            <a:schemeClr val="lt1"/>
+          </a:fontRef>
+        </p:style>
+        <p:txBody>
+          <a:bodyPr rtlCol="0" anchor="ctr"/>
+          <a:lstStyle/>
+          <a:p>
+            <a:pPr algn="ctr"/>
+            <a:endParaRPr lang="en-US"/>
           </a:p>
         </p:txBody>
       </p:sp>
     </p:spTree>
     <p:extLst>
       <p:ext uri="{BB962C8B-B14F-4D97-AF65-F5344CB8AC3E}">
-        <p14:creationId xmlns:p14="http://schemas.microsoft.com/office/powerpoint/2010/main" val="1854852570"/>
+        <p14:creationId xmlns:p14="http://schemas.microsoft.com/office/powerpoint/2010/main" val="1191003652"/>
       </p:ext>
     </p:extLst>
   </p:cSld>
   <p:clrMapOvr>
     <a:masterClrMapping/>
   </p:clrMapOvr>
+  <p:timing>
+    <p:tnLst>
+      <p:par>
+        <p:cTn id="1" dur="indefinite" restart="never" nodeType="tmRoot"/>
+      </p:par>
+    </p:tnLst>
+  </p:timing>
 </p:sld>
 </file>
 
@@ -6167,7 +8351,7 @@
           <a:p>
             <a:r>
               <a:rPr lang="en-US" dirty="0" smtClean="0"/>
-              <a:t>JYTHON FEATURE MUNGING</a:t>
+              <a:t>H2O MODEL POJO</a:t>
             </a:r>
             <a:endParaRPr lang="en-US" dirty="0"/>
           </a:p>
@@ -6183,436 +8367,1098 @@
             <p:ph idx="1"/>
           </p:nvPr>
         </p:nvSpPr>
-        <p:spPr/>
+        <p:spPr>
+          <a:xfrm>
+            <a:off x="457200" y="1600201"/>
+            <a:ext cx="8229600" cy="3162300"/>
+          </a:xfrm>
+        </p:spPr>
         <p:txBody>
           <a:bodyPr>
-            <a:noAutofit/>
+            <a:normAutofit/>
           </a:bodyPr>
           <a:lstStyle/>
           <a:p>
-            <a:pPr marL="0" indent="0">
-              <a:buNone/>
-            </a:pPr>
-            <a:r>
-              <a:rPr lang="en-US" sz="1600" b="1" dirty="0" err="1" smtClean="0"/>
-              <a:t>def</a:t>
-            </a:r>
-            <a:r>
-              <a:rPr lang="en-US" sz="1600" b="1" dirty="0" smtClean="0"/>
-              <a:t> </a:t>
-            </a:r>
-            <a:r>
-              <a:rPr lang="en-US" sz="1600" dirty="0"/>
-              <a:t>predict(domain):</a:t>
+            <a:r>
+              <a:rPr lang="en-US" sz="2000" b="1" dirty="0"/>
+              <a:t>static final class </a:t>
+            </a:r>
+            <a:r>
+              <a:rPr lang="en-US" sz="2000" dirty="0"/>
+              <a:t>BETA_0 </a:t>
+            </a:r>
+            <a:r>
+              <a:rPr lang="en-US" sz="2000" b="1" dirty="0"/>
+              <a:t>implements </a:t>
+            </a:r>
+            <a:r>
+              <a:rPr lang="en-US" sz="2000" dirty="0" err="1"/>
+              <a:t>java.io.Serializable</a:t>
+            </a:r>
+            <a:r>
+              <a:rPr lang="en-US" sz="2000" dirty="0"/>
+              <a:t> {</a:t>
             </a:r>
             <a:br>
-              <a:rPr lang="en-US" sz="1600" dirty="0"/>
+              <a:rPr lang="en-US" sz="2000" dirty="0"/>
             </a:br>
             <a:r>
-              <a:rPr lang="en-US" sz="1600" dirty="0"/>
-              <a:t>  domain = </a:t>
-            </a:r>
-            <a:r>
-              <a:rPr lang="en-US" sz="1600" dirty="0" err="1"/>
-              <a:t>domain.split</a:t>
-            </a:r>
-            <a:r>
-              <a:rPr lang="en-US" sz="1600" dirty="0"/>
-              <a:t>(</a:t>
-            </a:r>
-            <a:r>
-              <a:rPr lang="en-US" sz="1600" b="1" dirty="0"/>
-              <a:t>'.'</a:t>
-            </a:r>
-            <a:r>
-              <a:rPr lang="en-US" sz="1600" dirty="0"/>
-              <a:t>)[0]</a:t>
+              <a:rPr lang="en-US" sz="2000" dirty="0"/>
+              <a:t>  </a:t>
+            </a:r>
+            <a:r>
+              <a:rPr lang="en-US" sz="2000" b="1" dirty="0"/>
+              <a:t>static final void </a:t>
+            </a:r>
+            <a:r>
+              <a:rPr lang="en-US" sz="2000" dirty="0"/>
+              <a:t>fill(</a:t>
+            </a:r>
+            <a:r>
+              <a:rPr lang="en-US" sz="2000" b="1" dirty="0"/>
+              <a:t>double</a:t>
+            </a:r>
+            <a:r>
+              <a:rPr lang="en-US" sz="2000" dirty="0"/>
+              <a:t>[] </a:t>
+            </a:r>
+            <a:r>
+              <a:rPr lang="en-US" sz="2000" dirty="0" err="1"/>
+              <a:t>sa</a:t>
+            </a:r>
+            <a:r>
+              <a:rPr lang="en-US" sz="2000" dirty="0"/>
+              <a:t>) {</a:t>
             </a:r>
             <a:br>
-              <a:rPr lang="en-US" sz="1600" dirty="0"/>
+              <a:rPr lang="en-US" sz="2000" dirty="0"/>
             </a:br>
             <a:r>
-              <a:rPr lang="en-US" sz="1600" dirty="0"/>
-              <a:t>  row = </a:t>
-            </a:r>
-            <a:r>
-              <a:rPr lang="en-US" sz="1600" dirty="0" err="1"/>
-              <a:t>RowData</a:t>
-            </a:r>
-            <a:r>
-              <a:rPr lang="en-US" sz="1600" dirty="0"/>
-              <a:t>()</a:t>
+              <a:rPr lang="en-US" sz="2000" dirty="0"/>
+              <a:t>    </a:t>
+            </a:r>
+            <a:r>
+              <a:rPr lang="en-US" sz="2000" dirty="0" err="1"/>
+              <a:t>sa</a:t>
+            </a:r>
+            <a:r>
+              <a:rPr lang="en-US" sz="2000" dirty="0"/>
+              <a:t>[0] = 1.49207826021648;</a:t>
             </a:r>
             <a:br>
-              <a:rPr lang="en-US" sz="1600" dirty="0"/>
+              <a:rPr lang="en-US" sz="2000" dirty="0"/>
             </a:br>
             <a:r>
-              <a:rPr lang="en-US" sz="1600" dirty="0"/>
-              <a:t>  functions = [</a:t>
-            </a:r>
-            <a:r>
-              <a:rPr lang="en-US" sz="1600" dirty="0" err="1"/>
-              <a:t>len</a:t>
-            </a:r>
-            <a:r>
-              <a:rPr lang="en-US" sz="1600" dirty="0"/>
-              <a:t>, entropy, </a:t>
-            </a:r>
-            <a:r>
-              <a:rPr lang="en-US" sz="1600" dirty="0" err="1"/>
-              <a:t>p_vowels</a:t>
-            </a:r>
-            <a:r>
-              <a:rPr lang="en-US" sz="1600" dirty="0"/>
-              <a:t>, </a:t>
-            </a:r>
-            <a:r>
-              <a:rPr lang="en-US" sz="1600" dirty="0" err="1"/>
-              <a:t>num_valid_substrings</a:t>
-            </a:r>
-            <a:r>
-              <a:rPr lang="en-US" sz="1600" dirty="0"/>
-              <a:t>]</a:t>
+              <a:rPr lang="en-US" sz="2000" dirty="0"/>
+              <a:t>    </a:t>
+            </a:r>
+            <a:r>
+              <a:rPr lang="en-US" sz="2000" dirty="0" err="1"/>
+              <a:t>sa</a:t>
+            </a:r>
+            <a:r>
+              <a:rPr lang="en-US" sz="2000" dirty="0"/>
+              <a:t>[1] = 2.8502716978560194;</a:t>
             </a:r>
             <a:br>
-              <a:rPr lang="en-US" sz="1600" dirty="0"/>
+              <a:rPr lang="en-US" sz="2000" dirty="0"/>
             </a:br>
             <a:r>
-              <a:rPr lang="en-US" sz="1600" dirty="0"/>
-              <a:t>  </a:t>
-            </a:r>
-            <a:r>
-              <a:rPr lang="en-US" sz="1600" dirty="0" err="1"/>
-              <a:t>eval_features</a:t>
-            </a:r>
-            <a:r>
-              <a:rPr lang="en-US" sz="1600" dirty="0"/>
-              <a:t> = [f(domain) </a:t>
-            </a:r>
-            <a:r>
-              <a:rPr lang="en-US" sz="1600" b="1" dirty="0"/>
-              <a:t>for </a:t>
-            </a:r>
-            <a:r>
-              <a:rPr lang="en-US" sz="1600" dirty="0"/>
-              <a:t>f </a:t>
-            </a:r>
-            <a:r>
-              <a:rPr lang="en-US" sz="1600" b="1" dirty="0"/>
-              <a:t>in </a:t>
-            </a:r>
-            <a:r>
-              <a:rPr lang="en-US" sz="1600" dirty="0"/>
-              <a:t>functions]</a:t>
+              <a:rPr lang="en-US" sz="2000" dirty="0"/>
+              <a:t>    </a:t>
+            </a:r>
+            <a:r>
+              <a:rPr lang="en-US" sz="2000" dirty="0" err="1"/>
+              <a:t>sa</a:t>
+            </a:r>
+            <a:r>
+              <a:rPr lang="en-US" sz="2000" dirty="0"/>
+              <a:t>[2] = -8.839804567200542;</a:t>
             </a:r>
             <a:br>
-              <a:rPr lang="en-US" sz="1600" dirty="0"/>
+              <a:rPr lang="en-US" sz="2000" dirty="0"/>
             </a:br>
             <a:r>
-              <a:rPr lang="en-US" sz="1600" dirty="0"/>
-              <a:t>  names = </a:t>
-            </a:r>
-            <a:r>
-              <a:rPr lang="en-US" sz="1600" dirty="0" err="1"/>
-              <a:t>NamesHolder_MaliciousDomainModel</a:t>
-            </a:r>
-            <a:r>
-              <a:rPr lang="en-US" sz="1600" dirty="0"/>
-              <a:t>().VALUES</a:t>
+              <a:rPr lang="en-US" sz="2000" dirty="0"/>
+              <a:t>    </a:t>
+            </a:r>
+            <a:r>
+              <a:rPr lang="en-US" sz="2000" dirty="0" err="1"/>
+              <a:t>sa</a:t>
+            </a:r>
+            <a:r>
+              <a:rPr lang="en-US" sz="2000" dirty="0"/>
+              <a:t>[3] = -0.7977065034624655;</a:t>
             </a:r>
             <a:br>
-              <a:rPr lang="en-US" sz="1600" dirty="0"/>
+              <a:rPr lang="en-US" sz="2000" dirty="0"/>
             </a:br>
             <a:r>
-              <a:rPr lang="en-US" sz="1600" dirty="0"/>
-              <a:t>  beta = </a:t>
-            </a:r>
-            <a:r>
-              <a:rPr lang="en-US" sz="1600" dirty="0" err="1"/>
-              <a:t>MaliciousDomainModel</a:t>
-            </a:r>
-            <a:r>
-              <a:rPr lang="en-US" sz="1600" dirty="0"/>
-              <a:t>().BETA().VALUES</a:t>
+              <a:rPr lang="en-US" sz="2000" dirty="0"/>
+              <a:t>    </a:t>
+            </a:r>
+            <a:r>
+              <a:rPr lang="en-US" sz="2000" dirty="0" err="1"/>
+              <a:t>sa</a:t>
+            </a:r>
+            <a:r>
+              <a:rPr lang="en-US" sz="2000" dirty="0"/>
+              <a:t>[4] = -14.94132841574946;</a:t>
             </a:r>
             <a:br>
-              <a:rPr lang="en-US" sz="1600" dirty="0"/>
+              <a:rPr lang="en-US" sz="2000" dirty="0"/>
             </a:br>
             <a:r>
-              <a:rPr lang="en-US" sz="1600" dirty="0"/>
-              <a:t>  </a:t>
-            </a:r>
-            <a:r>
-              <a:rPr lang="en-US" sz="1600" dirty="0" err="1"/>
-              <a:t>feature_coef_product</a:t>
-            </a:r>
-            <a:r>
-              <a:rPr lang="en-US" sz="1600" dirty="0"/>
-              <a:t> = [beta[</a:t>
-            </a:r>
-            <a:r>
-              <a:rPr lang="en-US" sz="1600" dirty="0" err="1"/>
-              <a:t>len</a:t>
-            </a:r>
-            <a:r>
-              <a:rPr lang="en-US" sz="1600" dirty="0"/>
-              <a:t>(beta) - 1]]</a:t>
+              <a:rPr lang="en-US" sz="2000" dirty="0"/>
+              <a:t>  }</a:t>
             </a:r>
             <a:br>
-              <a:rPr lang="en-US" sz="1600" dirty="0"/>
+              <a:rPr lang="en-US" sz="2000" dirty="0"/>
             </a:br>
             <a:r>
-              <a:rPr lang="en-US" sz="1600" dirty="0"/>
-              <a:t>  </a:t>
-            </a:r>
-            <a:r>
-              <a:rPr lang="en-US" sz="1600" b="1" dirty="0"/>
-              <a:t>for </a:t>
-            </a:r>
-            <a:r>
-              <a:rPr lang="en-US" sz="1600" dirty="0" err="1"/>
-              <a:t>i</a:t>
-            </a:r>
-            <a:r>
-              <a:rPr lang="en-US" sz="1600" dirty="0"/>
-              <a:t> </a:t>
-            </a:r>
-            <a:r>
-              <a:rPr lang="en-US" sz="1600" b="1" dirty="0"/>
-              <a:t>in </a:t>
-            </a:r>
-            <a:r>
-              <a:rPr lang="en-US" sz="1600" dirty="0"/>
-              <a:t>range(</a:t>
-            </a:r>
-            <a:r>
-              <a:rPr lang="en-US" sz="1600" dirty="0" err="1"/>
-              <a:t>len</a:t>
-            </a:r>
-            <a:r>
-              <a:rPr lang="en-US" sz="1600" dirty="0"/>
-              <a:t>(names)):</a:t>
-            </a:r>
-            <a:br>
-              <a:rPr lang="en-US" sz="1600" dirty="0"/>
-            </a:br>
-            <a:r>
-              <a:rPr lang="en-US" sz="1600" dirty="0"/>
-              <a:t>    </a:t>
-            </a:r>
-            <a:r>
-              <a:rPr lang="en-US" sz="1600" dirty="0" err="1"/>
-              <a:t>row.put</a:t>
-            </a:r>
-            <a:r>
-              <a:rPr lang="en-US" sz="1600" dirty="0"/>
-              <a:t>(names[</a:t>
-            </a:r>
-            <a:r>
-              <a:rPr lang="en-US" sz="1600" dirty="0" err="1"/>
-              <a:t>i</a:t>
-            </a:r>
-            <a:r>
-              <a:rPr lang="en-US" sz="1600" dirty="0"/>
-              <a:t>], float(</a:t>
-            </a:r>
-            <a:r>
-              <a:rPr lang="en-US" sz="1600" dirty="0" err="1"/>
-              <a:t>eval_features</a:t>
-            </a:r>
-            <a:r>
-              <a:rPr lang="en-US" sz="1600" dirty="0"/>
-              <a:t>[</a:t>
-            </a:r>
-            <a:r>
-              <a:rPr lang="en-US" sz="1600" dirty="0" err="1"/>
-              <a:t>i</a:t>
-            </a:r>
-            <a:r>
-              <a:rPr lang="en-US" sz="1600" dirty="0"/>
-              <a:t>]))</a:t>
-            </a:r>
-            <a:br>
-              <a:rPr lang="en-US" sz="1600" dirty="0"/>
-            </a:br>
-            <a:r>
-              <a:rPr lang="en-US" sz="1600" dirty="0"/>
-              <a:t>    </a:t>
-            </a:r>
-            <a:r>
-              <a:rPr lang="en-US" sz="1600" dirty="0" err="1"/>
-              <a:t>feature_coef_product.append</a:t>
-            </a:r>
-            <a:r>
-              <a:rPr lang="en-US" sz="1600" dirty="0"/>
-              <a:t>(</a:t>
-            </a:r>
-            <a:r>
-              <a:rPr lang="en-US" sz="1600" dirty="0" err="1"/>
-              <a:t>eval_features</a:t>
-            </a:r>
-            <a:r>
-              <a:rPr lang="en-US" sz="1600" dirty="0"/>
-              <a:t>[</a:t>
-            </a:r>
-            <a:r>
-              <a:rPr lang="en-US" sz="1600" dirty="0" err="1"/>
-              <a:t>i</a:t>
-            </a:r>
-            <a:r>
-              <a:rPr lang="en-US" sz="1600" dirty="0"/>
-              <a:t>] * beta[</a:t>
-            </a:r>
-            <a:r>
-              <a:rPr lang="en-US" sz="1600" dirty="0" err="1"/>
-              <a:t>i</a:t>
-            </a:r>
-            <a:r>
-              <a:rPr lang="en-US" sz="1600" dirty="0"/>
-              <a:t>])</a:t>
-            </a:r>
-            <a:br>
-              <a:rPr lang="en-US" sz="1600" dirty="0"/>
-            </a:br>
-            <a:r>
-              <a:rPr lang="en-US" sz="1600" dirty="0"/>
-              <a:t/>
-            </a:r>
-            <a:br>
-              <a:rPr lang="en-US" sz="1600" dirty="0"/>
-            </a:br>
-            <a:r>
-              <a:rPr lang="en-US" sz="1600" dirty="0"/>
-              <a:t>  </a:t>
-            </a:r>
-            <a:r>
-              <a:rPr lang="en-US" sz="1600" i="1" dirty="0"/>
-              <a:t>#prediction</a:t>
-            </a:r>
-            <a:br>
-              <a:rPr lang="en-US" sz="1600" i="1" dirty="0"/>
-            </a:br>
-            <a:r>
-              <a:rPr lang="en-US" sz="1600" i="1" dirty="0"/>
-              <a:t>  </a:t>
-            </a:r>
-            <a:r>
-              <a:rPr lang="en-US" sz="1600" dirty="0"/>
-              <a:t>model = </a:t>
-            </a:r>
-            <a:r>
-              <a:rPr lang="en-US" sz="1600" dirty="0" err="1"/>
-              <a:t>EasyPredictModelWrapper</a:t>
-            </a:r>
-            <a:r>
-              <a:rPr lang="en-US" sz="1600" dirty="0"/>
-              <a:t>(</a:t>
-            </a:r>
-            <a:r>
-              <a:rPr lang="en-US" sz="1600" dirty="0" err="1"/>
-              <a:t>MaliciousDomainModel</a:t>
-            </a:r>
-            <a:r>
-              <a:rPr lang="en-US" sz="1600" dirty="0"/>
-              <a:t>())</a:t>
-            </a:r>
-            <a:br>
-              <a:rPr lang="en-US" sz="1600" dirty="0"/>
-            </a:br>
-            <a:r>
-              <a:rPr lang="en-US" sz="1600" dirty="0"/>
-              <a:t>  p = </a:t>
-            </a:r>
-            <a:r>
-              <a:rPr lang="en-US" sz="1600" dirty="0" err="1"/>
-              <a:t>model.predictBinomial</a:t>
-            </a:r>
-            <a:r>
-              <a:rPr lang="en-US" sz="1600" dirty="0"/>
-              <a:t>(row)</a:t>
-            </a:r>
-            <a:br>
-              <a:rPr lang="en-US" sz="1600" dirty="0"/>
-            </a:br>
-            <a:r>
-              <a:rPr lang="en-US" sz="1600" dirty="0"/>
-              <a:t/>
-            </a:r>
-            <a:br>
-              <a:rPr lang="en-US" sz="1600" dirty="0"/>
-            </a:br>
-            <a:r>
-              <a:rPr lang="en-US" sz="1600" dirty="0"/>
-              <a:t>  </a:t>
-            </a:r>
-            <a:r>
-              <a:rPr lang="en-US" sz="1600" i="1" dirty="0"/>
-              <a:t>#[label, class0Prob, class1Prob], [intercept], [features] = 3 + 1 + x</a:t>
-            </a:r>
-            <a:br>
-              <a:rPr lang="en-US" sz="1600" i="1" dirty="0"/>
-            </a:br>
-            <a:r>
-              <a:rPr lang="en-US" sz="1600" i="1" dirty="0"/>
-              <a:t>  </a:t>
-            </a:r>
-            <a:r>
-              <a:rPr lang="en-US" sz="1600" b="1" dirty="0"/>
-              <a:t>return </a:t>
-            </a:r>
-            <a:r>
-              <a:rPr lang="en-US" sz="1600" dirty="0"/>
-              <a:t>[float(</a:t>
-            </a:r>
-            <a:r>
-              <a:rPr lang="en-US" sz="1600" dirty="0" err="1"/>
-              <a:t>p.label</a:t>
-            </a:r>
-            <a:r>
-              <a:rPr lang="en-US" sz="1600" dirty="0"/>
-              <a:t>), </a:t>
-            </a:r>
-            <a:r>
-              <a:rPr lang="en-US" sz="1600" dirty="0" err="1"/>
-              <a:t>p.classProbabilities</a:t>
-            </a:r>
-            <a:r>
-              <a:rPr lang="en-US" sz="1600" dirty="0"/>
-              <a:t>[0], </a:t>
-            </a:r>
-            <a:r>
-              <a:rPr lang="en-US" sz="1600" dirty="0" err="1"/>
-              <a:t>p.classProbabilities</a:t>
-            </a:r>
-            <a:r>
-              <a:rPr lang="en-US" sz="1600" dirty="0"/>
-              <a:t>[1]] + </a:t>
-            </a:r>
-            <a:r>
-              <a:rPr lang="en-US" sz="1600" dirty="0" err="1"/>
-              <a:t>feature_coef_product</a:t>
-            </a:r>
-            <a:r>
-              <a:rPr lang="en-US" sz="1600" dirty="0"/>
-              <a:t> </a:t>
-            </a:r>
-            <a:br>
-              <a:rPr lang="en-US" sz="1600" dirty="0"/>
-            </a:br>
-            <a:endParaRPr lang="en-US" sz="1600" dirty="0"/>
+              <a:rPr lang="en-US" sz="2000" dirty="0"/>
+              <a:t>}</a:t>
+            </a:r>
+          </a:p>
+        </p:txBody>
+      </p:sp>
+      <p:grpSp>
+        <p:nvGrpSpPr>
+          <p:cNvPr id="22" name="Group 21"/>
+          <p:cNvGrpSpPr/>
+          <p:nvPr/>
+        </p:nvGrpSpPr>
+        <p:grpSpPr>
+          <a:xfrm>
+            <a:off x="2316058" y="5217500"/>
+            <a:ext cx="684840" cy="1193800"/>
+            <a:chOff x="3751726" y="2638601"/>
+            <a:chExt cx="736601" cy="1193800"/>
+          </a:xfrm>
+        </p:grpSpPr>
+        <p:sp>
+          <p:nvSpPr>
+            <p:cNvPr id="23" name="TextBox 22"/>
+            <p:cNvSpPr txBox="1"/>
+            <p:nvPr/>
+          </p:nvSpPr>
+          <p:spPr>
+            <a:xfrm>
+              <a:off x="3751726" y="3493902"/>
+              <a:ext cx="736601" cy="338499"/>
+            </a:xfrm>
+            <a:prstGeom prst="rect">
+              <a:avLst/>
+            </a:prstGeom>
+            <a:noFill/>
+          </p:spPr>
+          <p:style>
+            <a:lnRef idx="0">
+              <a:scrgbClr r="0" g="0" b="0"/>
+            </a:lnRef>
+            <a:fillRef idx="0">
+              <a:scrgbClr r="0" g="0" b="0"/>
+            </a:fillRef>
+            <a:effectRef idx="0">
+              <a:scrgbClr r="0" g="0" b="0"/>
+            </a:effectRef>
+            <a:fontRef idx="major"/>
+          </p:style>
+          <p:txBody>
+            <a:bodyPr wrap="square" lIns="0" tIns="0" rIns="0" bIns="0" rtlCol="0" anchor="t">
+              <a:noAutofit/>
+            </a:bodyPr>
+            <a:lstStyle>
+              <a:lvl1pPr>
+                <a:defRPr>
+                  <a:latin typeface="+mj-lt"/>
+                  <a:ea typeface="+mj-ea"/>
+                  <a:cs typeface="+mj-cs"/>
+                </a:defRPr>
+              </a:lvl1pPr>
+              <a:lvl2pPr>
+                <a:defRPr>
+                  <a:latin typeface="+mj-lt"/>
+                  <a:ea typeface="+mj-ea"/>
+                  <a:cs typeface="+mj-cs"/>
+                </a:defRPr>
+              </a:lvl2pPr>
+              <a:lvl3pPr>
+                <a:defRPr>
+                  <a:latin typeface="+mj-lt"/>
+                  <a:ea typeface="+mj-ea"/>
+                  <a:cs typeface="+mj-cs"/>
+                </a:defRPr>
+              </a:lvl3pPr>
+              <a:lvl4pPr>
+                <a:defRPr>
+                  <a:latin typeface="+mj-lt"/>
+                  <a:ea typeface="+mj-ea"/>
+                  <a:cs typeface="+mj-cs"/>
+                </a:defRPr>
+              </a:lvl4pPr>
+              <a:lvl5pPr>
+                <a:defRPr>
+                  <a:latin typeface="+mj-lt"/>
+                  <a:ea typeface="+mj-ea"/>
+                  <a:cs typeface="+mj-cs"/>
+                </a:defRPr>
+              </a:lvl5pPr>
+              <a:lvl6pPr>
+                <a:defRPr>
+                  <a:latin typeface="+mj-lt"/>
+                  <a:ea typeface="+mj-ea"/>
+                  <a:cs typeface="+mj-cs"/>
+                </a:defRPr>
+              </a:lvl6pPr>
+              <a:lvl7pPr>
+                <a:defRPr>
+                  <a:latin typeface="+mj-lt"/>
+                  <a:ea typeface="+mj-ea"/>
+                  <a:cs typeface="+mj-cs"/>
+                </a:defRPr>
+              </a:lvl7pPr>
+              <a:lvl8pPr>
+                <a:defRPr>
+                  <a:latin typeface="+mj-lt"/>
+                  <a:ea typeface="+mj-ea"/>
+                  <a:cs typeface="+mj-cs"/>
+                </a:defRPr>
+              </a:lvl8pPr>
+              <a:lvl9pPr>
+                <a:defRPr>
+                  <a:latin typeface="+mj-lt"/>
+                  <a:ea typeface="+mj-ea"/>
+                  <a:cs typeface="+mj-cs"/>
+                </a:defRPr>
+              </a:lvl9pPr>
+            </a:lstStyle>
+            <a:p>
+              <a:pPr algn="ctr"/>
+              <a:r>
+                <a:rPr lang="en-US" b="1" kern="1200" dirty="0" smtClean="0"/>
+                <a:t>REST endpoint</a:t>
+              </a:r>
+              <a:endParaRPr lang="en-US" b="1" kern="1200" dirty="0"/>
+            </a:p>
+          </p:txBody>
+        </p:sp>
+        <p:pic>
+          <p:nvPicPr>
+            <p:cNvPr id="24" name="Picture 23"/>
+            <p:cNvPicPr>
+              <a:picLocks noChangeAspect="1"/>
+            </p:cNvPicPr>
+            <p:nvPr/>
+          </p:nvPicPr>
+          <p:blipFill>
+            <a:blip r:embed="rId2">
+              <a:extLst>
+                <a:ext uri="{28A0092B-C50C-407E-A947-70E740481C1C}">
+                  <a14:useLocalDpi xmlns:a14="http://schemas.microsoft.com/office/drawing/2010/main" val="0"/>
+                </a:ext>
+              </a:extLst>
+            </a:blip>
+            <a:stretch>
+              <a:fillRect/>
+            </a:stretch>
+          </p:blipFill>
+          <p:spPr>
+            <a:xfrm>
+              <a:off x="3805391" y="2638601"/>
+              <a:ext cx="619353" cy="696245"/>
+            </a:xfrm>
+            <a:prstGeom prst="rect">
+              <a:avLst/>
+            </a:prstGeom>
+          </p:spPr>
+        </p:pic>
+      </p:grpSp>
+      <p:grpSp>
+        <p:nvGrpSpPr>
+          <p:cNvPr id="25" name="Group 24"/>
+          <p:cNvGrpSpPr/>
+          <p:nvPr/>
+        </p:nvGrpSpPr>
+        <p:grpSpPr>
+          <a:xfrm>
+            <a:off x="4715946" y="5204293"/>
+            <a:ext cx="932688" cy="938728"/>
+            <a:chOff x="4816407" y="2901247"/>
+            <a:chExt cx="990599" cy="938728"/>
+          </a:xfrm>
+        </p:grpSpPr>
+        <p:sp>
+          <p:nvSpPr>
+            <p:cNvPr id="26" name="Rectangle 25"/>
+            <p:cNvSpPr/>
+            <p:nvPr/>
+          </p:nvSpPr>
+          <p:spPr>
+            <a:xfrm>
+              <a:off x="4856413" y="2901247"/>
+              <a:ext cx="887518" cy="938728"/>
+            </a:xfrm>
+            <a:prstGeom prst="rect">
+              <a:avLst/>
+            </a:prstGeom>
+            <a:gradFill flip="none" rotWithShape="1">
+              <a:gsLst>
+                <a:gs pos="0">
+                  <a:schemeClr val="accent2">
+                    <a:lumMod val="5000"/>
+                    <a:lumOff val="95000"/>
+                  </a:schemeClr>
+                </a:gs>
+                <a:gs pos="74000">
+                  <a:schemeClr val="accent2">
+                    <a:lumMod val="45000"/>
+                    <a:lumOff val="55000"/>
+                  </a:schemeClr>
+                </a:gs>
+                <a:gs pos="83000">
+                  <a:schemeClr val="accent2">
+                    <a:lumMod val="45000"/>
+                    <a:lumOff val="55000"/>
+                  </a:schemeClr>
+                </a:gs>
+                <a:gs pos="100000">
+                  <a:schemeClr val="accent2">
+                    <a:lumMod val="30000"/>
+                    <a:lumOff val="70000"/>
+                  </a:schemeClr>
+                </a:gs>
+              </a:gsLst>
+              <a:lin ang="5400000" scaled="1"/>
+              <a:tileRect/>
+            </a:gradFill>
+          </p:spPr>
+          <p:style>
+            <a:lnRef idx="1">
+              <a:schemeClr val="accent1"/>
+            </a:lnRef>
+            <a:fillRef idx="3">
+              <a:schemeClr val="accent1"/>
+            </a:fillRef>
+            <a:effectRef idx="2">
+              <a:schemeClr val="accent1"/>
+            </a:effectRef>
+            <a:fontRef idx="minor">
+              <a:schemeClr val="lt1"/>
+            </a:fontRef>
+          </p:style>
+          <p:txBody>
+            <a:bodyPr rtlCol="0" anchor="ctr"/>
+            <a:lstStyle/>
+            <a:p>
+              <a:pPr algn="ctr"/>
+              <a:endParaRPr lang="en-US" dirty="0">
+                <a:solidFill>
+                  <a:schemeClr val="tx1"/>
+                </a:solidFill>
+                <a:effectLst>
+                  <a:outerShdw blurRad="50800" dist="50800" dir="5400000" algn="ctr" rotWithShape="0">
+                    <a:schemeClr val="tx1"/>
+                  </a:outerShdw>
+                </a:effectLst>
+              </a:endParaRPr>
+            </a:p>
+          </p:txBody>
+        </p:sp>
+        <p:sp>
+          <p:nvSpPr>
+            <p:cNvPr id="27" name="TextBox 26"/>
+            <p:cNvSpPr txBox="1"/>
+            <p:nvPr/>
+          </p:nvSpPr>
+          <p:spPr>
+            <a:xfrm>
+              <a:off x="4816407" y="3049945"/>
+              <a:ext cx="990599" cy="411941"/>
+            </a:xfrm>
+            <a:prstGeom prst="rect">
+              <a:avLst/>
+            </a:prstGeom>
+            <a:noFill/>
+          </p:spPr>
+          <p:style>
+            <a:lnRef idx="0">
+              <a:scrgbClr r="0" g="0" b="0"/>
+            </a:lnRef>
+            <a:fillRef idx="0">
+              <a:scrgbClr r="0" g="0" b="0"/>
+            </a:fillRef>
+            <a:effectRef idx="0">
+              <a:scrgbClr r="0" g="0" b="0"/>
+            </a:effectRef>
+            <a:fontRef idx="major"/>
+          </p:style>
+          <p:txBody>
+            <a:bodyPr wrap="square" lIns="0" tIns="0" rIns="0" bIns="0" rtlCol="0" anchor="t">
+              <a:noAutofit/>
+            </a:bodyPr>
+            <a:lstStyle>
+              <a:lvl1pPr>
+                <a:defRPr>
+                  <a:latin typeface="+mj-lt"/>
+                  <a:ea typeface="+mj-ea"/>
+                  <a:cs typeface="+mj-cs"/>
+                </a:defRPr>
+              </a:lvl1pPr>
+              <a:lvl2pPr>
+                <a:defRPr>
+                  <a:latin typeface="+mj-lt"/>
+                  <a:ea typeface="+mj-ea"/>
+                  <a:cs typeface="+mj-cs"/>
+                </a:defRPr>
+              </a:lvl2pPr>
+              <a:lvl3pPr>
+                <a:defRPr>
+                  <a:latin typeface="+mj-lt"/>
+                  <a:ea typeface="+mj-ea"/>
+                  <a:cs typeface="+mj-cs"/>
+                </a:defRPr>
+              </a:lvl3pPr>
+              <a:lvl4pPr>
+                <a:defRPr>
+                  <a:latin typeface="+mj-lt"/>
+                  <a:ea typeface="+mj-ea"/>
+                  <a:cs typeface="+mj-cs"/>
+                </a:defRPr>
+              </a:lvl4pPr>
+              <a:lvl5pPr>
+                <a:defRPr>
+                  <a:latin typeface="+mj-lt"/>
+                  <a:ea typeface="+mj-ea"/>
+                  <a:cs typeface="+mj-cs"/>
+                </a:defRPr>
+              </a:lvl5pPr>
+              <a:lvl6pPr>
+                <a:defRPr>
+                  <a:latin typeface="+mj-lt"/>
+                  <a:ea typeface="+mj-ea"/>
+                  <a:cs typeface="+mj-cs"/>
+                </a:defRPr>
+              </a:lvl6pPr>
+              <a:lvl7pPr>
+                <a:defRPr>
+                  <a:latin typeface="+mj-lt"/>
+                  <a:ea typeface="+mj-ea"/>
+                  <a:cs typeface="+mj-cs"/>
+                </a:defRPr>
+              </a:lvl7pPr>
+              <a:lvl8pPr>
+                <a:defRPr>
+                  <a:latin typeface="+mj-lt"/>
+                  <a:ea typeface="+mj-ea"/>
+                  <a:cs typeface="+mj-cs"/>
+                </a:defRPr>
+              </a:lvl8pPr>
+              <a:lvl9pPr>
+                <a:defRPr>
+                  <a:latin typeface="+mj-lt"/>
+                  <a:ea typeface="+mj-ea"/>
+                  <a:cs typeface="+mj-cs"/>
+                </a:defRPr>
+              </a:lvl9pPr>
+            </a:lstStyle>
+            <a:p>
+              <a:pPr algn="ctr"/>
+              <a:r>
+                <a:rPr lang="en-US" b="1" kern="1200" dirty="0" err="1" smtClean="0"/>
+                <a:t>Jython</a:t>
+              </a:r>
+              <a:endParaRPr lang="en-US" b="1" kern="1200" dirty="0" smtClean="0"/>
+            </a:p>
+            <a:p>
+              <a:pPr algn="ctr"/>
+              <a:r>
+                <a:rPr lang="en-US" b="1" kern="1200" dirty="0" smtClean="0"/>
+                <a:t>Feature </a:t>
+              </a:r>
+              <a:r>
+                <a:rPr lang="en-US" b="1" kern="1200" dirty="0" err="1" smtClean="0"/>
+                <a:t>Munging</a:t>
+              </a:r>
+              <a:endParaRPr lang="en-US" b="1" kern="1200" dirty="0"/>
+            </a:p>
+          </p:txBody>
+        </p:sp>
+      </p:grpSp>
+      <p:grpSp>
+        <p:nvGrpSpPr>
+          <p:cNvPr id="28" name="Group 27"/>
+          <p:cNvGrpSpPr/>
+          <p:nvPr/>
+        </p:nvGrpSpPr>
+        <p:grpSpPr>
+          <a:xfrm>
+            <a:off x="3421080" y="5204293"/>
+            <a:ext cx="914400" cy="938728"/>
+            <a:chOff x="4479533" y="2785119"/>
+            <a:chExt cx="990599" cy="938728"/>
+          </a:xfrm>
+        </p:grpSpPr>
+        <p:sp>
+          <p:nvSpPr>
+            <p:cNvPr id="29" name="Rectangle 28"/>
+            <p:cNvSpPr/>
+            <p:nvPr/>
+          </p:nvSpPr>
+          <p:spPr>
+            <a:xfrm>
+              <a:off x="4556384" y="2785119"/>
+              <a:ext cx="887518" cy="938728"/>
+            </a:xfrm>
+            <a:prstGeom prst="rect">
+              <a:avLst/>
+            </a:prstGeom>
+            <a:gradFill flip="none" rotWithShape="1">
+              <a:gsLst>
+                <a:gs pos="0">
+                  <a:schemeClr val="accent2">
+                    <a:lumMod val="5000"/>
+                    <a:lumOff val="95000"/>
+                  </a:schemeClr>
+                </a:gs>
+                <a:gs pos="74000">
+                  <a:schemeClr val="accent2">
+                    <a:lumMod val="45000"/>
+                    <a:lumOff val="55000"/>
+                  </a:schemeClr>
+                </a:gs>
+                <a:gs pos="83000">
+                  <a:schemeClr val="accent2">
+                    <a:lumMod val="45000"/>
+                    <a:lumOff val="55000"/>
+                  </a:schemeClr>
+                </a:gs>
+                <a:gs pos="100000">
+                  <a:schemeClr val="accent2">
+                    <a:lumMod val="30000"/>
+                    <a:lumOff val="70000"/>
+                  </a:schemeClr>
+                </a:gs>
+              </a:gsLst>
+              <a:lin ang="5400000" scaled="1"/>
+              <a:tileRect/>
+            </a:gradFill>
+          </p:spPr>
+          <p:style>
+            <a:lnRef idx="1">
+              <a:schemeClr val="accent1"/>
+            </a:lnRef>
+            <a:fillRef idx="3">
+              <a:schemeClr val="accent1"/>
+            </a:fillRef>
+            <a:effectRef idx="2">
+              <a:schemeClr val="accent1"/>
+            </a:effectRef>
+            <a:fontRef idx="minor">
+              <a:schemeClr val="lt1"/>
+            </a:fontRef>
+          </p:style>
+          <p:txBody>
+            <a:bodyPr rtlCol="0" anchor="ctr"/>
+            <a:lstStyle/>
+            <a:p>
+              <a:pPr algn="ctr"/>
+              <a:endParaRPr lang="en-US" dirty="0">
+                <a:solidFill>
+                  <a:schemeClr val="tx1"/>
+                </a:solidFill>
+                <a:effectLst>
+                  <a:outerShdw blurRad="50800" dist="50800" dir="5400000" algn="ctr" rotWithShape="0">
+                    <a:schemeClr val="tx1"/>
+                  </a:outerShdw>
+                </a:effectLst>
+              </a:endParaRPr>
+            </a:p>
+          </p:txBody>
+        </p:sp>
+        <p:sp>
+          <p:nvSpPr>
+            <p:cNvPr id="30" name="TextBox 29"/>
+            <p:cNvSpPr txBox="1"/>
+            <p:nvPr/>
+          </p:nvSpPr>
+          <p:spPr>
+            <a:xfrm>
+              <a:off x="4479533" y="2933414"/>
+              <a:ext cx="990599" cy="306053"/>
+            </a:xfrm>
+            <a:prstGeom prst="rect">
+              <a:avLst/>
+            </a:prstGeom>
+            <a:noFill/>
+          </p:spPr>
+          <p:style>
+            <a:lnRef idx="0">
+              <a:scrgbClr r="0" g="0" b="0"/>
+            </a:lnRef>
+            <a:fillRef idx="0">
+              <a:scrgbClr r="0" g="0" b="0"/>
+            </a:fillRef>
+            <a:effectRef idx="0">
+              <a:scrgbClr r="0" g="0" b="0"/>
+            </a:effectRef>
+            <a:fontRef idx="major"/>
+          </p:style>
+          <p:txBody>
+            <a:bodyPr wrap="square" lIns="0" tIns="0" rIns="0" bIns="0" rtlCol="0" anchor="t">
+              <a:noAutofit/>
+            </a:bodyPr>
+            <a:lstStyle>
+              <a:lvl1pPr>
+                <a:defRPr>
+                  <a:latin typeface="+mj-lt"/>
+                  <a:ea typeface="+mj-ea"/>
+                  <a:cs typeface="+mj-cs"/>
+                </a:defRPr>
+              </a:lvl1pPr>
+              <a:lvl2pPr>
+                <a:defRPr>
+                  <a:latin typeface="+mj-lt"/>
+                  <a:ea typeface="+mj-ea"/>
+                  <a:cs typeface="+mj-cs"/>
+                </a:defRPr>
+              </a:lvl2pPr>
+              <a:lvl3pPr>
+                <a:defRPr>
+                  <a:latin typeface="+mj-lt"/>
+                  <a:ea typeface="+mj-ea"/>
+                  <a:cs typeface="+mj-cs"/>
+                </a:defRPr>
+              </a:lvl3pPr>
+              <a:lvl4pPr>
+                <a:defRPr>
+                  <a:latin typeface="+mj-lt"/>
+                  <a:ea typeface="+mj-ea"/>
+                  <a:cs typeface="+mj-cs"/>
+                </a:defRPr>
+              </a:lvl4pPr>
+              <a:lvl5pPr>
+                <a:defRPr>
+                  <a:latin typeface="+mj-lt"/>
+                  <a:ea typeface="+mj-ea"/>
+                  <a:cs typeface="+mj-cs"/>
+                </a:defRPr>
+              </a:lvl5pPr>
+              <a:lvl6pPr>
+                <a:defRPr>
+                  <a:latin typeface="+mj-lt"/>
+                  <a:ea typeface="+mj-ea"/>
+                  <a:cs typeface="+mj-cs"/>
+                </a:defRPr>
+              </a:lvl6pPr>
+              <a:lvl7pPr>
+                <a:defRPr>
+                  <a:latin typeface="+mj-lt"/>
+                  <a:ea typeface="+mj-ea"/>
+                  <a:cs typeface="+mj-cs"/>
+                </a:defRPr>
+              </a:lvl7pPr>
+              <a:lvl8pPr>
+                <a:defRPr>
+                  <a:latin typeface="+mj-lt"/>
+                  <a:ea typeface="+mj-ea"/>
+                  <a:cs typeface="+mj-cs"/>
+                </a:defRPr>
+              </a:lvl8pPr>
+              <a:lvl9pPr>
+                <a:defRPr>
+                  <a:latin typeface="+mj-lt"/>
+                  <a:ea typeface="+mj-ea"/>
+                  <a:cs typeface="+mj-cs"/>
+                </a:defRPr>
+              </a:lvl9pPr>
+            </a:lstStyle>
+            <a:p>
+              <a:pPr algn="ctr"/>
+              <a:r>
+                <a:rPr lang="en-US" b="1" kern="1200" dirty="0" smtClean="0"/>
+                <a:t>Lambda</a:t>
+              </a:r>
+            </a:p>
+            <a:p>
+              <a:pPr algn="ctr"/>
+              <a:r>
+                <a:rPr lang="en-US" b="1" kern="1200" dirty="0" smtClean="0"/>
+                <a:t>Function</a:t>
+              </a:r>
+            </a:p>
+            <a:p>
+              <a:pPr algn="ctr"/>
+              <a:r>
+                <a:rPr lang="en-US" b="1" kern="1200" dirty="0" smtClean="0"/>
+                <a:t>Handler</a:t>
+              </a:r>
+              <a:endParaRPr lang="en-US" b="1" kern="1200" dirty="0"/>
+            </a:p>
+          </p:txBody>
+        </p:sp>
+      </p:grpSp>
+      <p:grpSp>
+        <p:nvGrpSpPr>
+          <p:cNvPr id="31" name="Group 30"/>
+          <p:cNvGrpSpPr/>
+          <p:nvPr/>
+        </p:nvGrpSpPr>
+        <p:grpSpPr>
+          <a:xfrm>
+            <a:off x="5994640" y="5204293"/>
+            <a:ext cx="931670" cy="938728"/>
+            <a:chOff x="6027023" y="3743671"/>
+            <a:chExt cx="1006563" cy="938728"/>
+          </a:xfrm>
+        </p:grpSpPr>
+        <p:sp>
+          <p:nvSpPr>
+            <p:cNvPr id="32" name="Rectangle 31"/>
+            <p:cNvSpPr/>
+            <p:nvPr/>
+          </p:nvSpPr>
+          <p:spPr>
+            <a:xfrm>
+              <a:off x="6042987" y="3743671"/>
+              <a:ext cx="990599" cy="938728"/>
+            </a:xfrm>
+            <a:prstGeom prst="rect">
+              <a:avLst/>
+            </a:prstGeom>
+            <a:gradFill flip="none" rotWithShape="1">
+              <a:gsLst>
+                <a:gs pos="0">
+                  <a:schemeClr val="accent2">
+                    <a:lumMod val="5000"/>
+                    <a:lumOff val="95000"/>
+                  </a:schemeClr>
+                </a:gs>
+                <a:gs pos="74000">
+                  <a:schemeClr val="accent2">
+                    <a:lumMod val="45000"/>
+                    <a:lumOff val="55000"/>
+                  </a:schemeClr>
+                </a:gs>
+                <a:gs pos="83000">
+                  <a:schemeClr val="accent2">
+                    <a:lumMod val="45000"/>
+                    <a:lumOff val="55000"/>
+                  </a:schemeClr>
+                </a:gs>
+                <a:gs pos="100000">
+                  <a:schemeClr val="accent2">
+                    <a:lumMod val="30000"/>
+                    <a:lumOff val="70000"/>
+                  </a:schemeClr>
+                </a:gs>
+              </a:gsLst>
+              <a:lin ang="5400000" scaled="1"/>
+              <a:tileRect/>
+            </a:gradFill>
+          </p:spPr>
+          <p:style>
+            <a:lnRef idx="1">
+              <a:schemeClr val="accent1"/>
+            </a:lnRef>
+            <a:fillRef idx="3">
+              <a:schemeClr val="accent1"/>
+            </a:fillRef>
+            <a:effectRef idx="2">
+              <a:schemeClr val="accent1"/>
+            </a:effectRef>
+            <a:fontRef idx="minor">
+              <a:schemeClr val="lt1"/>
+            </a:fontRef>
+          </p:style>
+          <p:txBody>
+            <a:bodyPr rtlCol="0" anchor="ctr"/>
+            <a:lstStyle/>
+            <a:p>
+              <a:pPr algn="ctr"/>
+              <a:endParaRPr lang="en-US" dirty="0">
+                <a:solidFill>
+                  <a:schemeClr val="tx1"/>
+                </a:solidFill>
+                <a:effectLst>
+                  <a:outerShdw blurRad="50800" dist="50800" dir="5400000" algn="ctr" rotWithShape="0">
+                    <a:schemeClr val="tx1"/>
+                  </a:outerShdw>
+                </a:effectLst>
+              </a:endParaRPr>
+            </a:p>
+          </p:txBody>
+        </p:sp>
+        <p:sp>
+          <p:nvSpPr>
+            <p:cNvPr id="33" name="TextBox 32"/>
+            <p:cNvSpPr txBox="1"/>
+            <p:nvPr/>
+          </p:nvSpPr>
+          <p:spPr>
+            <a:xfrm>
+              <a:off x="6027023" y="3862363"/>
+              <a:ext cx="990599" cy="306053"/>
+            </a:xfrm>
+            <a:prstGeom prst="rect">
+              <a:avLst/>
+            </a:prstGeom>
+            <a:noFill/>
+          </p:spPr>
+          <p:style>
+            <a:lnRef idx="0">
+              <a:scrgbClr r="0" g="0" b="0"/>
+            </a:lnRef>
+            <a:fillRef idx="0">
+              <a:scrgbClr r="0" g="0" b="0"/>
+            </a:fillRef>
+            <a:effectRef idx="0">
+              <a:scrgbClr r="0" g="0" b="0"/>
+            </a:effectRef>
+            <a:fontRef idx="major"/>
+          </p:style>
+          <p:txBody>
+            <a:bodyPr wrap="square" lIns="0" tIns="0" rIns="0" bIns="0" rtlCol="0" anchor="t">
+              <a:noAutofit/>
+            </a:bodyPr>
+            <a:lstStyle>
+              <a:lvl1pPr>
+                <a:defRPr>
+                  <a:latin typeface="+mj-lt"/>
+                  <a:ea typeface="+mj-ea"/>
+                  <a:cs typeface="+mj-cs"/>
+                </a:defRPr>
+              </a:lvl1pPr>
+              <a:lvl2pPr>
+                <a:defRPr>
+                  <a:latin typeface="+mj-lt"/>
+                  <a:ea typeface="+mj-ea"/>
+                  <a:cs typeface="+mj-cs"/>
+                </a:defRPr>
+              </a:lvl2pPr>
+              <a:lvl3pPr>
+                <a:defRPr>
+                  <a:latin typeface="+mj-lt"/>
+                  <a:ea typeface="+mj-ea"/>
+                  <a:cs typeface="+mj-cs"/>
+                </a:defRPr>
+              </a:lvl3pPr>
+              <a:lvl4pPr>
+                <a:defRPr>
+                  <a:latin typeface="+mj-lt"/>
+                  <a:ea typeface="+mj-ea"/>
+                  <a:cs typeface="+mj-cs"/>
+                </a:defRPr>
+              </a:lvl4pPr>
+              <a:lvl5pPr>
+                <a:defRPr>
+                  <a:latin typeface="+mj-lt"/>
+                  <a:ea typeface="+mj-ea"/>
+                  <a:cs typeface="+mj-cs"/>
+                </a:defRPr>
+              </a:lvl5pPr>
+              <a:lvl6pPr>
+                <a:defRPr>
+                  <a:latin typeface="+mj-lt"/>
+                  <a:ea typeface="+mj-ea"/>
+                  <a:cs typeface="+mj-cs"/>
+                </a:defRPr>
+              </a:lvl6pPr>
+              <a:lvl7pPr>
+                <a:defRPr>
+                  <a:latin typeface="+mj-lt"/>
+                  <a:ea typeface="+mj-ea"/>
+                  <a:cs typeface="+mj-cs"/>
+                </a:defRPr>
+              </a:lvl7pPr>
+              <a:lvl8pPr>
+                <a:defRPr>
+                  <a:latin typeface="+mj-lt"/>
+                  <a:ea typeface="+mj-ea"/>
+                  <a:cs typeface="+mj-cs"/>
+                </a:defRPr>
+              </a:lvl8pPr>
+              <a:lvl9pPr>
+                <a:defRPr>
+                  <a:latin typeface="+mj-lt"/>
+                  <a:ea typeface="+mj-ea"/>
+                  <a:cs typeface="+mj-cs"/>
+                </a:defRPr>
+              </a:lvl9pPr>
+            </a:lstStyle>
+            <a:p>
+              <a:pPr algn="ctr"/>
+              <a:r>
+                <a:rPr lang="en-US" b="1" kern="1200" dirty="0" smtClean="0"/>
+                <a:t>H2O Model POJO Prediction</a:t>
+              </a:r>
+              <a:endParaRPr lang="en-US" b="1" kern="1200" dirty="0"/>
+            </a:p>
+          </p:txBody>
+        </p:sp>
+      </p:grpSp>
+      <p:cxnSp>
+        <p:nvCxnSpPr>
+          <p:cNvPr id="34" name="Straight Arrow Connector 33"/>
+          <p:cNvCxnSpPr/>
+          <p:nvPr/>
+        </p:nvCxnSpPr>
+        <p:spPr>
+          <a:xfrm>
+            <a:off x="4377122" y="5606341"/>
+            <a:ext cx="294834" cy="254"/>
+          </a:xfrm>
+          <a:prstGeom prst="straightConnector1">
+            <a:avLst/>
+          </a:prstGeom>
+          <a:ln w="57150">
+            <a:tailEnd type="stealth"/>
+          </a:ln>
+          <a:effectLst/>
+        </p:spPr>
+        <p:style>
+          <a:lnRef idx="2">
+            <a:schemeClr val="accent1"/>
+          </a:lnRef>
+          <a:fillRef idx="0">
+            <a:schemeClr val="accent1"/>
+          </a:fillRef>
+          <a:effectRef idx="1">
+            <a:schemeClr val="accent1"/>
+          </a:effectRef>
+          <a:fontRef idx="minor">
+            <a:schemeClr val="tx1"/>
+          </a:fontRef>
+        </p:style>
+      </p:cxnSp>
+      <p:cxnSp>
+        <p:nvCxnSpPr>
+          <p:cNvPr id="35" name="Straight Arrow Connector 34"/>
+          <p:cNvCxnSpPr/>
+          <p:nvPr/>
+        </p:nvCxnSpPr>
+        <p:spPr>
+          <a:xfrm>
+            <a:off x="5629744" y="5612220"/>
+            <a:ext cx="294834" cy="254"/>
+          </a:xfrm>
+          <a:prstGeom prst="straightConnector1">
+            <a:avLst/>
+          </a:prstGeom>
+          <a:ln w="57150">
+            <a:tailEnd type="stealth"/>
+          </a:ln>
+          <a:effectLst/>
+        </p:spPr>
+        <p:style>
+          <a:lnRef idx="2">
+            <a:schemeClr val="accent1"/>
+          </a:lnRef>
+          <a:fillRef idx="0">
+            <a:schemeClr val="accent1"/>
+          </a:fillRef>
+          <a:effectRef idx="1">
+            <a:schemeClr val="accent1"/>
+          </a:effectRef>
+          <a:fontRef idx="minor">
+            <a:schemeClr val="tx1"/>
+          </a:fontRef>
+        </p:style>
+      </p:cxnSp>
+      <p:cxnSp>
+        <p:nvCxnSpPr>
+          <p:cNvPr id="36" name="Straight Arrow Connector 35"/>
+          <p:cNvCxnSpPr/>
+          <p:nvPr/>
+        </p:nvCxnSpPr>
+        <p:spPr>
+          <a:xfrm>
+            <a:off x="3029778" y="5606601"/>
+            <a:ext cx="294834" cy="254"/>
+          </a:xfrm>
+          <a:prstGeom prst="straightConnector1">
+            <a:avLst/>
+          </a:prstGeom>
+          <a:ln w="57150">
+            <a:tailEnd type="stealth"/>
+          </a:ln>
+          <a:effectLst/>
+        </p:spPr>
+        <p:style>
+          <a:lnRef idx="2">
+            <a:schemeClr val="accent1"/>
+          </a:lnRef>
+          <a:fillRef idx="0">
+            <a:schemeClr val="accent1"/>
+          </a:fillRef>
+          <a:effectRef idx="1">
+            <a:schemeClr val="accent1"/>
+          </a:effectRef>
+          <a:fontRef idx="minor">
+            <a:schemeClr val="tx1"/>
+          </a:fontRef>
+        </p:style>
+      </p:cxnSp>
+      <p:sp>
+        <p:nvSpPr>
+          <p:cNvPr id="38" name="Rounded Rectangle 37"/>
+          <p:cNvSpPr/>
+          <p:nvPr/>
+        </p:nvSpPr>
+        <p:spPr>
+          <a:xfrm>
+            <a:off x="2209800" y="4953000"/>
+            <a:ext cx="3714778" cy="1562100"/>
+          </a:xfrm>
+          <a:prstGeom prst="roundRect">
+            <a:avLst/>
+          </a:prstGeom>
+          <a:solidFill>
+            <a:schemeClr val="tx1">
+              <a:alpha val="36000"/>
+            </a:schemeClr>
+          </a:solidFill>
+        </p:spPr>
+        <p:style>
+          <a:lnRef idx="1">
+            <a:schemeClr val="accent1"/>
+          </a:lnRef>
+          <a:fillRef idx="3">
+            <a:schemeClr val="accent1"/>
+          </a:fillRef>
+          <a:effectRef idx="2">
+            <a:schemeClr val="accent1"/>
+          </a:effectRef>
+          <a:fontRef idx="minor">
+            <a:schemeClr val="lt1"/>
+          </a:fontRef>
+        </p:style>
+        <p:txBody>
+          <a:bodyPr rtlCol="0" anchor="ctr"/>
+          <a:lstStyle/>
+          <a:p>
+            <a:pPr algn="ctr"/>
+            <a:endParaRPr lang="en-US"/>
           </a:p>
         </p:txBody>
       </p:sp>
     </p:spTree>
     <p:extLst>
       <p:ext uri="{BB962C8B-B14F-4D97-AF65-F5344CB8AC3E}">
-        <p14:creationId xmlns:p14="http://schemas.microsoft.com/office/powerpoint/2010/main" val="1191003652"/>
+        <p14:creationId xmlns:p14="http://schemas.microsoft.com/office/powerpoint/2010/main" val="1358973605"/>
       </p:ext>
     </p:extLst>
   </p:cSld>
   <p:clrMapOvr>
     <a:masterClrMapping/>
   </p:clrMapOvr>
+  <p:timing>
+    <p:tnLst>
+      <p:par>
+        <p:cTn id="1" dur="indefinite" restart="never" nodeType="tmRoot"/>
+      </p:par>
+    </p:tnLst>
+  </p:timing>
 </p:sld>
 </file>
 
@@ -6650,7 +9496,7 @@
           <a:p>
             <a:r>
               <a:rPr lang="en-US" dirty="0" smtClean="0"/>
-              <a:t>H2O MODEL POJO</a:t>
+              <a:t>HANDS-ON DEMONSTRATION</a:t>
             </a:r>
             <a:endParaRPr lang="en-US" dirty="0"/>
           </a:p>
@@ -6666,166 +9512,227 @@
             <p:ph idx="1"/>
           </p:nvPr>
         </p:nvSpPr>
-        <p:spPr/>
+        <p:spPr>
+          <a:xfrm>
+            <a:off x="457200" y="1206500"/>
+            <a:ext cx="8229600" cy="4991100"/>
+          </a:xfrm>
+        </p:spPr>
         <p:txBody>
           <a:bodyPr>
-            <a:normAutofit lnSpcReduction="10000"/>
+            <a:normAutofit fontScale="77500" lnSpcReduction="20000"/>
           </a:bodyPr>
           <a:lstStyle/>
           <a:p>
-            <a:r>
-              <a:rPr lang="en-US" b="1" dirty="0"/>
-              <a:t>static final class </a:t>
+            <a:pPr marL="0" indent="0">
+              <a:buNone/>
+            </a:pPr>
+            <a:r>
+              <a:rPr lang="en-US" dirty="0" smtClean="0"/>
+              <a:t>STEP 1: Build</a:t>
+            </a:r>
+          </a:p>
+          <a:p>
+            <a:pPr marL="0" indent="0">
+              <a:buNone/>
+            </a:pPr>
+            <a:r>
+              <a:rPr lang="en-US" dirty="0" smtClean="0"/>
+              <a:t>$ </a:t>
+            </a:r>
+            <a:r>
+              <a:rPr lang="en-US" dirty="0" err="1" smtClean="0"/>
+              <a:t>git</a:t>
+            </a:r>
+            <a:r>
+              <a:rPr lang="en-US" dirty="0" smtClean="0"/>
+              <a:t> </a:t>
             </a:r>
             <a:r>
               <a:rPr lang="en-US" dirty="0"/>
-              <a:t>BETA_0 </a:t>
-            </a:r>
-            <a:r>
-              <a:rPr lang="en-US" b="1" dirty="0"/>
-              <a:t>implements </a:t>
+              <a:t>clone https://</a:t>
             </a:r>
             <a:r>
               <a:rPr lang="en-US" dirty="0" err="1"/>
-              <a:t>java.io.Serializable</a:t>
+              <a:t>github.com</a:t>
             </a:r>
             <a:r>
               <a:rPr lang="en-US" dirty="0"/>
-              <a:t> {</a:t>
-            </a:r>
-            <a:br>
+              <a:t>/h2oai/app-malicious-domains</a:t>
+            </a:r>
+            <a:endParaRPr lang="en-US" dirty="0" smtClean="0"/>
+          </a:p>
+          <a:p>
+            <a:pPr marL="0" indent="0">
+              <a:buNone/>
+            </a:pPr>
+            <a:r>
+              <a:rPr lang="en-US" dirty="0" smtClean="0"/>
+              <a:t>$ cd app-consumer-loan</a:t>
+            </a:r>
+          </a:p>
+          <a:p>
+            <a:pPr marL="0" indent="0">
+              <a:buNone/>
+            </a:pPr>
+            <a:r>
               <a:rPr lang="en-US" dirty="0"/>
-            </a:br>
+              <a:t>$ </a:t>
+            </a:r>
+            <a:r>
+              <a:rPr lang="en-US" dirty="0" err="1"/>
+              <a:t>gradle</a:t>
+            </a:r>
             <a:r>
               <a:rPr lang="en-US" dirty="0"/>
-              <a:t>  </a:t>
-            </a:r>
-            <a:r>
-              <a:rPr lang="en-US" b="1" dirty="0"/>
-              <a:t>static final void </a:t>
+              <a:t> </a:t>
+            </a:r>
+            <a:r>
+              <a:rPr lang="en-US" dirty="0" smtClean="0"/>
+              <a:t>wrapper</a:t>
+            </a:r>
+          </a:p>
+          <a:p>
+            <a:pPr marL="0" indent="0">
+              <a:buNone/>
+            </a:pPr>
+            <a:r>
+              <a:rPr lang="en-US" dirty="0" smtClean="0"/>
+              <a:t>$ </a:t>
             </a:r>
             <a:r>
               <a:rPr lang="en-US" dirty="0"/>
-              <a:t>fill(</a:t>
-            </a:r>
-            <a:r>
-              <a:rPr lang="en-US" b="1" dirty="0"/>
-              <a:t>double</a:t>
+              <a:t>./</a:t>
+            </a:r>
+            <a:r>
+              <a:rPr lang="en-US" dirty="0" err="1"/>
+              <a:t>gradlew</a:t>
             </a:r>
             <a:r>
               <a:rPr lang="en-US" dirty="0"/>
-              <a:t>[] </a:t>
-            </a:r>
-            <a:r>
-              <a:rPr lang="en-US" dirty="0" err="1"/>
-              <a:t>sa</a:t>
+              <a:t> </a:t>
+            </a:r>
+            <a:r>
+              <a:rPr lang="en-US" dirty="0" smtClean="0"/>
+              <a:t>build</a:t>
+            </a:r>
+          </a:p>
+          <a:p>
+            <a:pPr marL="0" indent="0">
+              <a:buNone/>
+            </a:pPr>
+            <a:endParaRPr lang="en-US" dirty="0" smtClean="0"/>
+          </a:p>
+          <a:p>
+            <a:pPr marL="0" indent="0">
+              <a:buNone/>
+            </a:pPr>
+            <a:r>
+              <a:rPr lang="en-US" dirty="0" smtClean="0"/>
+              <a:t>STEP 2: Create Lambda function and set API endpoint</a:t>
+            </a:r>
+            <a:endParaRPr lang="en-US" dirty="0"/>
+          </a:p>
+          <a:p>
+            <a:pPr marL="0" indent="0">
+              <a:buNone/>
+            </a:pPr>
+            <a:r>
+              <a:rPr lang="en-US" dirty="0" smtClean="0"/>
+              <a:t>See instructions and screenshots in </a:t>
+            </a:r>
+            <a:r>
+              <a:rPr lang="en-US" dirty="0" err="1" smtClean="0"/>
+              <a:t>README.md</a:t>
+            </a:r>
+            <a:r>
+              <a:rPr lang="en-US" dirty="0" smtClean="0"/>
+              <a:t> </a:t>
+            </a:r>
+          </a:p>
+          <a:p>
+            <a:pPr marL="0" indent="0">
+              <a:buNone/>
+            </a:pPr>
+            <a:endParaRPr lang="en-US" dirty="0" smtClean="0"/>
+          </a:p>
+          <a:p>
+            <a:pPr marL="0" indent="0">
+              <a:buNone/>
+            </a:pPr>
+            <a:r>
+              <a:rPr lang="en-US" dirty="0" smtClean="0"/>
+              <a:t>STEP 3:  Use the app </a:t>
             </a:r>
             <a:r>
               <a:rPr lang="en-US" dirty="0"/>
-              <a:t>) {</a:t>
-            </a:r>
-            <a:br>
-              <a:rPr lang="en-US" dirty="0"/>
-            </a:br>
-            <a:r>
-              <a:rPr lang="en-US" dirty="0"/>
-              <a:t>    </a:t>
-            </a:r>
-            <a:r>
-              <a:rPr lang="en-US" dirty="0" err="1"/>
-              <a:t>sa</a:t>
-            </a:r>
-            <a:r>
-              <a:rPr lang="en-US" dirty="0"/>
-              <a:t>[0] = 1.49207826021648;</a:t>
-            </a:r>
-            <a:br>
-              <a:rPr lang="en-US" dirty="0"/>
-            </a:br>
-            <a:r>
-              <a:rPr lang="en-US" dirty="0"/>
-              <a:t>    </a:t>
-            </a:r>
-            <a:r>
-              <a:rPr lang="en-US" dirty="0" err="1"/>
-              <a:t>sa</a:t>
-            </a:r>
-            <a:r>
-              <a:rPr lang="en-US" dirty="0"/>
-              <a:t>[1] = 2.8502716978560194;</a:t>
-            </a:r>
-            <a:br>
-              <a:rPr lang="en-US" dirty="0"/>
-            </a:br>
-            <a:r>
-              <a:rPr lang="en-US" dirty="0"/>
-              <a:t>    </a:t>
-            </a:r>
-            <a:r>
-              <a:rPr lang="en-US" dirty="0" err="1"/>
-              <a:t>sa</a:t>
-            </a:r>
-            <a:r>
-              <a:rPr lang="en-US" dirty="0"/>
-              <a:t>[2] = -8.839804567200542;</a:t>
-            </a:r>
-            <a:br>
-              <a:rPr lang="en-US" dirty="0"/>
-            </a:br>
-            <a:r>
-              <a:rPr lang="en-US" dirty="0"/>
-              <a:t>    </a:t>
-            </a:r>
-            <a:r>
-              <a:rPr lang="en-US" dirty="0" err="1"/>
-              <a:t>sa</a:t>
-            </a:r>
-            <a:r>
-              <a:rPr lang="en-US" dirty="0"/>
-              <a:t>[3] = -0.7977065034624655;</a:t>
-            </a:r>
-            <a:br>
-              <a:rPr lang="en-US" dirty="0"/>
-            </a:br>
-            <a:r>
-              <a:rPr lang="en-US" dirty="0"/>
-              <a:t>    </a:t>
-            </a:r>
-            <a:r>
-              <a:rPr lang="en-US" dirty="0" err="1"/>
-              <a:t>sa</a:t>
-            </a:r>
-            <a:r>
-              <a:rPr lang="en-US" dirty="0"/>
-              <a:t>[4] = -14.94132841574946;</a:t>
-            </a:r>
-            <a:br>
-              <a:rPr lang="en-US" dirty="0"/>
-            </a:br>
-            <a:r>
-              <a:rPr lang="en-US" dirty="0"/>
-              <a:t>  }</a:t>
-            </a:r>
-            <a:br>
-              <a:rPr lang="en-US" dirty="0"/>
-            </a:br>
-            <a:r>
-              <a:rPr lang="en-US" dirty="0"/>
-              <a:t>}</a:t>
-            </a:r>
+              <a:t>i</a:t>
+            </a:r>
+            <a:r>
+              <a:rPr lang="en-US" dirty="0" smtClean="0"/>
+              <a:t>n a web browser</a:t>
+            </a:r>
+            <a:endParaRPr lang="en-US" dirty="0"/>
+          </a:p>
+          <a:p>
+            <a:pPr marL="0" indent="0">
+              <a:buNone/>
+            </a:pPr>
+            <a:r>
+              <a:rPr lang="en-US" dirty="0" smtClean="0"/>
+              <a:t>$ ./</a:t>
+            </a:r>
+            <a:r>
+              <a:rPr lang="en-US" dirty="0" err="1" smtClean="0"/>
+              <a:t>gradlew</a:t>
+            </a:r>
+            <a:r>
+              <a:rPr lang="en-US" dirty="0" smtClean="0"/>
+              <a:t> </a:t>
+            </a:r>
+            <a:r>
+              <a:rPr lang="en-US" dirty="0" err="1" smtClean="0"/>
+              <a:t>jettyRunWar</a:t>
+            </a:r>
+            <a:r>
+              <a:rPr lang="en-US" dirty="0" smtClean="0"/>
+              <a:t> –x </a:t>
+            </a:r>
+            <a:r>
+              <a:rPr lang="en-US" dirty="0" err="1" smtClean="0"/>
+              <a:t>generateModel</a:t>
+            </a:r>
+            <a:endParaRPr lang="en-US" dirty="0" smtClean="0"/>
+          </a:p>
+          <a:p>
+            <a:pPr marL="0" indent="0">
+              <a:buNone/>
+            </a:pPr>
+            <a:r>
+              <a:rPr lang="en-US" dirty="0" smtClean="0"/>
+              <a:t>http://localhost:8080</a:t>
+            </a:r>
+            <a:endParaRPr lang="en-US" dirty="0"/>
           </a:p>
         </p:txBody>
       </p:sp>
     </p:spTree>
     <p:extLst>
       <p:ext uri="{BB962C8B-B14F-4D97-AF65-F5344CB8AC3E}">
-        <p14:creationId xmlns:p14="http://schemas.microsoft.com/office/powerpoint/2010/main" val="1358973605"/>
+        <p14:creationId xmlns:p14="http://schemas.microsoft.com/office/powerpoint/2010/main" val="2467844820"/>
       </p:ext>
     </p:extLst>
   </p:cSld>
   <p:clrMapOvr>
     <a:masterClrMapping/>
   </p:clrMapOvr>
+  <p:timing>
+    <p:tnLst>
+      <p:par>
+        <p:cTn id="1" dur="indefinite" restart="never" nodeType="tmRoot"/>
+      </p:par>
+    </p:tnLst>
+  </p:timing>
 </p:sld>
 </file>
 
@@ -6858,12 +9765,14 @@
         </p:nvSpPr>
         <p:spPr/>
         <p:txBody>
-          <a:bodyPr/>
+          <a:bodyPr>
+            <a:normAutofit/>
+          </a:bodyPr>
           <a:lstStyle/>
           <a:p>
             <a:r>
               <a:rPr lang="en-US" dirty="0" smtClean="0"/>
-              <a:t>HANDS-ON DEMONSTRATION</a:t>
+              <a:t>TROUBLESHOOTING</a:t>
             </a:r>
             <a:endParaRPr lang="en-US" dirty="0"/>
           </a:p>
@@ -6871,7 +9780,7 @@
       </p:sp>
       <p:sp>
         <p:nvSpPr>
-          <p:cNvPr id="3" name="Content Placeholder 2"/>
+          <p:cNvPr id="9" name="Content Placeholder 8"/>
           <p:cNvSpPr>
             <a:spLocks noGrp="1"/>
           </p:cNvSpPr>
@@ -6881,212 +9790,143 @@
         </p:nvSpPr>
         <p:spPr>
           <a:xfrm>
-            <a:off x="457200" y="1206500"/>
-            <a:ext cx="8229600" cy="4991100"/>
+            <a:off x="457200" y="1600200"/>
+            <a:ext cx="8229600" cy="4838700"/>
           </a:xfrm>
         </p:spPr>
         <p:txBody>
           <a:bodyPr>
-            <a:normAutofit fontScale="77500" lnSpcReduction="20000"/>
+            <a:normAutofit fontScale="70000" lnSpcReduction="20000"/>
           </a:bodyPr>
           <a:lstStyle/>
           <a:p>
-            <a:pPr marL="0" indent="0">
-              <a:buNone/>
-            </a:pPr>
             <a:r>
               <a:rPr lang="en-US" dirty="0" smtClean="0"/>
-              <a:t>STEP 1: Build</a:t>
-            </a:r>
-          </a:p>
-          <a:p>
-            <a:pPr marL="0" indent="0">
-              <a:buNone/>
-            </a:pPr>
+              <a:t>Common </a:t>
+            </a:r>
+            <a:r>
+              <a:rPr lang="en-US" dirty="0" err="1" smtClean="0"/>
+              <a:t>Py</a:t>
+            </a:r>
             <a:r>
               <a:rPr lang="en-US" dirty="0" smtClean="0"/>
-              <a:t>$ </a:t>
-            </a:r>
+              <a:t> errors</a:t>
+            </a:r>
+          </a:p>
+          <a:p>
+            <a:pPr lvl="1"/>
+            <a:r>
+              <a:rPr lang="en-US" dirty="0" smtClean="0"/>
+              <a:t>Another H2O is already running</a:t>
+            </a:r>
+          </a:p>
+          <a:p>
+            <a:pPr lvl="2"/>
             <a:r>
               <a:rPr lang="en-US" dirty="0" err="1" smtClean="0"/>
-              <a:t>git</a:t>
+              <a:t>Py</a:t>
             </a:r>
             <a:r>
               <a:rPr lang="en-US" dirty="0" smtClean="0"/>
-              <a:t> </a:t>
-            </a:r>
-            <a:r>
-              <a:rPr lang="en-US" dirty="0"/>
-              <a:t>clone https://</a:t>
-            </a:r>
-            <a:r>
-              <a:rPr lang="en-US" dirty="0" err="1"/>
-              <a:t>github.com</a:t>
-            </a:r>
-            <a:r>
-              <a:rPr lang="en-US" dirty="0"/>
-              <a:t>/h2oai/app-malicious-domains</a:t>
-            </a:r>
+              <a:t> script can’t find the data in h2o.import_file()</a:t>
+            </a:r>
+          </a:p>
+          <a:p>
+            <a:r>
+              <a:rPr lang="en-US" dirty="0" smtClean="0"/>
+              <a:t>Common Java errors</a:t>
+            </a:r>
+          </a:p>
+          <a:p>
+            <a:pPr lvl="1"/>
+            <a:r>
+              <a:rPr lang="en-US" dirty="0" smtClean="0"/>
+              <a:t>Java not installed at all</a:t>
+            </a:r>
+          </a:p>
+          <a:p>
+            <a:pPr lvl="2"/>
+            <a:r>
+              <a:rPr lang="en-US" dirty="0" smtClean="0"/>
+              <a:t>Also, must install a JDK (Java Development Kit) so that the Java compiler is available (JRE is not sufficient)</a:t>
+            </a:r>
+          </a:p>
+          <a:p>
+            <a:pPr lvl="1"/>
+            <a:r>
+              <a:rPr lang="en-US" dirty="0" smtClean="0"/>
+              <a:t>Not connected to the internet</a:t>
+            </a:r>
+          </a:p>
+          <a:p>
+            <a:pPr lvl="2"/>
+            <a:r>
+              <a:rPr lang="en-US" dirty="0" err="1" smtClean="0"/>
+              <a:t>Gradle</a:t>
+            </a:r>
+            <a:r>
+              <a:rPr lang="en-US" dirty="0" smtClean="0"/>
+              <a:t> needs to fetch some dependencies from the internet</a:t>
+            </a:r>
+          </a:p>
+          <a:p>
+            <a:r>
+              <a:rPr lang="en-US" dirty="0" smtClean="0"/>
+              <a:t>Common Lambda errors</a:t>
+            </a:r>
+          </a:p>
+          <a:p>
+            <a:pPr lvl="1"/>
+            <a:r>
+              <a:rPr lang="en-US" dirty="0" smtClean="0"/>
+              <a:t>Error in uploading .zip file</a:t>
+            </a:r>
+          </a:p>
+          <a:p>
+            <a:pPr lvl="2"/>
+            <a:r>
+              <a:rPr lang="en-US" dirty="0" smtClean="0"/>
+              <a:t>Check if the function already exists and, if not, try again. For slower internet connections, try uploading .zip file with S3 link.</a:t>
+            </a:r>
+          </a:p>
+          <a:p>
+            <a:pPr lvl="1"/>
+            <a:r>
+              <a:rPr lang="en-US" dirty="0" smtClean="0"/>
+              <a:t>Timeout error when testing Lambda function</a:t>
+            </a:r>
+          </a:p>
+          <a:p>
+            <a:pPr lvl="2"/>
+            <a:r>
+              <a:rPr lang="en-US" dirty="0" smtClean="0"/>
+              <a:t>Go to advanced settings and increase Timeout value</a:t>
+            </a:r>
+          </a:p>
+          <a:p>
+            <a:pPr lvl="1"/>
+            <a:r>
+              <a:rPr lang="en-US" dirty="0" smtClean="0"/>
+              <a:t>Gateway Timeout (504 error)</a:t>
+            </a:r>
+          </a:p>
+          <a:p>
+            <a:pPr lvl="2"/>
+            <a:r>
+              <a:rPr lang="en-US" dirty="0" smtClean="0"/>
+              <a:t>This is Lambda’s cold start behavior. Keep trying, eventually Lambda kicks in</a:t>
+            </a:r>
+          </a:p>
+          <a:p>
+            <a:pPr lvl="1"/>
             <a:endParaRPr lang="en-US" dirty="0" smtClean="0"/>
-          </a:p>
-          <a:p>
-            <a:pPr marL="0" indent="0">
-              <a:buNone/>
-            </a:pPr>
-            <a:r>
-              <a:rPr lang="en-US" dirty="0" smtClean="0"/>
-              <a:t>$ cd app-consumer-loan</a:t>
-            </a:r>
-          </a:p>
-          <a:p>
-            <a:pPr marL="0" indent="0">
-              <a:buNone/>
-            </a:pPr>
-            <a:r>
-              <a:rPr lang="en-US" dirty="0"/>
-              <a:t>$ </a:t>
-            </a:r>
-            <a:r>
-              <a:rPr lang="en-US" dirty="0" err="1"/>
-              <a:t>gradle</a:t>
-            </a:r>
-            <a:r>
-              <a:rPr lang="en-US" dirty="0"/>
-              <a:t> </a:t>
-            </a:r>
-            <a:r>
-              <a:rPr lang="en-US" dirty="0" smtClean="0"/>
-              <a:t>wrapper</a:t>
-            </a:r>
-          </a:p>
-          <a:p>
-            <a:pPr marL="0" indent="0">
-              <a:buNone/>
-            </a:pPr>
-            <a:r>
-              <a:rPr lang="en-US" dirty="0" smtClean="0"/>
-              <a:t>$ </a:t>
-            </a:r>
-            <a:r>
-              <a:rPr lang="en-US" dirty="0"/>
-              <a:t>./</a:t>
-            </a:r>
-            <a:r>
-              <a:rPr lang="en-US" dirty="0" err="1"/>
-              <a:t>gradlew</a:t>
-            </a:r>
-            <a:r>
-              <a:rPr lang="en-US" dirty="0"/>
-              <a:t> </a:t>
-            </a:r>
-            <a:r>
-              <a:rPr lang="en-US" dirty="0" smtClean="0"/>
-              <a:t>build</a:t>
-            </a:r>
-          </a:p>
-          <a:p>
-            <a:pPr marL="0" indent="0">
-              <a:buNone/>
-            </a:pPr>
-            <a:endParaRPr lang="en-US" dirty="0" smtClean="0"/>
-          </a:p>
-          <a:p>
-            <a:pPr marL="0" indent="0">
-              <a:buNone/>
-            </a:pPr>
-            <a:r>
-              <a:rPr lang="en-US" dirty="0" smtClean="0"/>
-              <a:t>STEP 2: Create Lambda function and set API endpoint</a:t>
-            </a:r>
-            <a:endParaRPr lang="en-US" dirty="0"/>
-          </a:p>
-          <a:p>
-            <a:pPr marL="0" indent="0">
-              <a:buNone/>
-            </a:pPr>
-            <a:r>
-              <a:rPr lang="en-US" dirty="0" smtClean="0"/>
-              <a:t>See instructions and screenshots in </a:t>
-            </a:r>
-            <a:r>
-              <a:rPr lang="en-US" dirty="0" err="1" smtClean="0"/>
-              <a:t>README.md</a:t>
-            </a:r>
-            <a:r>
-              <a:rPr lang="en-US" dirty="0" smtClean="0"/>
-              <a:t> </a:t>
-            </a:r>
-          </a:p>
-          <a:p>
-            <a:pPr marL="0" indent="0">
-              <a:buNone/>
-            </a:pPr>
-            <a:endParaRPr lang="en-US" dirty="0" smtClean="0"/>
-          </a:p>
-          <a:p>
-            <a:pPr marL="0" indent="0">
-              <a:buNone/>
-            </a:pPr>
-            <a:r>
-              <a:rPr lang="en-US" dirty="0" smtClean="0"/>
-              <a:t>STEP 3:  Use the app </a:t>
-            </a:r>
-            <a:r>
-              <a:rPr lang="en-US" dirty="0"/>
-              <a:t>i</a:t>
-            </a:r>
-            <a:r>
-              <a:rPr lang="en-US" dirty="0" smtClean="0"/>
-              <a:t>n a web browser</a:t>
-            </a:r>
-            <a:endParaRPr lang="en-US" dirty="0"/>
-          </a:p>
-          <a:p>
-            <a:pPr marL="0" indent="0">
-              <a:buNone/>
-            </a:pPr>
-            <a:r>
-              <a:rPr lang="en-US" dirty="0" smtClean="0"/>
-              <a:t>$ ./</a:t>
-            </a:r>
-            <a:r>
-              <a:rPr lang="en-US" dirty="0" err="1" smtClean="0"/>
-              <a:t>gradlew</a:t>
-            </a:r>
-            <a:r>
-              <a:rPr lang="en-US" dirty="0" smtClean="0"/>
-              <a:t> </a:t>
-            </a:r>
-            <a:r>
-              <a:rPr lang="en-US" dirty="0" err="1" smtClean="0"/>
-              <a:t>jettyRunWar</a:t>
-            </a:r>
-            <a:r>
-              <a:rPr lang="en-US" dirty="0" smtClean="0"/>
-              <a:t> –x </a:t>
-            </a:r>
-            <a:r>
-              <a:rPr lang="en-US" dirty="0" err="1" smtClean="0"/>
-              <a:t>generateModel</a:t>
-            </a:r>
-            <a:endParaRPr lang="en-US" dirty="0" smtClean="0"/>
-          </a:p>
-          <a:p>
-            <a:pPr marL="0" indent="0">
-              <a:buNone/>
-            </a:pPr>
-            <a:r>
-              <a:rPr lang="en-US" dirty="0" smtClean="0"/>
-              <a:t>http://localhost:8080</a:t>
-            </a:r>
-            <a:endParaRPr lang="en-US" dirty="0"/>
           </a:p>
         </p:txBody>
       </p:sp>
     </p:spTree>
     <p:extLst>
       <p:ext uri="{BB962C8B-B14F-4D97-AF65-F5344CB8AC3E}">
-        <p14:creationId xmlns:p14="http://schemas.microsoft.com/office/powerpoint/2010/main" val="2467844820"/>
+        <p14:creationId xmlns:p14="http://schemas.microsoft.com/office/powerpoint/2010/main" val="1150573929"/>
       </p:ext>
     </p:extLst>
   </p:cSld>
@@ -7139,7 +9979,7 @@
           <a:p>
             <a:r>
               <a:rPr lang="en-US" dirty="0" smtClean="0"/>
-              <a:t>TROUBLESHOOTING</a:t>
+              <a:t>CAVEATS</a:t>
             </a:r>
             <a:endParaRPr lang="en-US" dirty="0"/>
           </a:p>
@@ -7147,7 +9987,7 @@
       </p:sp>
       <p:sp>
         <p:nvSpPr>
-          <p:cNvPr id="9" name="Content Placeholder 8"/>
+          <p:cNvPr id="3" name="Content Placeholder 2"/>
           <p:cNvSpPr>
             <a:spLocks noGrp="1"/>
           </p:cNvSpPr>
@@ -7158,142 +9998,87 @@
         <p:spPr>
           <a:xfrm>
             <a:off x="457200" y="1600200"/>
-            <a:ext cx="8229600" cy="4838700"/>
+            <a:ext cx="8229600" cy="4737100"/>
           </a:xfrm>
         </p:spPr>
         <p:txBody>
           <a:bodyPr>
-            <a:normAutofit fontScale="70000" lnSpcReduction="20000"/>
+            <a:normAutofit/>
           </a:bodyPr>
           <a:lstStyle/>
           <a:p>
             <a:r>
               <a:rPr lang="en-US" dirty="0" smtClean="0"/>
-              <a:t>Common </a:t>
+              <a:t>Stateless</a:t>
+            </a:r>
+            <a:endParaRPr lang="en-US" dirty="0" smtClean="0"/>
+          </a:p>
+          <a:p>
+            <a:r>
+              <a:rPr lang="en-US" dirty="0" smtClean="0"/>
+              <a:t>Cold start behavior</a:t>
+            </a:r>
+          </a:p>
+          <a:p>
+            <a:pPr lvl="1"/>
+            <a:r>
+              <a:rPr lang="en-US" dirty="0"/>
+              <a:t>containers are </a:t>
+            </a:r>
+            <a:r>
+              <a:rPr lang="en-US" dirty="0" smtClean="0"/>
+              <a:t>instantiated and reused </a:t>
+            </a:r>
+            <a:r>
+              <a:rPr lang="en-US" dirty="0"/>
+              <a:t>after the first request and stay active for </a:t>
+            </a:r>
+            <a:r>
+              <a:rPr lang="en-US" dirty="0" smtClean="0"/>
+              <a:t>a window of time (10-20 </a:t>
+            </a:r>
+            <a:r>
+              <a:rPr lang="en-US" dirty="0"/>
+              <a:t>minutes)</a:t>
+            </a:r>
+            <a:endParaRPr lang="en-US" dirty="0" smtClean="0"/>
+          </a:p>
+          <a:p>
+            <a:pPr lvl="1"/>
+            <a:r>
+              <a:rPr lang="en-US" dirty="0" smtClean="0"/>
+              <a:t>“</a:t>
+            </a:r>
+            <a:r>
+              <a:rPr lang="en-US" dirty="0"/>
+              <a:t>the longer I leave it between invocations, the longer the function takes to warm </a:t>
+            </a:r>
+            <a:r>
+              <a:rPr lang="en-US" dirty="0" smtClean="0"/>
+              <a:t>up”</a:t>
+            </a:r>
+          </a:p>
+          <a:p>
+            <a:r>
+              <a:rPr lang="en-US" dirty="0" smtClean="0"/>
+              <a:t>API Gateway timeout of 10 </a:t>
             </a:r>
             <a:r>
               <a:rPr lang="en-US" dirty="0" err="1" smtClean="0"/>
-              <a:t>Py</a:t>
-            </a:r>
-            <a:r>
-              <a:rPr lang="en-US" dirty="0" smtClean="0"/>
-              <a:t> errors</a:t>
-            </a:r>
+              <a:t>secs</a:t>
+            </a:r>
+            <a:endParaRPr lang="en-US" dirty="0" smtClean="0"/>
           </a:p>
           <a:p>
             <a:pPr lvl="1"/>
-            <a:r>
-              <a:rPr lang="en-US" dirty="0" smtClean="0"/>
-              <a:t>Another H2O is already running</a:t>
-            </a:r>
-          </a:p>
-          <a:p>
-            <a:pPr lvl="2"/>
-            <a:r>
-              <a:rPr lang="en-US" dirty="0" err="1" smtClean="0"/>
-              <a:t>Py</a:t>
-            </a:r>
-            <a:r>
-              <a:rPr lang="en-US" dirty="0" smtClean="0"/>
-              <a:t> script can’t find the data in h2o.import_file()</a:t>
-            </a:r>
-          </a:p>
-          <a:p>
-            <a:r>
-              <a:rPr lang="en-US" dirty="0" smtClean="0"/>
-              <a:t>Common Java errors</a:t>
-            </a:r>
-          </a:p>
-          <a:p>
-            <a:pPr lvl="1"/>
-            <a:r>
-              <a:rPr lang="en-US" dirty="0" smtClean="0"/>
-              <a:t>Java not installed at all</a:t>
-            </a:r>
-          </a:p>
-          <a:p>
-            <a:pPr lvl="2"/>
-            <a:r>
-              <a:rPr lang="en-US" dirty="0" smtClean="0"/>
-              <a:t>Also, must install a JDK (Java Development Kit) so that the Java compiler is available (JRE is not sufficient)</a:t>
-            </a:r>
-          </a:p>
-          <a:p>
-            <a:pPr lvl="1"/>
-            <a:r>
-              <a:rPr lang="en-US" dirty="0" smtClean="0"/>
-              <a:t>Not connected to the internet</a:t>
-            </a:r>
-          </a:p>
-          <a:p>
-            <a:pPr lvl="2"/>
-            <a:r>
-              <a:rPr lang="en-US" dirty="0" err="1" smtClean="0"/>
-              <a:t>Gradle</a:t>
-            </a:r>
-            <a:r>
-              <a:rPr lang="en-US" dirty="0" smtClean="0"/>
-              <a:t> needs to fetch some dependencies from the internet</a:t>
-            </a:r>
-          </a:p>
-          <a:p>
-            <a:r>
-              <a:rPr lang="en-US" dirty="0" smtClean="0"/>
-              <a:t>Common Lambda errors</a:t>
-            </a:r>
-          </a:p>
-          <a:p>
-            <a:pPr lvl="1"/>
-            <a:r>
-              <a:rPr lang="en-US" dirty="0" smtClean="0"/>
-              <a:t>Error in uploading .zip file</a:t>
-            </a:r>
-          </a:p>
-          <a:p>
-            <a:pPr lvl="2"/>
-            <a:r>
-              <a:rPr lang="en-US" dirty="0" smtClean="0"/>
-              <a:t>Check if the function already exists and, if not, try again. For slower internet connections, try uploading .zip file with S3 link.</a:t>
-            </a:r>
-          </a:p>
-          <a:p>
-            <a:pPr lvl="1"/>
-            <a:r>
-              <a:rPr lang="en-US" dirty="0" smtClean="0"/>
-              <a:t>Timeout error when testing Lambda function</a:t>
-            </a:r>
-          </a:p>
-          <a:p>
-            <a:pPr lvl="2"/>
-            <a:r>
-              <a:rPr lang="en-US" dirty="0" smtClean="0"/>
-              <a:t>Go to advanced settings and increase Timeout value</a:t>
-            </a:r>
-          </a:p>
-          <a:p>
-            <a:pPr lvl="1"/>
-            <a:r>
-              <a:rPr lang="en-US" dirty="0" smtClean="0"/>
-              <a:t>Gateway Timeout (504 error)</a:t>
-            </a:r>
-          </a:p>
-          <a:p>
-            <a:pPr lvl="2"/>
-            <a:r>
-              <a:rPr lang="en-US" dirty="0" smtClean="0"/>
-              <a:t>This is Lambda’s cold start behavior. Keep trying, eventually Lambda kicks in</a:t>
-            </a:r>
-          </a:p>
-          <a:p>
-            <a:pPr lvl="1"/>
-            <a:endParaRPr lang="en-US" dirty="0" smtClean="0"/>
+            <a:endParaRPr lang="en-US" dirty="0"/>
           </a:p>
         </p:txBody>
       </p:sp>
     </p:spTree>
     <p:extLst>
       <p:ext uri="{BB962C8B-B14F-4D97-AF65-F5344CB8AC3E}">
-        <p14:creationId xmlns:p14="http://schemas.microsoft.com/office/powerpoint/2010/main" val="1150573929"/>
+        <p14:creationId xmlns:p14="http://schemas.microsoft.com/office/powerpoint/2010/main" val="3530954165"/>
       </p:ext>
     </p:extLst>
   </p:cSld>
@@ -7339,14 +10124,12 @@
         </p:nvSpPr>
         <p:spPr/>
         <p:txBody>
-          <a:bodyPr>
-            <a:normAutofit fontScale="90000"/>
-          </a:bodyPr>
+          <a:bodyPr/>
           <a:lstStyle/>
           <a:p>
             <a:r>
               <a:rPr lang="en-US" dirty="0" smtClean="0"/>
-              <a:t>BEST PRACTICES FOR LAMBDA FUNCTIONS</a:t>
+              <a:t>CONFIGURING LAMBDA FUNCTIONS</a:t>
             </a:r>
             <a:endParaRPr lang="en-US" dirty="0"/>
           </a:p>
@@ -7362,65 +10145,66 @@
             <p:ph idx="1"/>
           </p:nvPr>
         </p:nvSpPr>
-        <p:spPr>
-          <a:xfrm>
-            <a:off x="457200" y="1600200"/>
-            <a:ext cx="8229600" cy="4737100"/>
-          </a:xfrm>
-        </p:spPr>
+        <p:spPr/>
         <p:txBody>
-          <a:bodyPr>
-            <a:normAutofit fontScale="92500" lnSpcReduction="20000"/>
-          </a:bodyPr>
+          <a:bodyPr/>
           <a:lstStyle/>
           <a:p>
             <a:r>
+              <a:rPr lang="en-US" dirty="0" smtClean="0"/>
+              <a:t>Memory </a:t>
+            </a:r>
+          </a:p>
+          <a:p>
+            <a:pPr lvl="1"/>
+            <a:r>
               <a:rPr lang="en-US" dirty="0"/>
-              <a:t>Write your Lambda function code in a stateless </a:t>
+              <a:t>A</a:t>
             </a:r>
             <a:r>
               <a:rPr lang="en-US" dirty="0" smtClean="0"/>
-              <a:t>style</a:t>
-            </a:r>
-          </a:p>
-          <a:p>
+              <a:t>llocates </a:t>
+            </a:r>
+            <a:r>
+              <a:rPr lang="en-US" dirty="0"/>
+              <a:t>proportional </a:t>
+            </a:r>
             <a:r>
               <a:rPr lang="en-US" dirty="0" smtClean="0"/>
-              <a:t>Avoid declaring any function variables outside the scope of the handler</a:t>
-            </a:r>
-          </a:p>
-          <a:p>
+              <a:t>CPU </a:t>
+            </a:r>
+            <a:r>
+              <a:rPr lang="en-US" dirty="0"/>
+              <a:t>power, network bandwidth, and disk </a:t>
+            </a:r>
             <a:r>
               <a:rPr lang="en-US" dirty="0" smtClean="0"/>
-              <a:t>Minimize startup </a:t>
-            </a:r>
+              <a:t>I/O</a:t>
+            </a:r>
+            <a:endParaRPr lang="en-US" dirty="0"/>
+          </a:p>
+          <a:p>
+            <a:pPr lvl="1"/>
+            <a:r>
+              <a:rPr lang="en-US" dirty="0" smtClean="0"/>
+              <a:t>Easy single-dial solution </a:t>
+            </a:r>
+          </a:p>
+          <a:p>
+            <a:pPr lvl="1"/>
+            <a:r>
+              <a:rPr lang="en-US" dirty="0" smtClean="0"/>
+              <a:t>Log shows how much memory was used for tuning and cost savings</a:t>
+            </a:r>
+          </a:p>
+          <a:p>
             <a:r>
               <a:rPr lang="en-US" dirty="0"/>
-              <a:t>code not directly related to processing the current event.</a:t>
-            </a:r>
-          </a:p>
-          <a:p>
-            <a:r>
-              <a:rPr lang="en-US" dirty="0"/>
-              <a:t>Use the built-in </a:t>
-            </a:r>
-            <a:r>
-              <a:rPr lang="en-US" dirty="0" err="1"/>
-              <a:t>CloudWatch</a:t>
-            </a:r>
-            <a:r>
-              <a:rPr lang="en-US" dirty="0"/>
-              <a:t> monitoring of your Lambda functions to view and optimize request latencies.</a:t>
-            </a:r>
-          </a:p>
-          <a:p>
-            <a:r>
-              <a:rPr lang="en-US" dirty="0"/>
-              <a:t>Delete old Lambda functions that you are no longer using</a:t>
+              <a:t>T</a:t>
             </a:r>
             <a:r>
               <a:rPr lang="en-US" dirty="0" smtClean="0"/>
-              <a:t>.</a:t>
+              <a:t>imeout </a:t>
             </a:r>
             <a:endParaRPr lang="en-US" dirty="0"/>
           </a:p>
@@ -7429,7 +10213,7 @@
     </p:spTree>
     <p:extLst>
       <p:ext uri="{BB962C8B-B14F-4D97-AF65-F5344CB8AC3E}">
-        <p14:creationId xmlns:p14="http://schemas.microsoft.com/office/powerpoint/2010/main" val="3530954165"/>
+        <p14:creationId xmlns:p14="http://schemas.microsoft.com/office/powerpoint/2010/main" val="1397046001"/>
       </p:ext>
     </p:extLst>
   </p:cSld>
@@ -7447,134 +10231,6 @@
 </file>
 
 <file path=ppt/slides/slide17.xml><?xml version="1.0" encoding="utf-8"?>
-<p:sld xmlns:a="http://schemas.openxmlformats.org/drawingml/2006/main" xmlns:r="http://schemas.openxmlformats.org/officeDocument/2006/relationships" xmlns:p="http://schemas.openxmlformats.org/presentationml/2006/main">
-  <p:cSld>
-    <p:spTree>
-      <p:nvGrpSpPr>
-        <p:cNvPr id="1" name=""/>
-        <p:cNvGrpSpPr/>
-        <p:nvPr/>
-      </p:nvGrpSpPr>
-      <p:grpSpPr>
-        <a:xfrm>
-          <a:off x="0" y="0"/>
-          <a:ext cx="0" cy="0"/>
-          <a:chOff x="0" y="0"/>
-          <a:chExt cx="0" cy="0"/>
-        </a:xfrm>
-      </p:grpSpPr>
-      <p:sp>
-        <p:nvSpPr>
-          <p:cNvPr id="2" name="Title 1"/>
-          <p:cNvSpPr>
-            <a:spLocks noGrp="1"/>
-          </p:cNvSpPr>
-          <p:nvPr>
-            <p:ph type="title"/>
-          </p:nvPr>
-        </p:nvSpPr>
-        <p:spPr/>
-        <p:txBody>
-          <a:bodyPr/>
-          <a:lstStyle/>
-          <a:p>
-            <a:r>
-              <a:rPr lang="en-US" dirty="0" smtClean="0"/>
-              <a:t>CONFIGURING LAMBDA FUNCTIONS</a:t>
-            </a:r>
-            <a:endParaRPr lang="en-US" dirty="0"/>
-          </a:p>
-        </p:txBody>
-      </p:sp>
-      <p:sp>
-        <p:nvSpPr>
-          <p:cNvPr id="3" name="Content Placeholder 2"/>
-          <p:cNvSpPr>
-            <a:spLocks noGrp="1"/>
-          </p:cNvSpPr>
-          <p:nvPr>
-            <p:ph idx="1"/>
-          </p:nvPr>
-        </p:nvSpPr>
-        <p:spPr/>
-        <p:txBody>
-          <a:bodyPr/>
-          <a:lstStyle/>
-          <a:p>
-            <a:r>
-              <a:rPr lang="en-US" dirty="0" smtClean="0"/>
-              <a:t>Memory </a:t>
-            </a:r>
-          </a:p>
-          <a:p>
-            <a:pPr lvl="1"/>
-            <a:r>
-              <a:rPr lang="en-US" dirty="0"/>
-              <a:t>A</a:t>
-            </a:r>
-            <a:r>
-              <a:rPr lang="en-US" dirty="0" smtClean="0"/>
-              <a:t>llocates </a:t>
-            </a:r>
-            <a:r>
-              <a:rPr lang="en-US" dirty="0"/>
-              <a:t>proportional </a:t>
-            </a:r>
-            <a:r>
-              <a:rPr lang="en-US" dirty="0" smtClean="0"/>
-              <a:t>CPU </a:t>
-            </a:r>
-            <a:r>
-              <a:rPr lang="en-US" dirty="0"/>
-              <a:t>power, network bandwidth, and disk </a:t>
-            </a:r>
-            <a:r>
-              <a:rPr lang="en-US" dirty="0" smtClean="0"/>
-              <a:t>I/O</a:t>
-            </a:r>
-            <a:endParaRPr lang="en-US" dirty="0"/>
-          </a:p>
-          <a:p>
-            <a:pPr lvl="1"/>
-            <a:r>
-              <a:rPr lang="en-US" dirty="0" smtClean="0"/>
-              <a:t>Easy single-dial solution </a:t>
-            </a:r>
-          </a:p>
-          <a:p>
-            <a:pPr lvl="1"/>
-            <a:r>
-              <a:rPr lang="en-US" dirty="0" smtClean="0"/>
-              <a:t>Log shows how much memory was used for tuning and cost savings</a:t>
-            </a:r>
-          </a:p>
-          <a:p>
-            <a:r>
-              <a:rPr lang="en-US" dirty="0"/>
-              <a:t>T</a:t>
-            </a:r>
-            <a:r>
-              <a:rPr lang="en-US" dirty="0" smtClean="0"/>
-              <a:t>imeout </a:t>
-            </a:r>
-            <a:endParaRPr lang="en-US" dirty="0"/>
-          </a:p>
-        </p:txBody>
-      </p:sp>
-    </p:spTree>
-    <p:extLst>
-      <p:ext uri="{BB962C8B-B14F-4D97-AF65-F5344CB8AC3E}">
-        <p14:creationId xmlns:p14="http://schemas.microsoft.com/office/powerpoint/2010/main" val="1397046001"/>
-      </p:ext>
-    </p:extLst>
-  </p:cSld>
-  <p:clrMapOvr>
-    <a:masterClrMapping/>
-  </p:clrMapOvr>
-</p:sld>
-</file>
-
-<file path=ppt/slides/slide18.xml><?xml version="1.0" encoding="utf-8"?>
 <p:sld xmlns:a="http://schemas.openxmlformats.org/drawingml/2006/main" xmlns:r="http://schemas.openxmlformats.org/officeDocument/2006/relationships" xmlns:p="http://schemas.openxmlformats.org/presentationml/2006/main">
   <p:cSld>
     <p:spTree>
@@ -8275,7 +10931,7 @@
                     <a:p>
                       <a:pPr fontAlgn="t"/>
                       <a:r>
-                        <a:rPr lang="en-US">
+                        <a:rPr lang="en-US" dirty="0">
                           <a:effectLst/>
                         </a:rPr>
                         <a:t>6 MB</a:t>
@@ -8961,6 +11617,207 @@
 </p:sld>
 </file>
 
+<file path=ppt/slides/slide18.xml><?xml version="1.0" encoding="utf-8"?>
+<p:sld xmlns:a="http://schemas.openxmlformats.org/drawingml/2006/main" xmlns:r="http://schemas.openxmlformats.org/officeDocument/2006/relationships" xmlns:p="http://schemas.openxmlformats.org/presentationml/2006/main">
+  <p:cSld>
+    <p:spTree>
+      <p:nvGrpSpPr>
+        <p:cNvPr id="1" name=""/>
+        <p:cNvGrpSpPr/>
+        <p:nvPr/>
+      </p:nvGrpSpPr>
+      <p:grpSpPr>
+        <a:xfrm>
+          <a:off x="0" y="0"/>
+          <a:ext cx="0" cy="0"/>
+          <a:chOff x="0" y="0"/>
+          <a:chExt cx="0" cy="0"/>
+        </a:xfrm>
+      </p:grpSpPr>
+      <p:sp>
+        <p:nvSpPr>
+          <p:cNvPr id="2" name="Title 1"/>
+          <p:cNvSpPr>
+            <a:spLocks noGrp="1"/>
+          </p:cNvSpPr>
+          <p:nvPr>
+            <p:ph type="title"/>
+          </p:nvPr>
+        </p:nvSpPr>
+        <p:spPr/>
+        <p:txBody>
+          <a:bodyPr/>
+          <a:lstStyle/>
+          <a:p>
+            <a:r>
+              <a:rPr lang="en-US" dirty="0" smtClean="0"/>
+              <a:t>LAMBDA PRICING</a:t>
+            </a:r>
+            <a:endParaRPr lang="en-US" dirty="0"/>
+          </a:p>
+        </p:txBody>
+      </p:sp>
+      <p:sp>
+        <p:nvSpPr>
+          <p:cNvPr id="3" name="Content Placeholder 2"/>
+          <p:cNvSpPr>
+            <a:spLocks noGrp="1"/>
+          </p:cNvSpPr>
+          <p:nvPr>
+            <p:ph idx="1"/>
+          </p:nvPr>
+        </p:nvSpPr>
+        <p:spPr/>
+        <p:txBody>
+          <a:bodyPr>
+            <a:normAutofit fontScale="85000" lnSpcReduction="20000"/>
+          </a:bodyPr>
+          <a:lstStyle/>
+          <a:p>
+            <a:r>
+              <a:rPr lang="en-US" dirty="0" smtClean="0"/>
+              <a:t>Lambda</a:t>
+            </a:r>
+          </a:p>
+          <a:p>
+            <a:pPr lvl="1"/>
+            <a:r>
+              <a:rPr lang="en-US" dirty="0" smtClean="0"/>
+              <a:t>Requests</a:t>
+            </a:r>
+            <a:endParaRPr lang="en-US" dirty="0" smtClean="0"/>
+          </a:p>
+          <a:p>
+            <a:pPr lvl="2"/>
+            <a:r>
+              <a:rPr lang="en-US" dirty="0" smtClean="0"/>
+              <a:t>First 1 million per month are free</a:t>
+            </a:r>
+          </a:p>
+          <a:p>
+            <a:pPr lvl="2"/>
+            <a:r>
+              <a:rPr lang="en-US" dirty="0"/>
+              <a:t>$0.20 per 1 million requests </a:t>
+            </a:r>
+            <a:r>
+              <a:rPr lang="en-US" dirty="0" smtClean="0"/>
+              <a:t>thereafter</a:t>
+            </a:r>
+          </a:p>
+          <a:p>
+            <a:pPr lvl="1"/>
+            <a:r>
+              <a:rPr lang="en-US" dirty="0" smtClean="0"/>
+              <a:t>Duration</a:t>
+            </a:r>
+          </a:p>
+          <a:p>
+            <a:pPr lvl="2"/>
+            <a:r>
+              <a:rPr lang="en-US" dirty="0" smtClean="0"/>
+              <a:t>First </a:t>
+            </a:r>
+            <a:r>
+              <a:rPr lang="en-US" dirty="0"/>
+              <a:t>400,000 GB-seconds of compute time per </a:t>
+            </a:r>
+            <a:r>
+              <a:rPr lang="en-US" dirty="0" smtClean="0"/>
+              <a:t>month are free</a:t>
+            </a:r>
+          </a:p>
+          <a:p>
+            <a:pPr lvl="2"/>
+            <a:r>
+              <a:rPr lang="en-US" dirty="0"/>
+              <a:t>$0.00001667 for every GB-second </a:t>
+            </a:r>
+            <a:r>
+              <a:rPr lang="en-US" dirty="0" smtClean="0"/>
+              <a:t>thereafter</a:t>
+            </a:r>
+            <a:endParaRPr lang="en-US" dirty="0"/>
+          </a:p>
+          <a:p>
+            <a:r>
+              <a:rPr lang="en-US" dirty="0" smtClean="0"/>
+              <a:t>API Gateway</a:t>
+            </a:r>
+          </a:p>
+          <a:p>
+            <a:pPr lvl="1"/>
+            <a:r>
+              <a:rPr lang="en-US" dirty="0" smtClean="0"/>
+              <a:t>$3.50 per million API calls received plus data transfer costs</a:t>
+            </a:r>
+          </a:p>
+          <a:p>
+            <a:pPr marL="342900" lvl="1" indent="-342900">
+              <a:buFont typeface="Arial"/>
+              <a:buChar char="•"/>
+            </a:pPr>
+            <a:r>
+              <a:rPr lang="en-US" dirty="0" smtClean="0"/>
+              <a:t>Estimate for Malicious Domain Application: </a:t>
+            </a:r>
+          </a:p>
+          <a:p>
+            <a:pPr marL="742950" lvl="2" indent="-342900"/>
+            <a:r>
+              <a:rPr lang="en-US" dirty="0" smtClean="0"/>
+              <a:t>Lambda: $0.37/hour </a:t>
+            </a:r>
+            <a:r>
+              <a:rPr lang="en-US" dirty="0"/>
+              <a:t>with 10 threads after </a:t>
+            </a:r>
+            <a:r>
+              <a:rPr lang="en-US" dirty="0" smtClean="0"/>
+              <a:t>free-tier</a:t>
+            </a:r>
+          </a:p>
+          <a:p>
+            <a:pPr marL="742950" lvl="2" indent="-342900"/>
+            <a:r>
+              <a:rPr lang="en-US" dirty="0" smtClean="0"/>
+              <a:t>API Gateway: $0.71/hour</a:t>
+            </a:r>
+          </a:p>
+          <a:p>
+            <a:pPr marL="742950" lvl="2" indent="-342900"/>
+            <a:r>
+              <a:rPr lang="en-US" dirty="0" smtClean="0"/>
+              <a:t>Total: ~$1/</a:t>
+            </a:r>
+            <a:r>
+              <a:rPr lang="en-US" dirty="0" err="1" smtClean="0"/>
+              <a:t>hr</a:t>
+            </a:r>
+            <a:endParaRPr lang="en-US" dirty="0"/>
+          </a:p>
+        </p:txBody>
+      </p:sp>
+    </p:spTree>
+    <p:extLst>
+      <p:ext uri="{BB962C8B-B14F-4D97-AF65-F5344CB8AC3E}">
+        <p14:creationId xmlns:p14="http://schemas.microsoft.com/office/powerpoint/2010/main" val="2040982987"/>
+      </p:ext>
+    </p:extLst>
+  </p:cSld>
+  <p:clrMapOvr>
+    <a:masterClrMapping/>
+  </p:clrMapOvr>
+  <p:timing>
+    <p:tnLst>
+      <p:par>
+        <p:cTn id="1" dur="indefinite" restart="never" nodeType="tmRoot"/>
+      </p:par>
+    </p:tnLst>
+  </p:timing>
+</p:sld>
+</file>
+
 <file path=ppt/slides/slide19.xml><?xml version="1.0" encoding="utf-8"?>
 <p:sld xmlns:a="http://schemas.openxmlformats.org/drawingml/2006/main" xmlns:r="http://schemas.openxmlformats.org/officeDocument/2006/relationships" xmlns:p="http://schemas.openxmlformats.org/presentationml/2006/main">
   <p:cSld>
@@ -8995,346 +11852,6 @@
           <a:p>
             <a:r>
               <a:rPr lang="en-US" dirty="0" smtClean="0"/>
-              <a:t>LAMBDA PRICING</a:t>
-            </a:r>
-            <a:endParaRPr lang="en-US" dirty="0"/>
-          </a:p>
-        </p:txBody>
-      </p:sp>
-      <p:sp>
-        <p:nvSpPr>
-          <p:cNvPr id="3" name="Content Placeholder 2"/>
-          <p:cNvSpPr>
-            <a:spLocks noGrp="1"/>
-          </p:cNvSpPr>
-          <p:nvPr>
-            <p:ph idx="1"/>
-          </p:nvPr>
-        </p:nvSpPr>
-        <p:spPr/>
-        <p:txBody>
-          <a:bodyPr>
-            <a:normAutofit lnSpcReduction="10000"/>
-          </a:bodyPr>
-          <a:lstStyle/>
-          <a:p>
-            <a:r>
-              <a:rPr lang="en-US" dirty="0" smtClean="0"/>
-              <a:t>Requests</a:t>
-            </a:r>
-          </a:p>
-          <a:p>
-            <a:pPr lvl="1"/>
-            <a:r>
-              <a:rPr lang="en-US" dirty="0" smtClean="0"/>
-              <a:t>First 1 million per month are free</a:t>
-            </a:r>
-          </a:p>
-          <a:p>
-            <a:pPr lvl="1"/>
-            <a:r>
-              <a:rPr lang="en-US" dirty="0"/>
-              <a:t>$0.20 per 1 million requests </a:t>
-            </a:r>
-            <a:r>
-              <a:rPr lang="en-US" dirty="0" smtClean="0"/>
-              <a:t>thereafter</a:t>
-            </a:r>
-          </a:p>
-          <a:p>
-            <a:r>
-              <a:rPr lang="en-US" dirty="0" smtClean="0"/>
-              <a:t>Duration</a:t>
-            </a:r>
-          </a:p>
-          <a:p>
-            <a:pPr lvl="1"/>
-            <a:r>
-              <a:rPr lang="en-US" dirty="0" smtClean="0"/>
-              <a:t>First </a:t>
-            </a:r>
-            <a:r>
-              <a:rPr lang="en-US" dirty="0"/>
-              <a:t>400,000 GB-seconds of compute time per </a:t>
-            </a:r>
-            <a:r>
-              <a:rPr lang="en-US" dirty="0" smtClean="0"/>
-              <a:t>month are free</a:t>
-            </a:r>
-          </a:p>
-          <a:p>
-            <a:pPr lvl="1"/>
-            <a:r>
-              <a:rPr lang="en-US" dirty="0"/>
-              <a:t>$0.00001667 for every GB-second </a:t>
-            </a:r>
-            <a:r>
-              <a:rPr lang="en-US" dirty="0" smtClean="0"/>
-              <a:t>thereafter</a:t>
-            </a:r>
-            <a:endParaRPr lang="en-US" dirty="0"/>
-          </a:p>
-          <a:p>
-            <a:r>
-              <a:rPr lang="en-US" dirty="0" smtClean="0"/>
-              <a:t>Estimate: $0.37/hour with 10 threads after free-tier</a:t>
-            </a:r>
-          </a:p>
-        </p:txBody>
-      </p:sp>
-    </p:spTree>
-    <p:extLst>
-      <p:ext uri="{BB962C8B-B14F-4D97-AF65-F5344CB8AC3E}">
-        <p14:creationId xmlns:p14="http://schemas.microsoft.com/office/powerpoint/2010/main" val="2040982987"/>
-      </p:ext>
-    </p:extLst>
-  </p:cSld>
-  <p:clrMapOvr>
-    <a:masterClrMapping/>
-  </p:clrMapOvr>
-</p:sld>
-</file>
-
-<file path=ppt/slides/slide2.xml><?xml version="1.0" encoding="utf-8"?>
-<p:sld xmlns:a="http://schemas.openxmlformats.org/drawingml/2006/main" xmlns:r="http://schemas.openxmlformats.org/officeDocument/2006/relationships" xmlns:p="http://schemas.openxmlformats.org/presentationml/2006/main">
-  <p:cSld>
-    <p:spTree>
-      <p:nvGrpSpPr>
-        <p:cNvPr id="1" name=""/>
-        <p:cNvGrpSpPr/>
-        <p:nvPr/>
-      </p:nvGrpSpPr>
-      <p:grpSpPr>
-        <a:xfrm>
-          <a:off x="0" y="0"/>
-          <a:ext cx="0" cy="0"/>
-          <a:chOff x="0" y="0"/>
-          <a:chExt cx="0" cy="0"/>
-        </a:xfrm>
-      </p:grpSpPr>
-      <p:sp>
-        <p:nvSpPr>
-          <p:cNvPr id="2" name="Title 1"/>
-          <p:cNvSpPr>
-            <a:spLocks noGrp="1"/>
-          </p:cNvSpPr>
-          <p:nvPr>
-            <p:ph type="title"/>
-          </p:nvPr>
-        </p:nvSpPr>
-        <p:spPr>
-          <a:xfrm>
-            <a:off x="0" y="-12700"/>
-            <a:ext cx="9093200" cy="881532"/>
-          </a:xfrm>
-        </p:spPr>
-        <p:txBody>
-          <a:bodyPr>
-            <a:normAutofit fontScale="90000"/>
-          </a:bodyPr>
-          <a:lstStyle/>
-          <a:p>
-            <a:r>
-              <a:rPr lang="en-US" dirty="0" smtClean="0"/>
-              <a:t>BUILDING A MACHINE LEARNING APPLICATION WITH AWS LAMBDA</a:t>
-            </a:r>
-            <a:endParaRPr lang="en-US" dirty="0"/>
-          </a:p>
-        </p:txBody>
-      </p:sp>
-      <p:sp>
-        <p:nvSpPr>
-          <p:cNvPr id="3" name="Content Placeholder 2"/>
-          <p:cNvSpPr>
-            <a:spLocks noGrp="1"/>
-          </p:cNvSpPr>
-          <p:nvPr>
-            <p:ph idx="1"/>
-          </p:nvPr>
-        </p:nvSpPr>
-        <p:spPr>
-          <a:xfrm>
-            <a:off x="457200" y="1600200"/>
-            <a:ext cx="8229600" cy="5067300"/>
-          </a:xfrm>
-        </p:spPr>
-        <p:txBody>
-          <a:bodyPr>
-            <a:normAutofit fontScale="85000" lnSpcReduction="20000"/>
-          </a:bodyPr>
-          <a:lstStyle/>
-          <a:p>
-            <a:pPr marL="0" indent="0">
-              <a:buNone/>
-            </a:pPr>
-            <a:r>
-              <a:rPr lang="en-US" dirty="0" smtClean="0"/>
-              <a:t>Q:		What is AWS Lambda?</a:t>
-            </a:r>
-          </a:p>
-          <a:p>
-            <a:pPr marL="0" indent="0">
-              <a:buNone/>
-            </a:pPr>
-            <a:r>
-              <a:rPr lang="en-US" dirty="0" smtClean="0"/>
-              <a:t>A:		AWS Lambda</a:t>
-            </a:r>
-            <a:r>
-              <a:rPr lang="en-US" dirty="0"/>
-              <a:t> </a:t>
-            </a:r>
-            <a:r>
-              <a:rPr lang="en-US" dirty="0" smtClean="0"/>
-              <a:t>is a compute service that runs code –a </a:t>
-            </a:r>
-            <a:r>
-              <a:rPr lang="en-US" b="1" i="1" dirty="0" smtClean="0"/>
-              <a:t>Lambda function </a:t>
-            </a:r>
-            <a:r>
-              <a:rPr lang="en-US" dirty="0" smtClean="0"/>
-              <a:t>- on-demand. It simplifies the process of running code in the cloud by managing compute resources automatically. </a:t>
-            </a:r>
-          </a:p>
-          <a:p>
-            <a:pPr marL="0" indent="0">
-              <a:buNone/>
-            </a:pPr>
-            <a:endParaRPr lang="en-US" dirty="0" smtClean="0"/>
-          </a:p>
-          <a:p>
-            <a:pPr marL="0" indent="0">
-              <a:buNone/>
-            </a:pPr>
-            <a:r>
-              <a:rPr lang="en-US" dirty="0" smtClean="0"/>
-              <a:t>Offloads </a:t>
-            </a:r>
-            <a:r>
-              <a:rPr lang="en-US" dirty="0" err="1" smtClean="0"/>
-              <a:t>DevOps</a:t>
-            </a:r>
-            <a:r>
-              <a:rPr lang="en-US" dirty="0" smtClean="0"/>
-              <a:t> tasks related to VMs:</a:t>
-            </a:r>
-          </a:p>
-          <a:p>
-            <a:r>
-              <a:rPr lang="en-US" dirty="0" smtClean="0"/>
-              <a:t>Server and operating system maintenance</a:t>
-            </a:r>
-          </a:p>
-          <a:p>
-            <a:r>
-              <a:rPr lang="en-US" dirty="0" smtClean="0"/>
-              <a:t>Capacity provisioning</a:t>
-            </a:r>
-          </a:p>
-          <a:p>
-            <a:r>
-              <a:rPr lang="en-US" dirty="0" smtClean="0"/>
-              <a:t>Scaling – “</a:t>
-            </a:r>
-            <a:r>
-              <a:rPr lang="en-US" dirty="0"/>
-              <a:t>N</a:t>
-            </a:r>
-            <a:r>
-              <a:rPr lang="en-US" dirty="0" smtClean="0"/>
-              <a:t>o </a:t>
-            </a:r>
-            <a:r>
-              <a:rPr lang="en-US" dirty="0"/>
-              <a:t>limit to the number of requests your code can </a:t>
-            </a:r>
-            <a:r>
-              <a:rPr lang="en-US" dirty="0" smtClean="0"/>
-              <a:t>handle”</a:t>
-            </a:r>
-          </a:p>
-          <a:p>
-            <a:r>
-              <a:rPr lang="en-US" dirty="0" smtClean="0"/>
-              <a:t>Code monitoring and logging</a:t>
-            </a:r>
-          </a:p>
-          <a:p>
-            <a:r>
-              <a:rPr lang="en-US" dirty="0" smtClean="0"/>
-              <a:t>Security patches</a:t>
-            </a:r>
-            <a:endParaRPr lang="en-US" dirty="0"/>
-          </a:p>
-          <a:p>
-            <a:pPr marL="0" indent="0">
-              <a:buNone/>
-            </a:pPr>
-            <a:endParaRPr lang="en-US" dirty="0" smtClean="0"/>
-          </a:p>
-          <a:p>
-            <a:pPr marL="0" indent="0">
-              <a:buNone/>
-            </a:pPr>
-            <a:endParaRPr lang="en-US" dirty="0" smtClean="0"/>
-          </a:p>
-        </p:txBody>
-      </p:sp>
-    </p:spTree>
-    <p:extLst>
-      <p:ext uri="{BB962C8B-B14F-4D97-AF65-F5344CB8AC3E}">
-        <p14:creationId xmlns:p14="http://schemas.microsoft.com/office/powerpoint/2010/main" val="2184264781"/>
-      </p:ext>
-    </p:extLst>
-  </p:cSld>
-  <p:clrMapOvr>
-    <a:masterClrMapping/>
-  </p:clrMapOvr>
-  <p:timing>
-    <p:tnLst>
-      <p:par>
-        <p:cTn id="1" dur="indefinite" restart="never" nodeType="tmRoot"/>
-      </p:par>
-    </p:tnLst>
-  </p:timing>
-</p:sld>
-</file>
-
-<file path=ppt/slides/slide20.xml><?xml version="1.0" encoding="utf-8"?>
-<p:sld xmlns:a="http://schemas.openxmlformats.org/drawingml/2006/main" xmlns:r="http://schemas.openxmlformats.org/officeDocument/2006/relationships" xmlns:p="http://schemas.openxmlformats.org/presentationml/2006/main">
-  <p:cSld>
-    <p:spTree>
-      <p:nvGrpSpPr>
-        <p:cNvPr id="1" name=""/>
-        <p:cNvGrpSpPr/>
-        <p:nvPr/>
-      </p:nvGrpSpPr>
-      <p:grpSpPr>
-        <a:xfrm>
-          <a:off x="0" y="0"/>
-          <a:ext cx="0" cy="0"/>
-          <a:chOff x="0" y="0"/>
-          <a:chExt cx="0" cy="0"/>
-        </a:xfrm>
-      </p:grpSpPr>
-      <p:sp>
-        <p:nvSpPr>
-          <p:cNvPr id="2" name="Title 1"/>
-          <p:cNvSpPr>
-            <a:spLocks noGrp="1"/>
-          </p:cNvSpPr>
-          <p:nvPr>
-            <p:ph type="title"/>
-          </p:nvPr>
-        </p:nvSpPr>
-        <p:spPr/>
-        <p:txBody>
-          <a:bodyPr/>
-          <a:lstStyle/>
-          <a:p>
-            <a:r>
-              <a:rPr lang="en-US" dirty="0" smtClean="0"/>
               <a:t>LAMBDA PERFORMANCE</a:t>
             </a:r>
             <a:endParaRPr lang="en-US" dirty="0"/>
@@ -9351,7 +11868,7 @@
             <p:ph idx="1"/>
             <p:extLst>
               <p:ext uri="{D42A27DB-BD31-4B8C-83A1-F6EECF244321}">
-                <p14:modId xmlns:p14="http://schemas.microsoft.com/office/powerpoint/2010/main" val="1564218324"/>
+                <p14:modId xmlns:p14="http://schemas.microsoft.com/office/powerpoint/2010/main" val="430050895"/>
               </p:ext>
             </p:extLst>
           </p:nvPr>
@@ -9535,11 +12052,34 @@
                     <a:lstStyle/>
                     <a:p>
                       <a:r>
-                        <a:rPr lang="en-US" sz="1600" dirty="0">
+                        <a:rPr lang="en-US" sz="1600" dirty="0" smtClean="0">
                           <a:effectLst/>
                         </a:rPr>
                         <a:t>Median</a:t>
                       </a:r>
+                    </a:p>
+                    <a:p>
+                      <a:r>
+                        <a:rPr lang="en-US" sz="1600" dirty="0" smtClean="0">
+                          <a:effectLst/>
+                        </a:rPr>
+                        <a:t>(</a:t>
+                      </a:r>
+                      <a:r>
+                        <a:rPr lang="en-US" sz="1600" dirty="0" err="1" smtClean="0">
+                          <a:effectLst/>
+                        </a:rPr>
+                        <a:t>ms</a:t>
+                      </a:r>
+                      <a:r>
+                        <a:rPr lang="en-US" sz="1600" dirty="0" smtClean="0">
+                          <a:effectLst/>
+                        </a:rPr>
+                        <a:t>)</a:t>
+                      </a:r>
+                      <a:endParaRPr lang="en-US" sz="1600" dirty="0">
+                        <a:effectLst/>
+                      </a:endParaRPr>
                     </a:p>
                   </a:txBody>
                   <a:tcPr anchor="ctr">
@@ -9569,11 +12109,34 @@
                     <a:lstStyle/>
                     <a:p>
                       <a:r>
-                        <a:rPr lang="en-US" sz="1600" dirty="0">
+                        <a:rPr lang="en-US" sz="1600" dirty="0" smtClean="0">
                           <a:effectLst/>
                         </a:rPr>
                         <a:t>Min</a:t>
                       </a:r>
+                    </a:p>
+                    <a:p>
+                      <a:r>
+                        <a:rPr lang="en-US" sz="1600" dirty="0" smtClean="0">
+                          <a:effectLst/>
+                        </a:rPr>
+                        <a:t>(</a:t>
+                      </a:r>
+                      <a:r>
+                        <a:rPr lang="en-US" sz="1600" dirty="0" err="1" smtClean="0">
+                          <a:effectLst/>
+                        </a:rPr>
+                        <a:t>ms</a:t>
+                      </a:r>
+                      <a:r>
+                        <a:rPr lang="en-US" sz="1600" dirty="0" smtClean="0">
+                          <a:effectLst/>
+                        </a:rPr>
+                        <a:t>)</a:t>
+                      </a:r>
+                      <a:endParaRPr lang="en-US" sz="1600" dirty="0">
+                        <a:effectLst/>
+                      </a:endParaRPr>
                     </a:p>
                   </a:txBody>
                   <a:tcPr anchor="ctr">
@@ -9603,11 +12166,34 @@
                     <a:lstStyle/>
                     <a:p>
                       <a:r>
-                        <a:rPr lang="en-US" sz="1600">
+                        <a:rPr lang="en-US" sz="1600" dirty="0" smtClean="0">
                           <a:effectLst/>
                         </a:rPr>
                         <a:t>Max</a:t>
                       </a:r>
+                    </a:p>
+                    <a:p>
+                      <a:r>
+                        <a:rPr lang="en-US" sz="1600" dirty="0" smtClean="0">
+                          <a:effectLst/>
+                        </a:rPr>
+                        <a:t>(</a:t>
+                      </a:r>
+                      <a:r>
+                        <a:rPr lang="en-US" sz="1600" dirty="0" err="1" smtClean="0">
+                          <a:effectLst/>
+                        </a:rPr>
+                        <a:t>ms</a:t>
+                      </a:r>
+                      <a:r>
+                        <a:rPr lang="en-US" sz="1600" dirty="0" smtClean="0">
+                          <a:effectLst/>
+                        </a:rPr>
+                        <a:t>)</a:t>
+                      </a:r>
+                      <a:endParaRPr lang="en-US" sz="1600" dirty="0">
+                        <a:effectLst/>
+                      </a:endParaRPr>
                     </a:p>
                   </a:txBody>
                   <a:tcPr anchor="ctr">
@@ -10820,6 +13406,320 @@
   <p:clrMapOvr>
     <a:masterClrMapping/>
   </p:clrMapOvr>
+  <p:timing>
+    <p:tnLst>
+      <p:par>
+        <p:cTn id="1" dur="indefinite" restart="never" nodeType="tmRoot"/>
+      </p:par>
+    </p:tnLst>
+  </p:timing>
+</p:sld>
+</file>
+
+<file path=ppt/slides/slide2.xml><?xml version="1.0" encoding="utf-8"?>
+<p:sld xmlns:a="http://schemas.openxmlformats.org/drawingml/2006/main" xmlns:r="http://schemas.openxmlformats.org/officeDocument/2006/relationships" xmlns:p="http://schemas.openxmlformats.org/presentationml/2006/main">
+  <p:cSld>
+    <p:spTree>
+      <p:nvGrpSpPr>
+        <p:cNvPr id="1" name=""/>
+        <p:cNvGrpSpPr/>
+        <p:nvPr/>
+      </p:nvGrpSpPr>
+      <p:grpSpPr>
+        <a:xfrm>
+          <a:off x="0" y="0"/>
+          <a:ext cx="0" cy="0"/>
+          <a:chOff x="0" y="0"/>
+          <a:chExt cx="0" cy="0"/>
+        </a:xfrm>
+      </p:grpSpPr>
+      <p:sp>
+        <p:nvSpPr>
+          <p:cNvPr id="2" name="Title 1"/>
+          <p:cNvSpPr>
+            <a:spLocks noGrp="1"/>
+          </p:cNvSpPr>
+          <p:nvPr>
+            <p:ph type="title"/>
+          </p:nvPr>
+        </p:nvSpPr>
+        <p:spPr>
+          <a:xfrm>
+            <a:off x="0" y="-12700"/>
+            <a:ext cx="9093200" cy="881532"/>
+          </a:xfrm>
+        </p:spPr>
+        <p:txBody>
+          <a:bodyPr>
+            <a:normAutofit fontScale="90000"/>
+          </a:bodyPr>
+          <a:lstStyle/>
+          <a:p>
+            <a:r>
+              <a:rPr lang="en-US" dirty="0" smtClean="0"/>
+              <a:t>BUILDING A MACHINE LEARNING APPLICATION WITH AWS LAMBDA</a:t>
+            </a:r>
+            <a:endParaRPr lang="en-US" dirty="0"/>
+          </a:p>
+        </p:txBody>
+      </p:sp>
+      <p:sp>
+        <p:nvSpPr>
+          <p:cNvPr id="3" name="Content Placeholder 2"/>
+          <p:cNvSpPr>
+            <a:spLocks noGrp="1"/>
+          </p:cNvSpPr>
+          <p:nvPr>
+            <p:ph idx="1"/>
+          </p:nvPr>
+        </p:nvSpPr>
+        <p:spPr>
+          <a:xfrm>
+            <a:off x="457200" y="1600200"/>
+            <a:ext cx="8229600" cy="5067300"/>
+          </a:xfrm>
+        </p:spPr>
+        <p:txBody>
+          <a:bodyPr>
+            <a:normAutofit fontScale="85000" lnSpcReduction="20000"/>
+          </a:bodyPr>
+          <a:lstStyle/>
+          <a:p>
+            <a:pPr marL="0" indent="0">
+              <a:buNone/>
+            </a:pPr>
+            <a:r>
+              <a:rPr lang="en-US" dirty="0" smtClean="0"/>
+              <a:t>Q:		What is AWS Lambda?</a:t>
+            </a:r>
+          </a:p>
+          <a:p>
+            <a:pPr marL="0" indent="0">
+              <a:buNone/>
+            </a:pPr>
+            <a:r>
+              <a:rPr lang="en-US" dirty="0" smtClean="0"/>
+              <a:t>A:		AWS Lambda</a:t>
+            </a:r>
+            <a:r>
+              <a:rPr lang="en-US" dirty="0"/>
+              <a:t> </a:t>
+            </a:r>
+            <a:r>
+              <a:rPr lang="en-US" dirty="0" smtClean="0"/>
+              <a:t>is a compute service that runs code –a </a:t>
+            </a:r>
+            <a:r>
+              <a:rPr lang="en-US" b="1" i="1" dirty="0" smtClean="0"/>
+              <a:t>Lambda function </a:t>
+            </a:r>
+            <a:r>
+              <a:rPr lang="en-US" dirty="0" smtClean="0"/>
+              <a:t>- on-demand. It simplifies the process of running code in the cloud by managing compute resources automatically. </a:t>
+            </a:r>
+          </a:p>
+          <a:p>
+            <a:pPr marL="0" indent="0">
+              <a:buNone/>
+            </a:pPr>
+            <a:endParaRPr lang="en-US" dirty="0" smtClean="0"/>
+          </a:p>
+          <a:p>
+            <a:pPr marL="0" indent="0">
+              <a:buNone/>
+            </a:pPr>
+            <a:r>
+              <a:rPr lang="en-US" dirty="0" smtClean="0"/>
+              <a:t>Offloads </a:t>
+            </a:r>
+            <a:r>
+              <a:rPr lang="en-US" dirty="0" err="1" smtClean="0"/>
+              <a:t>DevOps</a:t>
+            </a:r>
+            <a:r>
+              <a:rPr lang="en-US" dirty="0" smtClean="0"/>
+              <a:t> tasks related to VMs:</a:t>
+            </a:r>
+          </a:p>
+          <a:p>
+            <a:r>
+              <a:rPr lang="en-US" dirty="0" smtClean="0"/>
+              <a:t>Server and operating system maintenance</a:t>
+            </a:r>
+          </a:p>
+          <a:p>
+            <a:r>
+              <a:rPr lang="en-US" dirty="0" smtClean="0"/>
+              <a:t>Capacity provisioning</a:t>
+            </a:r>
+          </a:p>
+          <a:p>
+            <a:r>
+              <a:rPr lang="en-US" dirty="0" smtClean="0"/>
+              <a:t>Scaling</a:t>
+            </a:r>
+            <a:endParaRPr lang="en-US" dirty="0" smtClean="0"/>
+          </a:p>
+          <a:p>
+            <a:r>
+              <a:rPr lang="en-US" dirty="0" smtClean="0"/>
+              <a:t>Code monitoring and logging</a:t>
+            </a:r>
+          </a:p>
+          <a:p>
+            <a:r>
+              <a:rPr lang="en-US" dirty="0" smtClean="0"/>
+              <a:t>Security patches</a:t>
+            </a:r>
+            <a:endParaRPr lang="en-US" dirty="0"/>
+          </a:p>
+          <a:p>
+            <a:pPr marL="0" indent="0">
+              <a:buNone/>
+            </a:pPr>
+            <a:endParaRPr lang="en-US" dirty="0" smtClean="0"/>
+          </a:p>
+          <a:p>
+            <a:pPr marL="0" indent="0">
+              <a:buNone/>
+            </a:pPr>
+            <a:endParaRPr lang="en-US" dirty="0" smtClean="0"/>
+          </a:p>
+        </p:txBody>
+      </p:sp>
+    </p:spTree>
+    <p:extLst>
+      <p:ext uri="{BB962C8B-B14F-4D97-AF65-F5344CB8AC3E}">
+        <p14:creationId xmlns:p14="http://schemas.microsoft.com/office/powerpoint/2010/main" val="2184264781"/>
+      </p:ext>
+    </p:extLst>
+  </p:cSld>
+  <p:clrMapOvr>
+    <a:masterClrMapping/>
+  </p:clrMapOvr>
+  <p:timing>
+    <p:tnLst>
+      <p:par>
+        <p:cTn id="1" dur="indefinite" restart="never" nodeType="tmRoot"/>
+      </p:par>
+    </p:tnLst>
+  </p:timing>
+</p:sld>
+</file>
+
+<file path=ppt/slides/slide20.xml><?xml version="1.0" encoding="utf-8"?>
+<p:sld xmlns:a="http://schemas.openxmlformats.org/drawingml/2006/main" xmlns:r="http://schemas.openxmlformats.org/officeDocument/2006/relationships" xmlns:p="http://schemas.openxmlformats.org/presentationml/2006/main">
+  <p:cSld>
+    <p:spTree>
+      <p:nvGrpSpPr>
+        <p:cNvPr id="1" name=""/>
+        <p:cNvGrpSpPr/>
+        <p:nvPr/>
+      </p:nvGrpSpPr>
+      <p:grpSpPr>
+        <a:xfrm>
+          <a:off x="0" y="0"/>
+          <a:ext cx="0" cy="0"/>
+          <a:chOff x="0" y="0"/>
+          <a:chExt cx="0" cy="0"/>
+        </a:xfrm>
+      </p:grpSpPr>
+      <p:sp>
+        <p:nvSpPr>
+          <p:cNvPr id="2" name="Title 1"/>
+          <p:cNvSpPr>
+            <a:spLocks noGrp="1"/>
+          </p:cNvSpPr>
+          <p:nvPr>
+            <p:ph type="title"/>
+          </p:nvPr>
+        </p:nvSpPr>
+        <p:spPr/>
+        <p:txBody>
+          <a:bodyPr/>
+          <a:lstStyle/>
+          <a:p>
+            <a:r>
+              <a:rPr lang="en-US" dirty="0" smtClean="0"/>
+              <a:t>LAMBDA SCALING</a:t>
+            </a:r>
+            <a:endParaRPr lang="en-US" dirty="0"/>
+          </a:p>
+        </p:txBody>
+      </p:sp>
+      <p:sp>
+        <p:nvSpPr>
+          <p:cNvPr id="3" name="Content Placeholder 2"/>
+          <p:cNvSpPr>
+            <a:spLocks noGrp="1"/>
+          </p:cNvSpPr>
+          <p:nvPr>
+            <p:ph idx="1"/>
+          </p:nvPr>
+        </p:nvSpPr>
+        <p:spPr/>
+        <p:txBody>
+          <a:bodyPr/>
+          <a:lstStyle/>
+          <a:p>
+            <a:r>
+              <a:rPr lang="en-US" dirty="0" smtClean="0"/>
+              <a:t>A</a:t>
+            </a:r>
+            <a:r>
+              <a:rPr lang="en-US" dirty="0"/>
+              <a:t>utomatically scales to support the rate of incoming </a:t>
+            </a:r>
+            <a:r>
+              <a:rPr lang="en-US" dirty="0" smtClean="0"/>
+              <a:t>requests</a:t>
+            </a:r>
+          </a:p>
+          <a:p>
+            <a:r>
+              <a:rPr lang="en-US" dirty="0" smtClean="0"/>
+              <a:t>“No </a:t>
+            </a:r>
+            <a:r>
+              <a:rPr lang="en-US" dirty="0"/>
+              <a:t>limit to the number of requests your code can </a:t>
+            </a:r>
+            <a:r>
+              <a:rPr lang="en-US" dirty="0" smtClean="0"/>
+              <a:t>handle”</a:t>
+            </a:r>
+          </a:p>
+          <a:p>
+            <a:r>
+              <a:rPr lang="en-US" dirty="0" smtClean="0"/>
+              <a:t>Starts </a:t>
+            </a:r>
+            <a:r>
+              <a:rPr lang="en-US" dirty="0"/>
+              <a:t>as many instances of </a:t>
+            </a:r>
+            <a:r>
+              <a:rPr lang="en-US" dirty="0" smtClean="0"/>
+              <a:t>Lambda function as </a:t>
+            </a:r>
+            <a:r>
+              <a:rPr lang="en-US" dirty="0"/>
+              <a:t>needed </a:t>
+            </a:r>
+            <a:endParaRPr lang="en-US" dirty="0"/>
+          </a:p>
+        </p:txBody>
+      </p:sp>
+    </p:spTree>
+    <p:extLst>
+      <p:ext uri="{BB962C8B-B14F-4D97-AF65-F5344CB8AC3E}">
+        <p14:creationId xmlns:p14="http://schemas.microsoft.com/office/powerpoint/2010/main" val="140570768"/>
+      </p:ext>
+    </p:extLst>
+  </p:cSld>
+  <p:clrMapOvr>
+    <a:masterClrMapping/>
+  </p:clrMapOvr>
 </p:sld>
 </file>
 
@@ -12205,7 +15105,7 @@
         </p:spPr>
         <p:txBody>
           <a:bodyPr>
-            <a:normAutofit fontScale="85000" lnSpcReduction="20000"/>
+            <a:normAutofit fontScale="92500" lnSpcReduction="20000"/>
           </a:bodyPr>
           <a:lstStyle/>
           <a:p>
@@ -12262,7 +15162,11 @@
           <a:p>
             <a:r>
               <a:rPr lang="en-US" dirty="0" smtClean="0"/>
-              <a:t>Proportion of all possible substrings &gt;= 2 chars that are English words</a:t>
+              <a:t>Number of substrings that </a:t>
+            </a:r>
+            <a:r>
+              <a:rPr lang="en-US" dirty="0" smtClean="0"/>
+              <a:t>are English words</a:t>
             </a:r>
           </a:p>
           <a:p>
@@ -12299,7 +15203,7 @@
         </p:blipFill>
         <p:spPr>
           <a:xfrm>
-            <a:off x="1050291" y="3931974"/>
+            <a:off x="1050291" y="4211374"/>
             <a:ext cx="3737609" cy="792426"/>
           </a:xfrm>
           <a:prstGeom prst="rect">
@@ -12317,6 +15221,13 @@
   <p:clrMapOvr>
     <a:masterClrMapping/>
   </p:clrMapOvr>
+  <p:timing>
+    <p:tnLst>
+      <p:par>
+        <p:cTn id="1" dur="indefinite" restart="never" nodeType="tmRoot"/>
+      </p:par>
+    </p:tnLst>
+  </p:timing>
 </p:sld>
 </file>
 

--- a/tutorials/aws-lambda-app/BuildingAnAppWithAWSLambda.pptx
+++ b/tutorials/aws-lambda-app/BuildingAnAppWithAWSLambda.pptx
@@ -12,8 +12,8 @@
     <p:sldId id="257" r:id="rId3"/>
     <p:sldId id="262" r:id="rId4"/>
     <p:sldId id="273" r:id="rId5"/>
-    <p:sldId id="274" r:id="rId6"/>
-    <p:sldId id="283" r:id="rId7"/>
+    <p:sldId id="283" r:id="rId6"/>
+    <p:sldId id="274" r:id="rId7"/>
     <p:sldId id="267" r:id="rId8"/>
     <p:sldId id="264" r:id="rId9"/>
     <p:sldId id="285" r:id="rId10"/>
@@ -1034,7 +1034,7 @@
           <a:p>
             <a:fld id="{792B1845-D904-C94D-9BA9-FEC36B05FE4E}" type="datetimeFigureOut">
               <a:rPr lang="en-US" smtClean="0"/>
-              <a:t>3/14/16</a:t>
+              <a:t>3/17/16</a:t>
             </a:fld>
             <a:endParaRPr lang="en-US"/>
           </a:p>
@@ -1304,7 +1304,7 @@
           <a:p>
             <a:fld id="{792B1845-D904-C94D-9BA9-FEC36B05FE4E}" type="datetimeFigureOut">
               <a:rPr lang="en-US" smtClean="0"/>
-              <a:t>3/14/16</a:t>
+              <a:t>3/17/16</a:t>
             </a:fld>
             <a:endParaRPr lang="en-US"/>
           </a:p>
@@ -1534,7 +1534,7 @@
           <a:p>
             <a:fld id="{792B1845-D904-C94D-9BA9-FEC36B05FE4E}" type="datetimeFigureOut">
               <a:rPr lang="en-US" smtClean="0"/>
-              <a:t>3/14/16</a:t>
+              <a:t>3/17/16</a:t>
             </a:fld>
             <a:endParaRPr lang="en-US"/>
           </a:p>
@@ -1774,7 +1774,7 @@
           <a:p>
             <a:fld id="{792B1845-D904-C94D-9BA9-FEC36B05FE4E}" type="datetimeFigureOut">
               <a:rPr lang="en-US" smtClean="0"/>
-              <a:t>3/14/16</a:t>
+              <a:t>3/17/16</a:t>
             </a:fld>
             <a:endParaRPr lang="en-US"/>
           </a:p>
@@ -2610,7 +2610,7 @@
           <a:p>
             <a:fld id="{792B1845-D904-C94D-9BA9-FEC36B05FE4E}" type="datetimeFigureOut">
               <a:rPr lang="en-US" smtClean="0"/>
-              <a:t>3/14/16</a:t>
+              <a:t>3/17/16</a:t>
             </a:fld>
             <a:endParaRPr lang="en-US"/>
           </a:p>
@@ -2854,7 +2854,7 @@
           <a:p>
             <a:fld id="{792B1845-D904-C94D-9BA9-FEC36B05FE4E}" type="datetimeFigureOut">
               <a:rPr lang="en-US" smtClean="0"/>
-              <a:t>3/14/16</a:t>
+              <a:t>3/17/16</a:t>
             </a:fld>
             <a:endParaRPr lang="en-US"/>
           </a:p>
@@ -3498,7 +3498,7 @@
           <a:p>
             <a:fld id="{792B1845-D904-C94D-9BA9-FEC36B05FE4E}" type="datetimeFigureOut">
               <a:rPr lang="en-US" smtClean="0"/>
-              <a:t>3/14/16</a:t>
+              <a:t>3/17/16</a:t>
             </a:fld>
             <a:endParaRPr lang="en-US"/>
           </a:p>
@@ -3855,7 +3855,7 @@
           <a:p>
             <a:fld id="{792B1845-D904-C94D-9BA9-FEC36B05FE4E}" type="datetimeFigureOut">
               <a:rPr lang="en-US" smtClean="0"/>
-              <a:t>3/14/16</a:t>
+              <a:t>3/17/16</a:t>
             </a:fld>
             <a:endParaRPr lang="en-US"/>
           </a:p>
@@ -4382,7 +4382,7 @@
           <a:p>
             <a:fld id="{792B1845-D904-C94D-9BA9-FEC36B05FE4E}" type="datetimeFigureOut">
               <a:rPr lang="en-US" smtClean="0"/>
-              <a:t>3/14/16</a:t>
+              <a:t>3/17/16</a:t>
             </a:fld>
             <a:endParaRPr lang="en-US"/>
           </a:p>
@@ -4569,7 +4569,7 @@
           <a:p>
             <a:fld id="{792B1845-D904-C94D-9BA9-FEC36B05FE4E}" type="datetimeFigureOut">
               <a:rPr lang="en-US" smtClean="0"/>
-              <a:t>3/14/16</a:t>
+              <a:t>3/17/16</a:t>
             </a:fld>
             <a:endParaRPr lang="en-US"/>
           </a:p>
@@ -4688,7 +4688,7 @@
           <a:p>
             <a:fld id="{792B1845-D904-C94D-9BA9-FEC36B05FE4E}" type="datetimeFigureOut">
               <a:rPr lang="en-US" smtClean="0"/>
-              <a:t>3/14/16</a:t>
+              <a:t>3/17/16</a:t>
             </a:fld>
             <a:endParaRPr lang="en-US"/>
           </a:p>
@@ -5025,7 +5025,7 @@
           <a:p>
             <a:fld id="{792B1845-D904-C94D-9BA9-FEC36B05FE4E}" type="datetimeFigureOut">
               <a:rPr lang="en-US" smtClean="0"/>
-              <a:t>3/14/16</a:t>
+              <a:t>3/17/16</a:t>
             </a:fld>
             <a:endParaRPr lang="en-US"/>
           </a:p>
@@ -10003,7 +10003,7 @@
         </p:spPr>
         <p:txBody>
           <a:bodyPr>
-            <a:normAutofit/>
+            <a:normAutofit fontScale="92500" lnSpcReduction="10000"/>
           </a:bodyPr>
           <a:lstStyle/>
           <a:p>
@@ -10011,6 +10011,33 @@
               <a:rPr lang="en-US" dirty="0" smtClean="0"/>
               <a:t>Stateless</a:t>
             </a:r>
+          </a:p>
+          <a:p>
+            <a:pPr lvl="1"/>
+            <a:r>
+              <a:rPr lang="en-US" dirty="0" smtClean="0"/>
+              <a:t>Can access </a:t>
+            </a:r>
+            <a:r>
+              <a:rPr lang="en-US" dirty="0" err="1" smtClean="0"/>
+              <a:t>stateful</a:t>
+            </a:r>
+            <a:r>
+              <a:rPr lang="en-US" dirty="0" smtClean="0"/>
+              <a:t> data by </a:t>
+            </a:r>
+            <a:r>
+              <a:rPr lang="en-US" dirty="0"/>
+              <a:t>calling other web services, such as Amazon S3 or Amazon </a:t>
+            </a:r>
+            <a:r>
+              <a:rPr lang="en-US" dirty="0" err="1"/>
+              <a:t>DynamoDB</a:t>
+            </a:r>
+            <a:r>
+              <a:rPr lang="en-US" dirty="0"/>
+              <a:t>.</a:t>
+            </a:r>
             <a:endParaRPr lang="en-US" dirty="0" smtClean="0"/>
           </a:p>
           <a:p>
@@ -10068,6 +10095,13 @@
               <a:t>secs</a:t>
             </a:r>
             <a:endParaRPr lang="en-US" dirty="0" smtClean="0"/>
+          </a:p>
+          <a:p>
+            <a:pPr lvl="1"/>
+            <a:r>
+              <a:rPr lang="en-US" dirty="0" smtClean="0"/>
+              <a:t>Can request longer timeout</a:t>
+            </a:r>
           </a:p>
           <a:p>
             <a:pPr lvl="1"/>
@@ -10264,7 +10298,7 @@
           <a:p>
             <a:r>
               <a:rPr lang="en-US" dirty="0" smtClean="0"/>
-              <a:t>AWS LAMBDA RESOURCE LIMITS</a:t>
+              <a:t>LAMBDA RESOURCE LIMITS</a:t>
             </a:r>
             <a:endParaRPr lang="en-US" dirty="0"/>
           </a:p>
@@ -11685,7 +11719,6 @@
               <a:rPr lang="en-US" dirty="0" smtClean="0"/>
               <a:t>Requests</a:t>
             </a:r>
-            <a:endParaRPr lang="en-US" dirty="0" smtClean="0"/>
           </a:p>
           <a:p>
             <a:pPr lvl="2"/>
@@ -13558,7 +13591,6 @@
               <a:rPr lang="en-US" dirty="0" smtClean="0"/>
               <a:t>Scaling</a:t>
             </a:r>
-            <a:endParaRPr lang="en-US" dirty="0" smtClean="0"/>
           </a:p>
           <a:p>
             <a:r>
@@ -13706,7 +13738,6 @@
               <a:rPr lang="en-US" dirty="0"/>
               <a:t>needed </a:t>
             </a:r>
-            <a:endParaRPr lang="en-US" dirty="0"/>
           </a:p>
         </p:txBody>
       </p:sp>
@@ -13720,6 +13751,13 @@
   <p:clrMapOvr>
     <a:masterClrMapping/>
   </p:clrMapOvr>
+  <p:timing>
+    <p:tnLst>
+      <p:par>
+        <p:cTn id="1" dur="indefinite" restart="never" nodeType="tmRoot"/>
+      </p:par>
+    </p:tnLst>
+  </p:timing>
 </p:sld>
 </file>
 
@@ -14895,7 +14933,7 @@
           <a:p>
             <a:r>
               <a:rPr lang="en-US" dirty="0" smtClean="0"/>
-              <a:t>DATA</a:t>
+              <a:t>FEATURES</a:t>
             </a:r>
             <a:endParaRPr lang="en-US" dirty="0"/>
           </a:p>
@@ -14911,7 +14949,12 @@
             <p:ph idx="1"/>
           </p:nvPr>
         </p:nvSpPr>
-        <p:spPr/>
+        <p:spPr>
+          <a:xfrm>
+            <a:off x="457200" y="1625600"/>
+            <a:ext cx="8229600" cy="4525963"/>
+          </a:xfrm>
+        </p:spPr>
         <p:txBody>
           <a:bodyPr>
             <a:normAutofit/>
@@ -14920,106 +14963,39 @@
           <a:p>
             <a:r>
               <a:rPr lang="en-US" dirty="0" smtClean="0"/>
-              <a:t>Domains and whether they are malicious</a:t>
+              <a:t>String length</a:t>
+            </a:r>
+          </a:p>
+          <a:p>
+            <a:r>
+              <a:rPr lang="en-US" dirty="0" smtClean="0"/>
+              <a:t>Shannon Entropy</a:t>
             </a:r>
           </a:p>
           <a:p>
             <a:pPr lvl="1"/>
             <a:r>
-              <a:rPr lang="en-US" sz="1800" dirty="0" smtClean="0"/>
-              <a:t>http</a:t>
-            </a:r>
-            <a:r>
-              <a:rPr lang="en-US" sz="1800" dirty="0"/>
-              <a:t>://</a:t>
-            </a:r>
-            <a:r>
-              <a:rPr lang="en-US" sz="1800" dirty="0" err="1" smtClean="0"/>
-              <a:t>datadrivensecurity.info</a:t>
-            </a:r>
-            <a:r>
-              <a:rPr lang="en-US" sz="1800" dirty="0" smtClean="0"/>
-              <a:t>/blog/data/2014/10/legit-</a:t>
-            </a:r>
-            <a:r>
-              <a:rPr lang="en-US" sz="1800" dirty="0" err="1" smtClean="0"/>
-              <a:t>dga_domains.csv.zip</a:t>
-            </a:r>
-            <a:endParaRPr lang="en-US" sz="1800" dirty="0" smtClean="0"/>
-          </a:p>
-          <a:p>
-            <a:pPr lvl="1"/>
-            <a:r>
-              <a:rPr lang="is-IS" dirty="0"/>
-              <a:t>133,927</a:t>
-            </a:r>
-            <a:r>
-              <a:rPr lang="en-US" dirty="0"/>
-              <a:t> </a:t>
-            </a:r>
-            <a:r>
               <a:rPr lang="en-US" dirty="0" smtClean="0"/>
-              <a:t>rows</a:t>
-            </a:r>
-            <a:endParaRPr lang="en-US" dirty="0"/>
+              <a:t>Measure of uncertainty in a random variable</a:t>
+            </a:r>
+          </a:p>
+          <a:p>
+            <a:endParaRPr lang="en-US" dirty="0" smtClean="0"/>
+          </a:p>
+          <a:p>
+            <a:endParaRPr lang="en-US" dirty="0" smtClean="0"/>
           </a:p>
           <a:p>
             <a:r>
               <a:rPr lang="en-US" dirty="0" smtClean="0"/>
-              <a:t>English words</a:t>
-            </a:r>
-          </a:p>
-          <a:p>
-            <a:pPr lvl="1"/>
-            <a:r>
-              <a:rPr lang="en-US" sz="1800" dirty="0" smtClean="0"/>
-              <a:t>https</a:t>
-            </a:r>
-            <a:r>
-              <a:rPr lang="en-US" sz="1800" dirty="0"/>
-              <a:t>://</a:t>
-            </a:r>
-            <a:r>
-              <a:rPr lang="en-US" sz="1800" dirty="0" err="1" smtClean="0"/>
-              <a:t>raw.githubusercontent.com</a:t>
-            </a:r>
-            <a:r>
-              <a:rPr lang="en-US" sz="1800" dirty="0" smtClean="0"/>
-              <a:t>/</a:t>
-            </a:r>
-            <a:r>
-              <a:rPr lang="en-US" sz="1800" dirty="0" err="1" smtClean="0"/>
-              <a:t>dwyl</a:t>
-            </a:r>
-            <a:r>
-              <a:rPr lang="en-US" sz="1800" dirty="0" smtClean="0"/>
-              <a:t>/</a:t>
-            </a:r>
-            <a:r>
-              <a:rPr lang="en-US" sz="1800" dirty="0" err="1" smtClean="0"/>
-              <a:t>english</a:t>
-            </a:r>
-            <a:r>
-              <a:rPr lang="en-US" sz="1800" dirty="0" smtClean="0"/>
-              <a:t>-words/master/</a:t>
-            </a:r>
-            <a:r>
-              <a:rPr lang="en-US" sz="1800" dirty="0" err="1" smtClean="0"/>
-              <a:t>words.txt</a:t>
-            </a:r>
-            <a:endParaRPr lang="en-US" sz="1800" dirty="0" smtClean="0"/>
-          </a:p>
-          <a:p>
-            <a:pPr lvl="1"/>
-            <a:r>
-              <a:rPr lang="cs-CZ" dirty="0" smtClean="0"/>
-              <a:t>354,985 </a:t>
-            </a:r>
+              <a:t>Number of substrings that are English words</a:t>
+            </a:r>
+          </a:p>
+          <a:p>
             <a:r>
               <a:rPr lang="en-US" dirty="0" smtClean="0"/>
-              <a:t>rows</a:t>
-            </a:r>
-            <a:endParaRPr lang="en-US" dirty="0"/>
+              <a:t>Proportion of vowels</a:t>
+            </a:r>
           </a:p>
           <a:p>
             <a:pPr lvl="1"/>
@@ -15027,10 +15003,40 @@
           </a:p>
         </p:txBody>
       </p:sp>
+      <p:pic>
+        <p:nvPicPr>
+          <p:cNvPr id="4" name="Picture 3"/>
+          <p:cNvPicPr>
+            <a:picLocks noChangeAspect="1"/>
+          </p:cNvPicPr>
+          <p:nvPr/>
+        </p:nvPicPr>
+        <p:blipFill>
+          <a:blip r:embed="rId2">
+            <a:extLst>
+              <a:ext uri="{28A0092B-C50C-407E-A947-70E740481C1C}">
+                <a14:useLocalDpi xmlns:a14="http://schemas.microsoft.com/office/drawing/2010/main" val="0"/>
+              </a:ext>
+            </a:extLst>
+          </a:blip>
+          <a:stretch>
+            <a:fillRect/>
+          </a:stretch>
+        </p:blipFill>
+        <p:spPr>
+          <a:xfrm>
+            <a:off x="1050291" y="3538274"/>
+            <a:ext cx="3737609" cy="792426"/>
+          </a:xfrm>
+          <a:prstGeom prst="rect">
+            <a:avLst/>
+          </a:prstGeom>
+        </p:spPr>
+      </p:pic>
     </p:spTree>
     <p:extLst>
       <p:ext uri="{BB962C8B-B14F-4D97-AF65-F5344CB8AC3E}">
-        <p14:creationId xmlns:p14="http://schemas.microsoft.com/office/powerpoint/2010/main" val="2350093758"/>
+        <p14:creationId xmlns:p14="http://schemas.microsoft.com/office/powerpoint/2010/main" val="561352099"/>
       </p:ext>
     </p:extLst>
   </p:cSld>
@@ -15081,7 +15087,7 @@
           <a:p>
             <a:r>
               <a:rPr lang="en-US" dirty="0" smtClean="0"/>
-              <a:t>FEATURES</a:t>
+              <a:t>DATA</a:t>
             </a:r>
             <a:endParaRPr lang="en-US" dirty="0"/>
           </a:p>
@@ -15097,83 +15103,115 @@
             <p:ph idx="1"/>
           </p:nvPr>
         </p:nvSpPr>
-        <p:spPr>
-          <a:xfrm>
-            <a:off x="457200" y="1625600"/>
-            <a:ext cx="8229600" cy="4525963"/>
-          </a:xfrm>
-        </p:spPr>
+        <p:spPr/>
         <p:txBody>
           <a:bodyPr>
-            <a:normAutofit fontScale="92500" lnSpcReduction="20000"/>
+            <a:normAutofit/>
           </a:bodyPr>
           <a:lstStyle/>
           <a:p>
-            <a:pPr marL="0" indent="0">
-              <a:buNone/>
-            </a:pPr>
             <a:r>
               <a:rPr lang="en-US" dirty="0" smtClean="0"/>
-              <a:t>Q:		Input is the domain name, which is a string. How do we use models that require numbers?</a:t>
-            </a:r>
-          </a:p>
-          <a:p>
-            <a:pPr marL="0" indent="0">
-              <a:buNone/>
-            </a:pPr>
+              <a:t>Domains and whether they are malicious</a:t>
+            </a:r>
+          </a:p>
+          <a:p>
+            <a:pPr lvl="1"/>
+            <a:r>
+              <a:rPr lang="en-US" sz="1800" dirty="0" smtClean="0"/>
+              <a:t>http</a:t>
+            </a:r>
+            <a:r>
+              <a:rPr lang="en-US" sz="1800" dirty="0"/>
+              <a:t>://</a:t>
+            </a:r>
+            <a:r>
+              <a:rPr lang="en-US" sz="1800" dirty="0" err="1" smtClean="0"/>
+              <a:t>datadrivensecurity.info</a:t>
+            </a:r>
+            <a:r>
+              <a:rPr lang="en-US" sz="1800" dirty="0" smtClean="0"/>
+              <a:t>/blog/data/2014/10/legit-</a:t>
+            </a:r>
+            <a:r>
+              <a:rPr lang="en-US" sz="1800" dirty="0" err="1" smtClean="0"/>
+              <a:t>dga_domains.csv.zip</a:t>
+            </a:r>
+            <a:endParaRPr lang="en-US" sz="1800" dirty="0" smtClean="0"/>
+          </a:p>
+          <a:p>
+            <a:pPr lvl="1"/>
+            <a:r>
+              <a:rPr lang="is-IS" dirty="0"/>
+              <a:t>133,927</a:t>
+            </a:r>
+            <a:r>
+              <a:rPr lang="en-US" dirty="0"/>
+              <a:t> </a:t>
+            </a:r>
             <a:r>
               <a:rPr lang="en-US" dirty="0" smtClean="0"/>
-              <a:t>A:		String </a:t>
-            </a:r>
-            <a:r>
-              <a:rPr lang="en-US" dirty="0" err="1" smtClean="0"/>
-              <a:t>munging</a:t>
-            </a:r>
+              <a:t>rows</a:t>
+            </a:r>
+            <a:endParaRPr lang="en-US" dirty="0"/>
+          </a:p>
+          <a:p>
             <a:r>
               <a:rPr lang="en-US" dirty="0" smtClean="0"/>
-              <a:t> functions</a:t>
-            </a:r>
-          </a:p>
-          <a:p>
+              <a:t>English words</a:t>
+            </a:r>
+          </a:p>
+          <a:p>
+            <a:pPr lvl="1"/>
+            <a:r>
+              <a:rPr lang="en-US" sz="1800" dirty="0" smtClean="0"/>
+              <a:t>https</a:t>
+            </a:r>
+            <a:r>
+              <a:rPr lang="en-US" sz="1800" dirty="0"/>
+              <a:t>://</a:t>
+            </a:r>
+            <a:r>
+              <a:rPr lang="en-US" sz="1800" dirty="0" err="1" smtClean="0"/>
+              <a:t>raw.githubusercontent.com</a:t>
+            </a:r>
+            <a:r>
+              <a:rPr lang="en-US" sz="1800" dirty="0" smtClean="0"/>
+              <a:t>/</a:t>
+            </a:r>
+            <a:r>
+              <a:rPr lang="en-US" sz="1800" dirty="0" err="1" smtClean="0"/>
+              <a:t>dwyl</a:t>
+            </a:r>
+            <a:r>
+              <a:rPr lang="en-US" sz="1800" dirty="0" smtClean="0"/>
+              <a:t>/</a:t>
+            </a:r>
+            <a:r>
+              <a:rPr lang="en-US" sz="1800" dirty="0" err="1" smtClean="0"/>
+              <a:t>english</a:t>
+            </a:r>
+            <a:r>
+              <a:rPr lang="en-US" sz="1800" dirty="0" smtClean="0"/>
+              <a:t>-words/master/</a:t>
+            </a:r>
+            <a:r>
+              <a:rPr lang="en-US" sz="1800" dirty="0" err="1" smtClean="0"/>
+              <a:t>words.txt</a:t>
+            </a:r>
+            <a:endParaRPr lang="en-US" sz="1800" dirty="0" smtClean="0"/>
+          </a:p>
+          <a:p>
+            <a:pPr lvl="1"/>
+            <a:r>
+              <a:rPr lang="cs-CZ" dirty="0" smtClean="0"/>
+              <a:t>354,985 </a:t>
+            </a:r>
             <a:r>
               <a:rPr lang="en-US" dirty="0" smtClean="0"/>
-              <a:t>String length</a:t>
-            </a:r>
-          </a:p>
-          <a:p>
-            <a:r>
-              <a:rPr lang="en-US" dirty="0" smtClean="0"/>
-              <a:t>Shannon Entropy</a:t>
-            </a:r>
-          </a:p>
-          <a:p>
-            <a:pPr lvl="1"/>
-            <a:r>
-              <a:rPr lang="en-US" dirty="0" smtClean="0"/>
-              <a:t>Measure of uncertainty in a random variable</a:t>
-            </a:r>
-          </a:p>
-          <a:p>
-            <a:endParaRPr lang="en-US" dirty="0" smtClean="0"/>
-          </a:p>
-          <a:p>
-            <a:endParaRPr lang="en-US" dirty="0" smtClean="0"/>
-          </a:p>
-          <a:p>
-            <a:r>
-              <a:rPr lang="en-US" dirty="0" smtClean="0"/>
-              <a:t>Number of substrings that </a:t>
-            </a:r>
-            <a:r>
-              <a:rPr lang="en-US" dirty="0" smtClean="0"/>
-              <a:t>are English words</a:t>
-            </a:r>
-          </a:p>
-          <a:p>
-            <a:r>
-              <a:rPr lang="en-US" dirty="0" smtClean="0"/>
-              <a:t>Proportion of vowels</a:t>
-            </a:r>
+              <a:t>rows</a:t>
+            </a:r>
+            <a:endParaRPr lang="en-US" dirty="0"/>
           </a:p>
           <a:p>
             <a:pPr lvl="1"/>
@@ -15181,40 +15219,10 @@
           </a:p>
         </p:txBody>
       </p:sp>
-      <p:pic>
-        <p:nvPicPr>
-          <p:cNvPr id="4" name="Picture 3"/>
-          <p:cNvPicPr>
-            <a:picLocks noChangeAspect="1"/>
-          </p:cNvPicPr>
-          <p:nvPr/>
-        </p:nvPicPr>
-        <p:blipFill>
-          <a:blip r:embed="rId2">
-            <a:extLst>
-              <a:ext uri="{28A0092B-C50C-407E-A947-70E740481C1C}">
-                <a14:useLocalDpi xmlns:a14="http://schemas.microsoft.com/office/drawing/2010/main" val="0"/>
-              </a:ext>
-            </a:extLst>
-          </a:blip>
-          <a:stretch>
-            <a:fillRect/>
-          </a:stretch>
-        </p:blipFill>
-        <p:spPr>
-          <a:xfrm>
-            <a:off x="1050291" y="4211374"/>
-            <a:ext cx="3737609" cy="792426"/>
-          </a:xfrm>
-          <a:prstGeom prst="rect">
-            <a:avLst/>
-          </a:prstGeom>
-        </p:spPr>
-      </p:pic>
     </p:spTree>
     <p:extLst>
       <p:ext uri="{BB962C8B-B14F-4D97-AF65-F5344CB8AC3E}">
-        <p14:creationId xmlns:p14="http://schemas.microsoft.com/office/powerpoint/2010/main" val="561352099"/>
+        <p14:creationId xmlns:p14="http://schemas.microsoft.com/office/powerpoint/2010/main" val="2350093758"/>
       </p:ext>
     </p:extLst>
   </p:cSld>
